--- a/GraphQL.pptx
+++ b/GraphQL.pptx
@@ -5,38 +5,38 @@
     <p:sldMasterId id="2147483648" r:id="rId1"/>
   </p:sldMasterIdLst>
   <p:notesMasterIdLst>
-    <p:notesMasterId r:id="rId4"/>
+    <p:notesMasterId r:id="rId28"/>
   </p:notesMasterIdLst>
   <p:handoutMasterIdLst>
-    <p:handoutMasterId r:id="rId30"/>
+    <p:handoutMasterId r:id="rId29"/>
   </p:handoutMasterIdLst>
   <p:sldIdLst>
-    <p:sldId id="260" r:id="rId3"/>
-    <p:sldId id="261" r:id="rId5"/>
-    <p:sldId id="265" r:id="rId6"/>
-    <p:sldId id="262" r:id="rId7"/>
-    <p:sldId id="287" r:id="rId8"/>
-    <p:sldId id="286" r:id="rId9"/>
-    <p:sldId id="288" r:id="rId10"/>
-    <p:sldId id="289" r:id="rId11"/>
-    <p:sldId id="263" r:id="rId12"/>
-    <p:sldId id="264" r:id="rId13"/>
-    <p:sldId id="290" r:id="rId14"/>
-    <p:sldId id="268" r:id="rId15"/>
-    <p:sldId id="267" r:id="rId16"/>
-    <p:sldId id="314" r:id="rId17"/>
-    <p:sldId id="270" r:id="rId18"/>
-    <p:sldId id="271" r:id="rId19"/>
-    <p:sldId id="315" r:id="rId20"/>
-    <p:sldId id="316" r:id="rId21"/>
-    <p:sldId id="285" r:id="rId22"/>
-    <p:sldId id="317" r:id="rId23"/>
-    <p:sldId id="320" r:id="rId24"/>
-    <p:sldId id="321" r:id="rId25"/>
-    <p:sldId id="318" r:id="rId26"/>
-    <p:sldId id="272" r:id="rId27"/>
-    <p:sldId id="319" r:id="rId28"/>
-    <p:sldId id="284" r:id="rId29"/>
+    <p:sldId id="260" r:id="rId2"/>
+    <p:sldId id="261" r:id="rId3"/>
+    <p:sldId id="265" r:id="rId4"/>
+    <p:sldId id="262" r:id="rId5"/>
+    <p:sldId id="287" r:id="rId6"/>
+    <p:sldId id="286" r:id="rId7"/>
+    <p:sldId id="288" r:id="rId8"/>
+    <p:sldId id="289" r:id="rId9"/>
+    <p:sldId id="263" r:id="rId10"/>
+    <p:sldId id="264" r:id="rId11"/>
+    <p:sldId id="290" r:id="rId12"/>
+    <p:sldId id="268" r:id="rId13"/>
+    <p:sldId id="267" r:id="rId14"/>
+    <p:sldId id="314" r:id="rId15"/>
+    <p:sldId id="270" r:id="rId16"/>
+    <p:sldId id="271" r:id="rId17"/>
+    <p:sldId id="315" r:id="rId18"/>
+    <p:sldId id="316" r:id="rId19"/>
+    <p:sldId id="285" r:id="rId20"/>
+    <p:sldId id="317" r:id="rId21"/>
+    <p:sldId id="320" r:id="rId22"/>
+    <p:sldId id="321" r:id="rId23"/>
+    <p:sldId id="318" r:id="rId24"/>
+    <p:sldId id="272" r:id="rId25"/>
+    <p:sldId id="319" r:id="rId26"/>
+    <p:sldId id="284" r:id="rId27"/>
   </p:sldIdLst>
   <p:sldSz cx="12192000" cy="6858000"/>
   <p:notesSz cx="6858000" cy="9144000"/>
@@ -165,6 +165,22 @@
       </a:defRPr>
     </a:lvl9pPr>
   </p:defaultTextStyle>
+  <p:extLst>
+    <p:ext uri="{EFAFB233-063F-42B5-8137-9DF3F51BA10A}">
+      <p15:sldGuideLst xmlns:p15="http://schemas.microsoft.com/office/powerpoint/2012/main">
+        <p15:guide id="1" orient="horz" pos="2160">
+          <p15:clr>
+            <a:srgbClr val="A4A3A4"/>
+          </p15:clr>
+        </p15:guide>
+        <p15:guide id="2" pos="3840">
+          <p15:clr>
+            <a:srgbClr val="A4A3A4"/>
+          </p15:clr>
+        </p15:guide>
+      </p15:sldGuideLst>
+    </p:ext>
+  </p:extLst>
 </p:presentation>
 </file>
 
@@ -265,6 +281,7 @@
             </a:pPr>
             <a:fld id="{F50BDC0E-2239-45DF-9524-A1CF3E0711BE}" type="datetimeFigureOut">
               <a:rPr lang="zh-CN" altLang="en-US"/>
+              <a:t>2019/3/15</a:t>
             </a:fld>
             <a:endParaRPr lang="zh-CN" altLang="en-US">
               <a:cs typeface="+mn-cs"/>
@@ -344,6 +361,7 @@
             </a:pPr>
             <a:fld id="{0E607BD0-D7C9-48FE-820C-9907E3322313}" type="slidenum">
               <a:rPr lang="zh-CN" altLang="en-US"/>
+              <a:t>‹#›</a:t>
             </a:fld>
             <a:endParaRPr lang="zh-CN" altLang="en-US">
               <a:cs typeface="+mn-cs"/>
@@ -352,6 +370,11 @@
         </p:txBody>
       </p:sp>
     </p:spTree>
+    <p:extLst>
+      <p:ext uri="{BB962C8B-B14F-4D97-AF65-F5344CB8AC3E}">
+        <p14:creationId xmlns:p14="http://schemas.microsoft.com/office/powerpoint/2010/main" val="2189817447"/>
+      </p:ext>
+    </p:extLst>
   </p:cSld>
   <p:clrMap bg1="lt1" tx1="dk1" bg2="lt2" tx2="dk2" accent1="accent1" accent2="accent2" accent3="accent3" accent4="accent4" accent5="accent5" accent6="accent6" hlink="hlink" folHlink="folHlink"/>
 </p:handoutMaster>
@@ -454,6 +477,7 @@
             </a:pPr>
             <a:fld id="{84F37D08-85E4-4BFC-AC0F-A700EED159BA}" type="datetimeFigureOut">
               <a:rPr lang="zh-CN" altLang="en-US"/>
+              <a:t>2019/3/15</a:t>
             </a:fld>
             <a:endParaRPr lang="zh-CN" altLang="en-US">
               <a:cs typeface="+mn-cs"/>
@@ -548,7 +572,6 @@
               <a:rPr lang="zh-CN" altLang="en-US" noProof="0"/>
               <a:t>单击此处编辑母版文本样式</a:t>
             </a:r>
-            <a:endParaRPr lang="zh-CN" altLang="en-US" noProof="0"/>
           </a:p>
           <a:p>
             <a:pPr lvl="1"/>
@@ -556,7 +579,6 @@
               <a:rPr lang="zh-CN" altLang="en-US" noProof="0"/>
               <a:t>第二级</a:t>
             </a:r>
-            <a:endParaRPr lang="zh-CN" altLang="en-US" noProof="0"/>
           </a:p>
           <a:p>
             <a:pPr lvl="2"/>
@@ -564,7 +586,6 @@
               <a:rPr lang="zh-CN" altLang="en-US" noProof="0"/>
               <a:t>第三级</a:t>
             </a:r>
-            <a:endParaRPr lang="zh-CN" altLang="en-US" noProof="0"/>
           </a:p>
           <a:p>
             <a:pPr lvl="3"/>
@@ -572,7 +593,6 @@
               <a:rPr lang="zh-CN" altLang="en-US" noProof="0"/>
               <a:t>第四级</a:t>
             </a:r>
-            <a:endParaRPr lang="zh-CN" altLang="en-US" noProof="0"/>
           </a:p>
           <a:p>
             <a:pPr lvl="4"/>
@@ -580,7 +600,6 @@
               <a:rPr lang="zh-CN" altLang="en-US" noProof="0"/>
               <a:t>第五级</a:t>
             </a:r>
-            <a:endParaRPr lang="zh-CN" altLang="en-US" noProof="0"/>
           </a:p>
         </p:txBody>
       </p:sp>
@@ -656,6 +675,7 @@
             </a:pPr>
             <a:fld id="{5E0E6BE5-EEEF-48E6-89B7-39F5FAB15DA9}" type="slidenum">
               <a:rPr lang="zh-CN" altLang="en-US"/>
+              <a:t>‹#›</a:t>
             </a:fld>
             <a:endParaRPr lang="zh-CN" altLang="en-US">
               <a:cs typeface="+mn-cs"/>
@@ -664,6 +684,11 @@
         </p:txBody>
       </p:sp>
     </p:spTree>
+    <p:extLst>
+      <p:ext uri="{BB962C8B-B14F-4D97-AF65-F5344CB8AC3E}">
+        <p14:creationId xmlns:p14="http://schemas.microsoft.com/office/powerpoint/2010/main" val="813707216"/>
+      </p:ext>
+    </p:extLst>
   </p:cSld>
   <p:clrMap bg1="lt1" tx1="dk1" bg2="lt2" tx2="dk2" accent1="accent1" accent2="accent2" accent3="accent3" accent4="accent4" accent5="accent5" accent6="accent6" hlink="hlink" folHlink="folHlink"/>
   <p:notesStyle>
@@ -861,6 +886,7 @@
             </a:pPr>
             <a:fld id="{6A8C2294-2A10-4BFF-BAB4-CF89F71F9993}" type="slidenum">
               <a:rPr lang="zh-CN" altLang="en-US" smtClean="0"/>
+              <a:t>1</a:t>
             </a:fld>
             <a:endParaRPr lang="zh-CN" altLang="en-US">
               <a:cs typeface="+mn-cs"/>
@@ -869,6 +895,11 @@
         </p:txBody>
       </p:sp>
     </p:spTree>
+    <p:extLst>
+      <p:ext uri="{BB962C8B-B14F-4D97-AF65-F5344CB8AC3E}">
+        <p14:creationId xmlns:p14="http://schemas.microsoft.com/office/powerpoint/2010/main" val="2797676777"/>
+      </p:ext>
+    </p:extLst>
   </p:cSld>
   <p:clrMapOvr>
     <a:masterClrMapping/>
@@ -946,6 +977,7 @@
             </a:pPr>
             <a:fld id="{DE818977-4CC0-4604-B727-B0E627050D5D}" type="slidenum">
               <a:rPr lang="zh-CN" altLang="en-US" smtClean="0"/>
+              <a:t>2</a:t>
             </a:fld>
             <a:endParaRPr lang="zh-CN" altLang="en-US">
               <a:cs typeface="+mn-cs"/>
@@ -954,6 +986,11 @@
         </p:txBody>
       </p:sp>
     </p:spTree>
+    <p:extLst>
+      <p:ext uri="{BB962C8B-B14F-4D97-AF65-F5344CB8AC3E}">
+        <p14:creationId xmlns:p14="http://schemas.microsoft.com/office/powerpoint/2010/main" val="3411155614"/>
+      </p:ext>
+    </p:extLst>
   </p:cSld>
   <p:clrMapOvr>
     <a:masterClrMapping/>
@@ -1031,6 +1068,7 @@
             </a:pPr>
             <a:fld id="{6A264090-062A-4AB0-B5F3-EB3798E9AB97}" type="slidenum">
               <a:rPr lang="zh-CN" altLang="en-US" smtClean="0"/>
+              <a:t>26</a:t>
             </a:fld>
             <a:endParaRPr lang="zh-CN" altLang="en-US">
               <a:cs typeface="+mn-cs"/>
@@ -1039,6 +1077,11 @@
         </p:txBody>
       </p:sp>
     </p:spTree>
+    <p:extLst>
+      <p:ext uri="{BB962C8B-B14F-4D97-AF65-F5344CB8AC3E}">
+        <p14:creationId xmlns:p14="http://schemas.microsoft.com/office/powerpoint/2010/main" val="1153541383"/>
+      </p:ext>
+    </p:extLst>
   </p:cSld>
   <p:clrMapOvr>
     <a:masterClrMapping/>
@@ -1090,7 +1133,6 @@
               <a:rPr lang="zh-CN" altLang="en-US" noProof="1"/>
               <a:t>单击此处编辑母版标题样式</a:t>
             </a:r>
-            <a:endParaRPr lang="zh-CN" altLang="en-US" noProof="1"/>
           </a:p>
         </p:txBody>
       </p:sp>
@@ -1158,7 +1200,6 @@
               <a:rPr lang="zh-CN" altLang="en-US" noProof="1"/>
               <a:t>单击此处编辑母版副标题样式</a:t>
             </a:r>
-            <a:endParaRPr lang="zh-CN" altLang="en-US" noProof="1"/>
           </a:p>
         </p:txBody>
       </p:sp>
@@ -1217,7 +1258,6 @@
               <a:rPr lang="zh-CN" altLang="en-US" noProof="1"/>
               <a:t>单击此处编辑母版标题样式</a:t>
             </a:r>
-            <a:endParaRPr lang="zh-CN" altLang="en-US" noProof="1"/>
           </a:p>
         </p:txBody>
       </p:sp>
@@ -1249,7 +1289,6 @@
               <a:rPr lang="zh-CN" altLang="en-US" noProof="1"/>
               <a:t>单击此处编辑母版文本样式</a:t>
             </a:r>
-            <a:endParaRPr lang="zh-CN" altLang="en-US" noProof="1"/>
           </a:p>
           <a:p>
             <a:pPr lvl="1"/>
@@ -1257,7 +1296,6 @@
               <a:rPr lang="zh-CN" altLang="en-US" noProof="1"/>
               <a:t>第二级</a:t>
             </a:r>
-            <a:endParaRPr lang="zh-CN" altLang="en-US" noProof="1"/>
           </a:p>
           <a:p>
             <a:pPr lvl="2"/>
@@ -1265,7 +1303,6 @@
               <a:rPr lang="zh-CN" altLang="en-US" noProof="1"/>
               <a:t>第三级</a:t>
             </a:r>
-            <a:endParaRPr lang="zh-CN" altLang="en-US" noProof="1"/>
           </a:p>
           <a:p>
             <a:pPr lvl="3"/>
@@ -1273,7 +1310,6 @@
               <a:rPr lang="zh-CN" altLang="en-US" noProof="1"/>
               <a:t>第四级</a:t>
             </a:r>
-            <a:endParaRPr lang="zh-CN" altLang="en-US" noProof="1"/>
           </a:p>
           <a:p>
             <a:pPr lvl="4"/>
@@ -1281,7 +1317,6 @@
               <a:rPr lang="zh-CN" altLang="en-US" noProof="1"/>
               <a:t>第五级</a:t>
             </a:r>
-            <a:endParaRPr lang="zh-CN" altLang="en-US" noProof="1"/>
           </a:p>
         </p:txBody>
       </p:sp>
@@ -1340,7 +1375,6 @@
               <a:rPr lang="zh-CN" altLang="en-US" noProof="1"/>
               <a:t>单击此处编辑母版标题样式</a:t>
             </a:r>
-            <a:endParaRPr lang="zh-CN" altLang="en-US" noProof="1"/>
           </a:p>
         </p:txBody>
       </p:sp>
@@ -1372,7 +1406,6 @@
               <a:rPr lang="zh-CN" altLang="en-US" noProof="1"/>
               <a:t>单击此处编辑母版文本样式</a:t>
             </a:r>
-            <a:endParaRPr lang="zh-CN" altLang="en-US" noProof="1"/>
           </a:p>
           <a:p>
             <a:pPr lvl="1"/>
@@ -1380,7 +1413,6 @@
               <a:rPr lang="zh-CN" altLang="en-US" noProof="1"/>
               <a:t>第二级</a:t>
             </a:r>
-            <a:endParaRPr lang="zh-CN" altLang="en-US" noProof="1"/>
           </a:p>
           <a:p>
             <a:pPr lvl="2"/>
@@ -1388,7 +1420,6 @@
               <a:rPr lang="zh-CN" altLang="en-US" noProof="1"/>
               <a:t>第三级</a:t>
             </a:r>
-            <a:endParaRPr lang="zh-CN" altLang="en-US" noProof="1"/>
           </a:p>
           <a:p>
             <a:pPr lvl="3"/>
@@ -1396,7 +1427,6 @@
               <a:rPr lang="zh-CN" altLang="en-US" noProof="1"/>
               <a:t>第四级</a:t>
             </a:r>
-            <a:endParaRPr lang="zh-CN" altLang="en-US" noProof="1"/>
           </a:p>
           <a:p>
             <a:pPr lvl="4"/>
@@ -1404,7 +1434,6 @@
               <a:rPr lang="zh-CN" altLang="en-US" noProof="1"/>
               <a:t>第五级</a:t>
             </a:r>
-            <a:endParaRPr lang="zh-CN" altLang="en-US" noProof="1"/>
           </a:p>
         </p:txBody>
       </p:sp>
@@ -1467,7 +1496,6 @@
               <a:rPr lang="zh-CN" altLang="en-US" noProof="1"/>
               <a:t>单击此处编辑母版标题样式</a:t>
             </a:r>
-            <a:endParaRPr lang="zh-CN" altLang="en-US" noProof="1"/>
           </a:p>
         </p:txBody>
       </p:sp>
@@ -1536,7 +1564,6 @@
               <a:rPr lang="zh-CN" altLang="en-US" noProof="1"/>
               <a:t>单击此处编辑母版文本样式</a:t>
             </a:r>
-            <a:endParaRPr lang="zh-CN" altLang="en-US" noProof="1"/>
           </a:p>
         </p:txBody>
       </p:sp>
@@ -1595,7 +1622,6 @@
               <a:rPr lang="zh-CN" altLang="en-US" noProof="1"/>
               <a:t>单击此处编辑母版标题样式</a:t>
             </a:r>
-            <a:endParaRPr lang="zh-CN" altLang="en-US" noProof="1"/>
           </a:p>
         </p:txBody>
       </p:sp>
@@ -1655,7 +1681,6 @@
               <a:rPr lang="zh-CN" altLang="en-US" noProof="1"/>
               <a:t>单击此处编辑母版文本样式</a:t>
             </a:r>
-            <a:endParaRPr lang="zh-CN" altLang="en-US" noProof="1"/>
           </a:p>
           <a:p>
             <a:pPr lvl="1"/>
@@ -1663,7 +1688,6 @@
               <a:rPr lang="zh-CN" altLang="en-US" noProof="1"/>
               <a:t>第二级</a:t>
             </a:r>
-            <a:endParaRPr lang="zh-CN" altLang="en-US" noProof="1"/>
           </a:p>
           <a:p>
             <a:pPr lvl="2"/>
@@ -1671,7 +1695,6 @@
               <a:rPr lang="zh-CN" altLang="en-US" noProof="1"/>
               <a:t>第三级</a:t>
             </a:r>
-            <a:endParaRPr lang="zh-CN" altLang="en-US" noProof="1"/>
           </a:p>
           <a:p>
             <a:pPr lvl="3"/>
@@ -1679,7 +1702,6 @@
               <a:rPr lang="zh-CN" altLang="en-US" noProof="1"/>
               <a:t>第四级</a:t>
             </a:r>
-            <a:endParaRPr lang="zh-CN" altLang="en-US" noProof="1"/>
           </a:p>
           <a:p>
             <a:pPr lvl="4"/>
@@ -1687,7 +1709,6 @@
               <a:rPr lang="zh-CN" altLang="en-US" noProof="1"/>
               <a:t>第五级</a:t>
             </a:r>
-            <a:endParaRPr lang="zh-CN" altLang="en-US" noProof="1"/>
           </a:p>
         </p:txBody>
       </p:sp>
@@ -1747,7 +1768,6 @@
               <a:rPr lang="zh-CN" altLang="en-US" noProof="1"/>
               <a:t>单击此处编辑母版文本样式</a:t>
             </a:r>
-            <a:endParaRPr lang="zh-CN" altLang="en-US" noProof="1"/>
           </a:p>
           <a:p>
             <a:pPr lvl="1"/>
@@ -1755,7 +1775,6 @@
               <a:rPr lang="zh-CN" altLang="en-US" noProof="1"/>
               <a:t>第二级</a:t>
             </a:r>
-            <a:endParaRPr lang="zh-CN" altLang="en-US" noProof="1"/>
           </a:p>
           <a:p>
             <a:pPr lvl="2"/>
@@ -1763,7 +1782,6 @@
               <a:rPr lang="zh-CN" altLang="en-US" noProof="1"/>
               <a:t>第三级</a:t>
             </a:r>
-            <a:endParaRPr lang="zh-CN" altLang="en-US" noProof="1"/>
           </a:p>
           <a:p>
             <a:pPr lvl="3"/>
@@ -1771,7 +1789,6 @@
               <a:rPr lang="zh-CN" altLang="en-US" noProof="1"/>
               <a:t>第四级</a:t>
             </a:r>
-            <a:endParaRPr lang="zh-CN" altLang="en-US" noProof="1"/>
           </a:p>
           <a:p>
             <a:pPr lvl="4"/>
@@ -1779,7 +1796,6 @@
               <a:rPr lang="zh-CN" altLang="en-US" noProof="1"/>
               <a:t>第五级</a:t>
             </a:r>
-            <a:endParaRPr lang="zh-CN" altLang="en-US" noProof="1"/>
           </a:p>
         </p:txBody>
       </p:sp>
@@ -1842,7 +1858,6 @@
               <a:rPr lang="zh-CN" altLang="en-US" noProof="1"/>
               <a:t>单击此处编辑母版标题样式</a:t>
             </a:r>
-            <a:endParaRPr lang="zh-CN" altLang="en-US" noProof="1"/>
           </a:p>
         </p:txBody>
       </p:sp>
@@ -1911,7 +1926,6 @@
               <a:rPr lang="zh-CN" altLang="en-US" noProof="1"/>
               <a:t>单击此处编辑母版文本样式</a:t>
             </a:r>
-            <a:endParaRPr lang="zh-CN" altLang="en-US" noProof="1"/>
           </a:p>
         </p:txBody>
       </p:sp>
@@ -1971,7 +1985,6 @@
               <a:rPr lang="zh-CN" altLang="en-US" noProof="1"/>
               <a:t>单击此处编辑母版文本样式</a:t>
             </a:r>
-            <a:endParaRPr lang="zh-CN" altLang="en-US" noProof="1"/>
           </a:p>
           <a:p>
             <a:pPr lvl="1"/>
@@ -1979,7 +1992,6 @@
               <a:rPr lang="zh-CN" altLang="en-US" noProof="1"/>
               <a:t>第二级</a:t>
             </a:r>
-            <a:endParaRPr lang="zh-CN" altLang="en-US" noProof="1"/>
           </a:p>
           <a:p>
             <a:pPr lvl="2"/>
@@ -1987,7 +1999,6 @@
               <a:rPr lang="zh-CN" altLang="en-US" noProof="1"/>
               <a:t>第三级</a:t>
             </a:r>
-            <a:endParaRPr lang="zh-CN" altLang="en-US" noProof="1"/>
           </a:p>
           <a:p>
             <a:pPr lvl="3"/>
@@ -1995,7 +2006,6 @@
               <a:rPr lang="zh-CN" altLang="en-US" noProof="1"/>
               <a:t>第四级</a:t>
             </a:r>
-            <a:endParaRPr lang="zh-CN" altLang="en-US" noProof="1"/>
           </a:p>
           <a:p>
             <a:pPr lvl="4"/>
@@ -2003,7 +2013,6 @@
               <a:rPr lang="zh-CN" altLang="en-US" noProof="1"/>
               <a:t>第五级</a:t>
             </a:r>
-            <a:endParaRPr lang="zh-CN" altLang="en-US" noProof="1"/>
           </a:p>
         </p:txBody>
       </p:sp>
@@ -2072,7 +2081,6 @@
               <a:rPr lang="zh-CN" altLang="en-US" noProof="1"/>
               <a:t>单击此处编辑母版文本样式</a:t>
             </a:r>
-            <a:endParaRPr lang="zh-CN" altLang="en-US" noProof="1"/>
           </a:p>
         </p:txBody>
       </p:sp>
@@ -2132,7 +2140,6 @@
               <a:rPr lang="zh-CN" altLang="en-US" noProof="1"/>
               <a:t>单击此处编辑母版文本样式</a:t>
             </a:r>
-            <a:endParaRPr lang="zh-CN" altLang="en-US" noProof="1"/>
           </a:p>
           <a:p>
             <a:pPr lvl="1"/>
@@ -2140,7 +2147,6 @@
               <a:rPr lang="zh-CN" altLang="en-US" noProof="1"/>
               <a:t>第二级</a:t>
             </a:r>
-            <a:endParaRPr lang="zh-CN" altLang="en-US" noProof="1"/>
           </a:p>
           <a:p>
             <a:pPr lvl="2"/>
@@ -2148,7 +2154,6 @@
               <a:rPr lang="zh-CN" altLang="en-US" noProof="1"/>
               <a:t>第三级</a:t>
             </a:r>
-            <a:endParaRPr lang="zh-CN" altLang="en-US" noProof="1"/>
           </a:p>
           <a:p>
             <a:pPr lvl="3"/>
@@ -2156,7 +2161,6 @@
               <a:rPr lang="zh-CN" altLang="en-US" noProof="1"/>
               <a:t>第四级</a:t>
             </a:r>
-            <a:endParaRPr lang="zh-CN" altLang="en-US" noProof="1"/>
           </a:p>
           <a:p>
             <a:pPr lvl="4"/>
@@ -2164,7 +2168,6 @@
               <a:rPr lang="zh-CN" altLang="en-US" noProof="1"/>
               <a:t>第五级</a:t>
             </a:r>
-            <a:endParaRPr lang="zh-CN" altLang="en-US" noProof="1"/>
           </a:p>
         </p:txBody>
       </p:sp>
@@ -2223,7 +2226,6 @@
               <a:rPr lang="zh-CN" altLang="en-US" noProof="1"/>
               <a:t>单击此处编辑母版标题样式</a:t>
             </a:r>
-            <a:endParaRPr lang="zh-CN" altLang="en-US" noProof="1"/>
           </a:p>
         </p:txBody>
       </p:sp>
@@ -2314,7 +2316,6 @@
               <a:rPr lang="zh-CN" altLang="en-US" noProof="1"/>
               <a:t>单击此处编辑母版标题样式</a:t>
             </a:r>
-            <a:endParaRPr lang="zh-CN" altLang="en-US" noProof="1"/>
           </a:p>
         </p:txBody>
       </p:sp>
@@ -2374,7 +2375,6 @@
               <a:rPr lang="zh-CN" altLang="en-US" noProof="1"/>
               <a:t>单击此处编辑母版文本样式</a:t>
             </a:r>
-            <a:endParaRPr lang="zh-CN" altLang="en-US" noProof="1"/>
           </a:p>
           <a:p>
             <a:pPr lvl="1"/>
@@ -2382,7 +2382,6 @@
               <a:rPr lang="zh-CN" altLang="en-US" noProof="1"/>
               <a:t>第二级</a:t>
             </a:r>
-            <a:endParaRPr lang="zh-CN" altLang="en-US" noProof="1"/>
           </a:p>
           <a:p>
             <a:pPr lvl="2"/>
@@ -2390,7 +2389,6 @@
               <a:rPr lang="zh-CN" altLang="en-US" noProof="1"/>
               <a:t>第三级</a:t>
             </a:r>
-            <a:endParaRPr lang="zh-CN" altLang="en-US" noProof="1"/>
           </a:p>
           <a:p>
             <a:pPr lvl="3"/>
@@ -2398,7 +2396,6 @@
               <a:rPr lang="zh-CN" altLang="en-US" noProof="1"/>
               <a:t>第四级</a:t>
             </a:r>
-            <a:endParaRPr lang="zh-CN" altLang="en-US" noProof="1"/>
           </a:p>
           <a:p>
             <a:pPr lvl="4"/>
@@ -2406,7 +2403,6 @@
               <a:rPr lang="zh-CN" altLang="en-US" noProof="1"/>
               <a:t>第五级</a:t>
             </a:r>
-            <a:endParaRPr lang="zh-CN" altLang="en-US" noProof="1"/>
           </a:p>
         </p:txBody>
       </p:sp>
@@ -2475,7 +2471,6 @@
               <a:rPr lang="zh-CN" altLang="en-US" noProof="1"/>
               <a:t>单击此处编辑母版文本样式</a:t>
             </a:r>
-            <a:endParaRPr lang="zh-CN" altLang="en-US" noProof="1"/>
           </a:p>
         </p:txBody>
       </p:sp>
@@ -2538,7 +2533,6 @@
               <a:rPr lang="zh-CN" altLang="en-US" noProof="1"/>
               <a:t>单击此处编辑母版标题样式</a:t>
             </a:r>
-            <a:endParaRPr lang="zh-CN" altLang="en-US" noProof="1"/>
           </a:p>
         </p:txBody>
       </p:sp>
@@ -2672,7 +2666,6 @@
               <a:rPr lang="zh-CN" altLang="en-US" noProof="1"/>
               <a:t>单击此处编辑母版文本样式</a:t>
             </a:r>
-            <a:endParaRPr lang="zh-CN" altLang="en-US" noProof="1"/>
           </a:p>
         </p:txBody>
       </p:sp>
@@ -2825,15 +2818,6 @@
               </a:rPr>
               <a:t>www.1ppt.com/hangye/ </a:t>
             </a:r>
-            <a:endParaRPr lang="en-US" altLang="zh-CN" sz="100" dirty="0">
-              <a:solidFill>
-                <a:schemeClr val="bg1">
-                  <a:lumMod val="95000"/>
-                </a:schemeClr>
-              </a:solidFill>
-              <a:latin typeface="Calibri" panose="020F0502020204030204"/>
-              <a:ea typeface="宋体" panose="02010600030101010101" pitchFamily="2" charset="-122"/>
-            </a:endParaRPr>
           </a:p>
           <a:p>
             <a:pPr defTabSz="914400" eaLnBrk="1" fontAlgn="auto" hangingPunct="1">
@@ -2916,15 +2900,6 @@
               </a:rPr>
               <a:t>www.1ppt.com/sucai/</a:t>
             </a:r>
-            <a:endParaRPr lang="en-US" altLang="zh-CN" sz="100" dirty="0">
-              <a:solidFill>
-                <a:schemeClr val="bg1">
-                  <a:lumMod val="95000"/>
-                </a:schemeClr>
-              </a:solidFill>
-              <a:latin typeface="Calibri" panose="020F0502020204030204"/>
-              <a:ea typeface="宋体" panose="02010600030101010101" pitchFamily="2" charset="-122"/>
-            </a:endParaRPr>
           </a:p>
           <a:p>
             <a:pPr defTabSz="914400" eaLnBrk="1" fontAlgn="auto" hangingPunct="1">
@@ -2995,15 +2970,6 @@
               </a:rPr>
               <a:t>www.1ppt.com/tubiao/      </a:t>
             </a:r>
-            <a:endParaRPr lang="en-US" altLang="zh-CN" sz="100" dirty="0">
-              <a:solidFill>
-                <a:schemeClr val="bg1">
-                  <a:lumMod val="95000"/>
-                </a:schemeClr>
-              </a:solidFill>
-              <a:latin typeface="Calibri" panose="020F0502020204030204"/>
-              <a:ea typeface="宋体" panose="02010600030101010101" pitchFamily="2" charset="-122"/>
-            </a:endParaRPr>
           </a:p>
           <a:p>
             <a:pPr defTabSz="914400" eaLnBrk="1" fontAlgn="auto" hangingPunct="1">
@@ -3086,15 +3052,6 @@
               </a:rPr>
               <a:t>www.1ppt.com/powerpoint/      </a:t>
             </a:r>
-            <a:endParaRPr lang="en-US" altLang="zh-CN" sz="100" dirty="0">
-              <a:solidFill>
-                <a:schemeClr val="bg1">
-                  <a:lumMod val="95000"/>
-                </a:schemeClr>
-              </a:solidFill>
-              <a:latin typeface="Calibri" panose="020F0502020204030204"/>
-              <a:ea typeface="宋体" panose="02010600030101010101" pitchFamily="2" charset="-122"/>
-            </a:endParaRPr>
           </a:p>
           <a:p>
             <a:pPr defTabSz="914400" eaLnBrk="1" fontAlgn="auto" hangingPunct="1">
@@ -3165,15 +3122,6 @@
               </a:rPr>
               <a:t>www.1ppt.com/excel/  </a:t>
             </a:r>
-            <a:endParaRPr lang="en-US" altLang="zh-CN" sz="100" dirty="0">
-              <a:solidFill>
-                <a:schemeClr val="bg1">
-                  <a:lumMod val="95000"/>
-                </a:schemeClr>
-              </a:solidFill>
-              <a:latin typeface="Calibri" panose="020F0502020204030204"/>
-              <a:ea typeface="宋体" panose="02010600030101010101" pitchFamily="2" charset="-122"/>
-            </a:endParaRPr>
           </a:p>
           <a:p>
             <a:pPr defTabSz="914400" eaLnBrk="1" fontAlgn="auto" hangingPunct="1">
@@ -3232,15 +3180,6 @@
               </a:rPr>
               <a:t>www.1ppt.com/kejian/ </a:t>
             </a:r>
-            <a:endParaRPr lang="en-US" altLang="zh-CN" sz="100" dirty="0">
-              <a:solidFill>
-                <a:schemeClr val="bg1">
-                  <a:lumMod val="95000"/>
-                </a:schemeClr>
-              </a:solidFill>
-              <a:latin typeface="Calibri" panose="020F0502020204030204"/>
-              <a:ea typeface="宋体" panose="02010600030101010101" pitchFamily="2" charset="-122"/>
-            </a:endParaRPr>
           </a:p>
           <a:p>
             <a:pPr defTabSz="914400" eaLnBrk="1" fontAlgn="auto" hangingPunct="1">
@@ -3299,15 +3238,6 @@
               </a:rPr>
               <a:t>www.1ppt.com/shiti/  </a:t>
             </a:r>
-            <a:endParaRPr lang="en-US" altLang="zh-CN" sz="100" dirty="0">
-              <a:solidFill>
-                <a:schemeClr val="bg1">
-                  <a:lumMod val="95000"/>
-                </a:schemeClr>
-              </a:solidFill>
-              <a:latin typeface="Calibri" panose="020F0502020204030204"/>
-              <a:ea typeface="宋体" panose="02010600030101010101" pitchFamily="2" charset="-122"/>
-            </a:endParaRPr>
           </a:p>
           <a:p>
             <a:pPr defTabSz="914400" eaLnBrk="1" fontAlgn="auto" hangingPunct="1">
@@ -4039,7 +3969,7 @@
           <p:nvPr/>
         </p:nvPicPr>
         <p:blipFill>
-          <a:blip r:embed="rId1" cstate="screen"/>
+          <a:blip r:embed="rId3" cstate="screen"/>
           <a:srcRect/>
           <a:stretch>
             <a:fillRect/>
@@ -4136,7 +4066,7 @@
             <p:nvPr/>
           </p:nvPicPr>
           <p:blipFill>
-            <a:blip r:embed="rId1" cstate="screen"/>
+            <a:blip r:embed="rId2" cstate="screen"/>
             <a:srcRect l="25368" b="7591"/>
             <a:stretch>
               <a:fillRect/>
@@ -4408,16 +4338,6 @@
                 </a:rPr>
                 <a:t>示例</a:t>
               </a:r>
-              <a:endParaRPr lang="zh-CN" altLang="en-US" sz="3600" dirty="0">
-                <a:solidFill>
-                  <a:schemeClr val="tx1">
-                    <a:lumMod val="65000"/>
-                    <a:lumOff val="35000"/>
-                  </a:schemeClr>
-                </a:solidFill>
-                <a:latin typeface="幼圆" panose="02010509060101010101" pitchFamily="49" charset="-122"/>
-                <a:ea typeface="幼圆" panose="02010509060101010101" pitchFamily="49" charset="-122"/>
-              </a:endParaRPr>
             </a:p>
           </p:txBody>
         </p:sp>
@@ -4478,7 +4398,6 @@
               <a:rPr lang="en-US" altLang="zh-CN" sz="1600" b="1" dirty="0"/>
               <a:t>get</a:t>
             </a:r>
-            <a:endParaRPr lang="en-US" altLang="zh-CN" sz="1600" b="1" dirty="0"/>
           </a:p>
           <a:p>
             <a:endParaRPr lang="en-US" altLang="zh-CN" sz="1600" b="1" dirty="0"/>
@@ -4496,7 +4415,6 @@
               <a:rPr lang="en-US" altLang="zh-CN" sz="1600" b="1" dirty="0"/>
               <a:t>post</a:t>
             </a:r>
-            <a:endParaRPr lang="en-US" altLang="zh-CN" sz="1600" b="1" dirty="0"/>
           </a:p>
           <a:p>
             <a:endParaRPr lang="en-US" altLang="zh-CN" sz="1600" b="1" dirty="0"/>
@@ -4544,7 +4462,6 @@
               <a:rPr lang="en-US" altLang="zh-CN" sz="1600" b="1" dirty="0"/>
               <a:t>delete</a:t>
             </a:r>
-            <a:endParaRPr lang="en-US" altLang="zh-CN" sz="1600" b="1" dirty="0"/>
           </a:p>
         </p:txBody>
       </p:sp>
@@ -4606,7 +4523,7 @@
             <p:nvPr/>
           </p:nvPicPr>
           <p:blipFill>
-            <a:blip r:embed="rId1" cstate="screen"/>
+            <a:blip r:embed="rId2" cstate="screen"/>
             <a:srcRect l="25368" b="7591"/>
             <a:stretch>
               <a:fillRect/>
@@ -4878,16 +4795,6 @@
                 </a:rPr>
                 <a:t>特性</a:t>
               </a:r>
-              <a:endParaRPr lang="zh-CN" altLang="en-US" sz="3600" dirty="0">
-                <a:solidFill>
-                  <a:schemeClr val="tx1">
-                    <a:lumMod val="65000"/>
-                    <a:lumOff val="35000"/>
-                  </a:schemeClr>
-                </a:solidFill>
-                <a:latin typeface="幼圆" panose="02010509060101010101" pitchFamily="49" charset="-122"/>
-                <a:ea typeface="幼圆" panose="02010509060101010101" pitchFamily="49" charset="-122"/>
-              </a:endParaRPr>
             </a:p>
           </p:txBody>
         </p:sp>
@@ -4901,7 +4808,7 @@
           <p:nvPr/>
         </p:nvPicPr>
         <p:blipFill>
-          <a:blip r:embed="rId2">
+          <a:blip r:embed="rId3">
             <a:extLst>
               <a:ext uri="{28A0092B-C50C-407E-A947-70E740481C1C}">
                 <a14:useLocalDpi xmlns:a14="http://schemas.microsoft.com/office/drawing/2010/main" val="0"/>
@@ -4991,7 +4898,7 @@
             <p:nvPr/>
           </p:nvPicPr>
           <p:blipFill>
-            <a:blip r:embed="rId1" cstate="screen"/>
+            <a:blip r:embed="rId2" cstate="screen"/>
             <a:srcRect l="25368" b="7591"/>
             <a:stretch>
               <a:fillRect/>
@@ -5379,7 +5286,6 @@
               <a:rPr lang="fr-FR" altLang="zh-CN" dirty="0" smtClean="0"/>
               <a:t>code</a:t>
             </a:r>
-            <a:endParaRPr lang="fr-FR" altLang="zh-CN" dirty="0" smtClean="0"/>
           </a:p>
           <a:p>
             <a:pPr marL="342900" indent="-342900">
@@ -5401,7 +5307,6 @@
               <a:rPr lang="en-US" altLang="zh-CN" dirty="0" smtClean="0"/>
               <a:t>403 Status Code</a:t>
             </a:r>
-            <a:endParaRPr lang="en-US" altLang="zh-CN" dirty="0" smtClean="0"/>
           </a:p>
           <a:p>
             <a:pPr marL="342900" indent="-342900">
@@ -5514,7 +5419,7 @@
             <p:nvPr/>
           </p:nvPicPr>
           <p:blipFill>
-            <a:blip r:embed="rId1" cstate="screen"/>
+            <a:blip r:embed="rId2" cstate="screen"/>
             <a:srcRect l="25368" b="7591"/>
             <a:stretch>
               <a:fillRect/>
@@ -5879,7 +5784,6 @@
               <a:rPr lang="en-US" altLang="zh-CN" sz="1600" dirty="0" smtClean="0"/>
               <a:t>	</a:t>
             </a:r>
-            <a:endParaRPr lang="en-US" altLang="zh-CN" sz="1600" dirty="0" smtClean="0"/>
           </a:p>
           <a:p>
             <a:endParaRPr lang="en-US" altLang="zh-CN" sz="1600" dirty="0" smtClean="0"/>
@@ -5889,7 +5793,6 @@
               <a:rPr lang="zh-CN" altLang="en-US" sz="1600" dirty="0" smtClean="0"/>
               <a:t>缺</a:t>
             </a:r>
-            <a:endParaRPr lang="zh-CN" altLang="en-US" sz="1600" dirty="0" smtClean="0"/>
           </a:p>
           <a:p>
             <a:pPr marL="798830" lvl="1" indent="-342900">
@@ -5959,7 +5862,7 @@
           <p:nvPr/>
         </p:nvPicPr>
         <p:blipFill>
-          <a:blip r:embed="rId1" cstate="screen"/>
+          <a:blip r:embed="rId2" cstate="screen"/>
           <a:srcRect l="2" t="10258" r="-4218" b="7593"/>
           <a:stretch>
             <a:fillRect/>
@@ -6097,13 +6000,6 @@
               </a:rPr>
               <a:t>GraphQL</a:t>
             </a:r>
-            <a:endParaRPr lang="en-US" altLang="zh-CN" sz="3600" dirty="0" err="1" smtClean="0">
-              <a:solidFill>
-                <a:schemeClr val="bg1"/>
-              </a:solidFill>
-              <a:latin typeface="幼圆" panose="02010509060101010101" pitchFamily="49" charset="-122"/>
-              <a:ea typeface="幼圆" panose="02010509060101010101" pitchFamily="49" charset="-122"/>
-            </a:endParaRPr>
           </a:p>
           <a:p>
             <a:pPr algn="ctr"/>
@@ -6126,20 +6022,10 @@
                 </a:solidFill>
                 <a:latin typeface="幼圆" panose="02010509060101010101" pitchFamily="49" charset="-122"/>
                 <a:ea typeface="幼圆" panose="02010509060101010101" pitchFamily="49" charset="-122"/>
-                <a:hlinkClick r:id="rId2" tooltip=""/>
+                <a:hlinkClick r:id="rId3"/>
               </a:rPr>
               <a:t>http://graphql.cn/</a:t>
             </a:r>
-            <a:endParaRPr lang="en-US" altLang="zh-CN" sz="1400" u="sng" dirty="0" err="1" smtClean="0">
-              <a:solidFill>
-                <a:schemeClr val="bg1">
-                  <a:lumMod val="95000"/>
-                </a:schemeClr>
-              </a:solidFill>
-              <a:latin typeface="幼圆" panose="02010509060101010101" pitchFamily="49" charset="-122"/>
-              <a:ea typeface="幼圆" panose="02010509060101010101" pitchFamily="49" charset="-122"/>
-              <a:hlinkClick r:id="rId2" tooltip=""/>
-            </a:endParaRPr>
           </a:p>
         </p:txBody>
       </p:sp>
@@ -6201,7 +6087,7 @@
             <p:nvPr/>
           </p:nvPicPr>
           <p:blipFill>
-            <a:blip r:embed="rId1" cstate="screen"/>
+            <a:blip r:embed="rId2" cstate="screen"/>
             <a:srcRect l="25368" b="7591"/>
             <a:stretch>
               <a:fillRect/>
@@ -6473,16 +6359,6 @@
                 </a:rPr>
                 <a:t>介绍</a:t>
               </a:r>
-              <a:endParaRPr lang="zh-CN" altLang="en-US" sz="3600" dirty="0">
-                <a:solidFill>
-                  <a:schemeClr val="tx1">
-                    <a:lumMod val="65000"/>
-                    <a:lumOff val="35000"/>
-                  </a:schemeClr>
-                </a:solidFill>
-                <a:latin typeface="幼圆" panose="02010509060101010101" pitchFamily="49" charset="-122"/>
-                <a:ea typeface="幼圆" panose="02010509060101010101" pitchFamily="49" charset="-122"/>
-              </a:endParaRPr>
             </a:p>
           </p:txBody>
         </p:sp>
@@ -6507,13 +6383,13 @@
           <a:bodyPr wrap="square" rtlCol="0">
             <a:spAutoFit/>
           </a:bodyPr>
+          <a:lstStyle/>
           <a:p>
             <a:pPr algn="l"/>
             <a:r>
               <a:rPr lang="zh-CN" altLang="en-US"/>
               <a:t>GraphQL 是一个用于 API 的查询语言，是一个使用基于类型系统来执行查询的服务端运行时（类型系统由你的数据定义）。</a:t>
             </a:r>
-            <a:endParaRPr lang="zh-CN" altLang="en-US"/>
           </a:p>
           <a:p>
             <a:pPr algn="l"/>
@@ -6525,7 +6401,6 @@
               <a:rPr lang="zh-CN" altLang="en-US"/>
               <a:t>GraphQL 并没有和任何特定数据库或者存储引擎绑定，而是依靠你现有的代码和数据支撑</a:t>
             </a:r>
-            <a:endParaRPr lang="zh-CN" altLang="en-US"/>
           </a:p>
         </p:txBody>
       </p:sp>
@@ -6587,7 +6462,7 @@
             <p:nvPr/>
           </p:nvPicPr>
           <p:blipFill>
-            <a:blip r:embed="rId1" cstate="screen"/>
+            <a:blip r:embed="rId2" cstate="screen"/>
             <a:srcRect l="25368" b="7591"/>
             <a:stretch>
               <a:fillRect/>
@@ -6859,16 +6734,6 @@
                 </a:rPr>
                 <a:t>类型</a:t>
               </a:r>
-              <a:endParaRPr lang="zh-CN" altLang="en-US" sz="3600" dirty="0">
-                <a:solidFill>
-                  <a:schemeClr val="tx1">
-                    <a:lumMod val="65000"/>
-                    <a:lumOff val="35000"/>
-                  </a:schemeClr>
-                </a:solidFill>
-                <a:latin typeface="幼圆" panose="02010509060101010101" pitchFamily="49" charset="-122"/>
-                <a:ea typeface="幼圆" panose="02010509060101010101" pitchFamily="49" charset="-122"/>
-              </a:endParaRPr>
             </a:p>
           </p:txBody>
         </p:sp>
@@ -6893,23 +6758,15 @@
           <a:bodyPr wrap="none" rtlCol="0">
             <a:spAutoFit/>
           </a:bodyPr>
+          <a:lstStyle/>
           <a:p>
             <a:pPr marL="0" indent="0" algn="l">
               <a:buNone/>
             </a:pPr>
             <a:r>
               <a:rPr lang="zh-CN" altLang="en-US"/>
-              <a:t>默认</a:t>
-            </a:r>
-            <a:r>
-              <a:rPr lang="zh-CN" altLang="en-US"/>
-              <a:t>标量</a:t>
-            </a:r>
-            <a:r>
-              <a:rPr lang="zh-CN" altLang="en-US"/>
-              <a:t>类型</a:t>
-            </a:r>
-            <a:endParaRPr lang="zh-CN" altLang="en-US"/>
+              <a:t>默认标量类型</a:t>
+            </a:r>
           </a:p>
           <a:p>
             <a:pPr marL="800100" lvl="1" indent="-342900" algn="l">
@@ -6932,7 +6789,6 @@
               <a:rPr lang="zh-CN" altLang="en-US"/>
               <a:t>位整型</a:t>
             </a:r>
-            <a:endParaRPr lang="zh-CN" altLang="en-US"/>
           </a:p>
           <a:p>
             <a:pPr marL="800100" lvl="1" indent="-342900" algn="l">
@@ -6954,7 +6810,6 @@
               <a:rPr lang="zh-CN" altLang="en-US"/>
               <a:t>有符合的双精度浮点型</a:t>
             </a:r>
-            <a:endParaRPr lang="zh-CN" altLang="en-US"/>
           </a:p>
           <a:p>
             <a:pPr marL="800100" lvl="1" indent="-342900" algn="l">
@@ -6976,7 +6831,6 @@
               <a:rPr lang="zh-CN" altLang="en-US"/>
               <a:t>字符串</a:t>
             </a:r>
-            <a:endParaRPr lang="zh-CN" altLang="en-US"/>
           </a:p>
           <a:p>
             <a:pPr marL="800100" lvl="1" indent="-342900" algn="l">
@@ -6998,7 +6852,6 @@
               <a:rPr lang="zh-CN" altLang="en-US"/>
               <a:t>布尔型</a:t>
             </a:r>
-            <a:endParaRPr lang="zh-CN" altLang="en-US"/>
           </a:p>
           <a:p>
             <a:pPr marL="800100" lvl="1" indent="-342900" algn="l">
@@ -7016,7 +6869,6 @@
               <a:rPr lang="en-US" altLang="zh-CN"/>
               <a:t>ID 常用于获取数据的唯一标志，或缓存的键值，它也会被序列化为String</a:t>
             </a:r>
-            <a:endParaRPr lang="en-US" altLang="zh-CN"/>
           </a:p>
           <a:p>
             <a:pPr marL="800100" lvl="1" indent="-342900" algn="l">
@@ -7034,7 +6886,6 @@
               <a:rPr lang="zh-CN" altLang="en-US"/>
               <a:t>通过 scalar 可以自定义标量类型</a:t>
             </a:r>
-            <a:endParaRPr lang="zh-CN" altLang="en-US"/>
           </a:p>
           <a:p>
             <a:pPr marL="342900" indent="-342900" algn="l">
@@ -7102,7 +6953,7 @@
             <p:nvPr/>
           </p:nvPicPr>
           <p:blipFill>
-            <a:blip r:embed="rId1" cstate="screen"/>
+            <a:blip r:embed="rId2" cstate="screen"/>
             <a:srcRect l="25368" b="7591"/>
             <a:stretch>
               <a:fillRect/>
@@ -7374,16 +7225,6 @@
                 </a:rPr>
                 <a:t>类型</a:t>
               </a:r>
-              <a:endParaRPr lang="zh-CN" altLang="en-US" sz="3600" dirty="0">
-                <a:solidFill>
-                  <a:schemeClr val="tx1">
-                    <a:lumMod val="65000"/>
-                    <a:lumOff val="35000"/>
-                  </a:schemeClr>
-                </a:solidFill>
-                <a:latin typeface="幼圆" panose="02010509060101010101" pitchFamily="49" charset="-122"/>
-                <a:ea typeface="幼圆" panose="02010509060101010101" pitchFamily="49" charset="-122"/>
-              </a:endParaRPr>
             </a:p>
           </p:txBody>
         </p:sp>
@@ -7408,6 +7249,7 @@
           <a:bodyPr wrap="none" rtlCol="0">
             <a:spAutoFit/>
           </a:bodyPr>
+          <a:lstStyle/>
           <a:p>
             <a:pPr marL="342900" indent="-342900" algn="l">
               <a:buAutoNum type="arabicPeriod"/>
@@ -7416,7 +7258,6 @@
               <a:rPr lang="zh-CN" altLang="en-US"/>
               <a:t>枚举</a:t>
             </a:r>
-            <a:endParaRPr lang="zh-CN" altLang="en-US"/>
           </a:p>
           <a:p>
             <a:pPr marL="457200" lvl="1" indent="0" algn="l">
@@ -7426,7 +7267,6 @@
               <a:rPr lang="en-US" altLang="zh-CN"/>
               <a:t>enum Role{</a:t>
             </a:r>
-            <a:endParaRPr lang="en-US" altLang="zh-CN"/>
           </a:p>
           <a:p>
             <a:pPr marL="457200" lvl="1" indent="0" algn="l">
@@ -7436,7 +7276,6 @@
               <a:rPr lang="en-US" altLang="zh-CN"/>
               <a:t>	Admin,</a:t>
             </a:r>
-            <a:endParaRPr lang="en-US" altLang="zh-CN"/>
           </a:p>
           <a:p>
             <a:pPr marL="457200" lvl="1" indent="0" algn="l">
@@ -7446,7 +7285,6 @@
               <a:rPr lang="en-US" altLang="zh-CN"/>
               <a:t>	Normal	</a:t>
             </a:r>
-            <a:endParaRPr lang="en-US" altLang="zh-CN"/>
           </a:p>
           <a:p>
             <a:pPr marL="457200" lvl="1" indent="0" algn="l">
@@ -7466,7 +7304,6 @@
               <a:rPr lang="zh-CN" altLang="en-US"/>
               <a:t>列表</a:t>
             </a:r>
-            <a:endParaRPr lang="zh-CN" altLang="en-US"/>
           </a:p>
           <a:p>
             <a:pPr marL="457200" lvl="1" indent="0" algn="l">
@@ -7557,7 +7394,6 @@
               <a:rPr lang="zh-CN" altLang="en-US"/>
               <a:t>接口</a:t>
             </a:r>
-            <a:endParaRPr lang="zh-CN" altLang="en-US"/>
           </a:p>
           <a:p>
             <a:pPr marL="457200" lvl="1" indent="0" algn="l">
@@ -7571,7 +7407,6 @@
               <a:rPr lang="en-US" altLang="zh-CN"/>
               <a:t>User{</a:t>
             </a:r>
-            <a:endParaRPr lang="en-US" altLang="zh-CN"/>
           </a:p>
           <a:p>
             <a:pPr marL="457200" lvl="1" indent="0" algn="l">
@@ -7591,7 +7426,6 @@
               <a:rPr lang="zh-CN" altLang="en-US"/>
               <a:t>对象</a:t>
             </a:r>
-            <a:endParaRPr lang="zh-CN" altLang="en-US"/>
           </a:p>
           <a:p>
             <a:pPr marL="457200" lvl="1" indent="0" algn="l">
@@ -7603,9 +7437,6 @@
               </a:rPr>
               <a:t>type AdminUser implements User{</a:t>
             </a:r>
-            <a:endParaRPr lang="en-US" altLang="zh-CN">
-              <a:sym typeface="+mn-ea"/>
-            </a:endParaRPr>
           </a:p>
           <a:p>
             <a:pPr marL="457200" lvl="1" indent="0" algn="l">
@@ -7697,7 +7528,7 @@
             <p:nvPr/>
           </p:nvPicPr>
           <p:blipFill>
-            <a:blip r:embed="rId1" cstate="screen"/>
+            <a:blip r:embed="rId2" cstate="screen"/>
             <a:srcRect l="25368" b="7591"/>
             <a:stretch>
               <a:fillRect/>
@@ -7969,16 +7800,6 @@
                 </a:rPr>
                 <a:t>类型</a:t>
               </a:r>
-              <a:endParaRPr lang="zh-CN" altLang="en-US" sz="3600" dirty="0">
-                <a:solidFill>
-                  <a:schemeClr val="tx1">
-                    <a:lumMod val="65000"/>
-                    <a:lumOff val="35000"/>
-                  </a:schemeClr>
-                </a:solidFill>
-                <a:latin typeface="幼圆" panose="02010509060101010101" pitchFamily="49" charset="-122"/>
-                <a:ea typeface="幼圆" panose="02010509060101010101" pitchFamily="49" charset="-122"/>
-              </a:endParaRPr>
             </a:p>
           </p:txBody>
         </p:sp>
@@ -8003,6 +7824,7 @@
           <a:bodyPr wrap="square" rtlCol="0">
             <a:spAutoFit/>
           </a:bodyPr>
+          <a:lstStyle/>
           <a:p>
             <a:pPr marL="342900" indent="-342900" algn="l">
               <a:buAutoNum type="arabicPeriod"/>
@@ -8011,7 +7833,6 @@
               <a:rPr lang="zh-CN" altLang="en-US"/>
               <a:t>输入类型</a:t>
             </a:r>
-            <a:endParaRPr lang="zh-CN" altLang="en-US"/>
           </a:p>
           <a:p>
             <a:pPr marL="457200" lvl="1" indent="0" algn="l">
@@ -8069,7 +7890,6 @@
               <a:rPr lang="zh-CN" altLang="en-US"/>
               <a:t>联合类型</a:t>
             </a:r>
-            <a:endParaRPr lang="zh-CN" altLang="en-US"/>
           </a:p>
           <a:p>
             <a:pPr marL="457200" lvl="1" indent="0" algn="l">
@@ -8099,7 +7919,6 @@
               <a:rPr lang="en-US" altLang="zh-CN"/>
               <a:t>NormaUser</a:t>
             </a:r>
-            <a:endParaRPr lang="en-US" altLang="zh-CN"/>
           </a:p>
           <a:p>
             <a:pPr marL="457200" lvl="1" indent="0" algn="l">
@@ -8157,7 +7976,6 @@
               <a:rPr lang="zh-CN" altLang="en-US"/>
               <a:t>变更，用于创建、更新、删除数据</a:t>
             </a:r>
-            <a:endParaRPr lang="zh-CN" altLang="en-US"/>
           </a:p>
           <a:p>
             <a:pPr marL="457200" lvl="1" indent="0" algn="l">
@@ -8231,7 +8049,7 @@
             <p:nvPr/>
           </p:nvPicPr>
           <p:blipFill>
-            <a:blip r:embed="rId1" cstate="screen"/>
+            <a:blip r:embed="rId2" cstate="screen"/>
             <a:srcRect l="25368" b="7591"/>
             <a:stretch>
               <a:fillRect/>
@@ -8503,16 +8321,6 @@
                 </a:rPr>
                 <a:t>参数</a:t>
               </a:r>
-              <a:endParaRPr lang="zh-CN" altLang="en-US" sz="3600" dirty="0">
-                <a:solidFill>
-                  <a:schemeClr val="tx1">
-                    <a:lumMod val="65000"/>
-                    <a:lumOff val="35000"/>
-                  </a:schemeClr>
-                </a:solidFill>
-                <a:latin typeface="幼圆" panose="02010509060101010101" pitchFamily="49" charset="-122"/>
-                <a:ea typeface="幼圆" panose="02010509060101010101" pitchFamily="49" charset="-122"/>
-              </a:endParaRPr>
             </a:p>
           </p:txBody>
         </p:sp>
@@ -8537,6 +8345,7 @@
           <a:bodyPr wrap="square" rtlCol="0">
             <a:spAutoFit/>
           </a:bodyPr>
+          <a:lstStyle/>
           <a:p>
             <a:pPr marL="0" indent="0" algn="l">
               <a:buFont typeface="+mj-lt"/>
@@ -8566,7 +8375,6 @@
               <a:rPr lang="zh-CN" altLang="en-US"/>
               <a:t>。</a:t>
             </a:r>
-            <a:endParaRPr lang="zh-CN" altLang="en-US"/>
           </a:p>
           <a:p>
             <a:pPr marL="0" indent="0" algn="l">
@@ -8584,7 +8392,6 @@
               <a:rPr lang="en-US" altLang="zh-CN"/>
               <a:t>query adminUser($roleId:Role){</a:t>
             </a:r>
-            <a:endParaRPr lang="en-US" altLang="zh-CN"/>
           </a:p>
           <a:p>
             <a:pPr marL="0" indent="0" algn="l">
@@ -8605,7 +8412,6 @@
               <a:rPr lang="en-US" altLang="zh-CN"/>
               <a:t>){</a:t>
             </a:r>
-            <a:endParaRPr lang="en-US" altLang="zh-CN"/>
           </a:p>
           <a:p>
             <a:pPr marL="0" indent="0" algn="l">
@@ -8616,7 +8422,6 @@
               <a:rPr lang="en-US" altLang="zh-CN"/>
               <a:t>		name</a:t>
             </a:r>
-            <a:endParaRPr lang="en-US" altLang="zh-CN"/>
           </a:p>
           <a:p>
             <a:pPr marL="0" indent="0" algn="l">
@@ -8627,7 +8432,6 @@
               <a:rPr lang="en-US" altLang="zh-CN"/>
               <a:t>		firstName</a:t>
             </a:r>
-            <a:endParaRPr lang="en-US" altLang="zh-CN"/>
           </a:p>
           <a:p>
             <a:pPr marL="0" indent="0" algn="l">
@@ -8638,7 +8442,6 @@
               <a:rPr lang="en-US" altLang="zh-CN"/>
               <a:t>	}</a:t>
             </a:r>
-            <a:endParaRPr lang="en-US" altLang="zh-CN"/>
           </a:p>
           <a:p>
             <a:pPr marL="0" indent="0" algn="l">
@@ -8935,16 +8738,6 @@
               </a:rPr>
               <a:t>目录</a:t>
             </a:r>
-            <a:endParaRPr lang="zh-CN" altLang="en-US" sz="3600" dirty="0">
-              <a:solidFill>
-                <a:schemeClr val="tx1">
-                  <a:lumMod val="65000"/>
-                  <a:lumOff val="35000"/>
-                </a:schemeClr>
-              </a:solidFill>
-              <a:latin typeface="幼圆" panose="02010509060101010101" pitchFamily="49" charset="-122"/>
-              <a:ea typeface="幼圆" panose="02010509060101010101" pitchFamily="49" charset="-122"/>
-            </a:endParaRPr>
           </a:p>
         </p:txBody>
       </p:sp>
@@ -8957,7 +8750,7 @@
           <p:nvPr/>
         </p:nvPicPr>
         <p:blipFill>
-          <a:blip r:embed="rId1" cstate="screen"/>
+          <a:blip r:embed="rId3" cstate="screen"/>
           <a:srcRect l="25368" b="7591"/>
           <a:stretch>
             <a:fillRect/>
@@ -9057,11 +8850,18 @@
             <a:lstStyle/>
             <a:p>
               <a:r>
-                <a:rPr lang="en-US" altLang="zh-CN" sz="1600" dirty="0">
+                <a:rPr lang="en-US" altLang="zh-CN" sz="1600" dirty="0" smtClean="0">
                   <a:latin typeface="幼圆" panose="02010509060101010101" pitchFamily="49" charset="-122"/>
                   <a:ea typeface="幼圆" panose="02010509060101010101" pitchFamily="49" charset="-122"/>
                 </a:rPr>
-                <a:t>PRC</a:t>
+                <a:t>RP</a:t>
+              </a:r>
+              <a:r>
+                <a:rPr lang="en-US" altLang="zh-CN" sz="1600" dirty="0" smtClean="0">
+                  <a:latin typeface="幼圆" panose="02010509060101010101" pitchFamily="49" charset="-122"/>
+                  <a:ea typeface="幼圆" panose="02010509060101010101" pitchFamily="49" charset="-122"/>
+                </a:rPr>
+                <a:t>C</a:t>
               </a:r>
               <a:endParaRPr lang="en-US" altLang="zh-CN" sz="1600" dirty="0">
                 <a:latin typeface="幼圆" panose="02010509060101010101" pitchFamily="49" charset="-122"/>
@@ -9175,11 +8975,6 @@
                 </a:rPr>
                 <a:t>1</a:t>
               </a:r>
-              <a:endParaRPr lang="en-US" altLang="zh-CN">
-                <a:solidFill>
-                  <a:schemeClr val="bg1"/>
-                </a:solidFill>
-              </a:endParaRPr>
             </a:p>
           </p:txBody>
         </p:sp>
@@ -9363,11 +9158,6 @@
                 </a:rPr>
                 <a:t>3</a:t>
               </a:r>
-              <a:endParaRPr lang="en-US" altLang="zh-CN">
-                <a:solidFill>
-                  <a:schemeClr val="bg1"/>
-                </a:solidFill>
-              </a:endParaRPr>
             </a:p>
           </p:txBody>
         </p:sp>
@@ -9551,11 +9341,6 @@
                 </a:rPr>
                 <a:t>4</a:t>
               </a:r>
-              <a:endParaRPr lang="en-US" altLang="zh-CN">
-                <a:solidFill>
-                  <a:schemeClr val="bg1"/>
-                </a:solidFill>
-              </a:endParaRPr>
             </a:p>
           </p:txBody>
         </p:sp>
@@ -9569,7 +9354,7 @@
           <p:nvPr/>
         </p:nvPicPr>
         <p:blipFill>
-          <a:blip r:embed="rId2" cstate="screen"/>
+          <a:blip r:embed="rId4" cstate="screen"/>
           <a:srcRect/>
           <a:stretch>
             <a:fillRect/>
@@ -9787,11 +9572,6 @@
                 </a:rPr>
                 <a:t>2</a:t>
               </a:r>
-              <a:endParaRPr lang="en-US" altLang="zh-CN">
-                <a:solidFill>
-                  <a:schemeClr val="bg1"/>
-                </a:solidFill>
-              </a:endParaRPr>
             </a:p>
           </p:txBody>
         </p:sp>
@@ -10190,7 +9970,7 @@
             <p:nvPr/>
           </p:nvPicPr>
           <p:blipFill>
-            <a:blip r:embed="rId1" cstate="screen"/>
+            <a:blip r:embed="rId2" cstate="screen"/>
             <a:srcRect l="25368" b="7591"/>
             <a:stretch>
               <a:fillRect/>
@@ -10462,16 +10242,6 @@
                 </a:rPr>
                 <a:t>片段</a:t>
               </a:r>
-              <a:endParaRPr lang="zh-CN" altLang="en-US" sz="3600" dirty="0">
-                <a:solidFill>
-                  <a:schemeClr val="tx1">
-                    <a:lumMod val="65000"/>
-                    <a:lumOff val="35000"/>
-                  </a:schemeClr>
-                </a:solidFill>
-                <a:latin typeface="幼圆" panose="02010509060101010101" pitchFamily="49" charset="-122"/>
-                <a:ea typeface="幼圆" panose="02010509060101010101" pitchFamily="49" charset="-122"/>
-              </a:endParaRPr>
             </a:p>
           </p:txBody>
         </p:sp>
@@ -10496,13 +10266,13 @@
           <a:bodyPr wrap="square" rtlCol="0">
             <a:spAutoFit/>
           </a:bodyPr>
+          <a:lstStyle/>
           <a:p>
             <a:pPr algn="l"/>
             <a:r>
               <a:rPr lang="zh-CN" altLang="en-US"/>
               <a:t>片段使你能够组织一组字段，然后在需要它们的的地方引入。</a:t>
             </a:r>
-            <a:endParaRPr lang="zh-CN" altLang="en-US"/>
           </a:p>
           <a:p>
             <a:pPr algn="l"/>
@@ -10534,7 +10304,6 @@
               <a:rPr lang="en-US" altLang="zh-CN"/>
               <a:t>{</a:t>
             </a:r>
-            <a:endParaRPr lang="en-US" altLang="zh-CN"/>
           </a:p>
           <a:p>
             <a:pPr algn="l"/>
@@ -10554,7 +10323,6 @@
               <a:rPr lang="en-US" altLang="zh-CN"/>
               <a:t>	}</a:t>
             </a:r>
-            <a:endParaRPr lang="en-US" altLang="zh-CN"/>
           </a:p>
           <a:p>
             <a:pPr algn="l"/>
@@ -10570,7 +10338,6 @@
               <a:rPr lang="en-US" altLang="zh-CN"/>
               <a:t>fragment userModel on User{</a:t>
             </a:r>
-            <a:endParaRPr lang="en-US" altLang="zh-CN"/>
           </a:p>
           <a:p>
             <a:pPr algn="l"/>
@@ -10578,7 +10345,6 @@
               <a:rPr lang="en-US" altLang="zh-CN"/>
               <a:t>		name</a:t>
             </a:r>
-            <a:endParaRPr lang="en-US" altLang="zh-CN"/>
           </a:p>
           <a:p>
             <a:pPr algn="l"/>
@@ -10586,7 +10352,6 @@
               <a:rPr lang="en-US" altLang="zh-CN"/>
               <a:t>		firstName</a:t>
             </a:r>
-            <a:endParaRPr lang="en-US" altLang="zh-CN"/>
           </a:p>
           <a:p>
             <a:pPr algn="l"/>
@@ -10594,7 +10359,6 @@
               <a:rPr lang="en-US" altLang="zh-CN"/>
               <a:t>	}</a:t>
             </a:r>
-            <a:endParaRPr lang="en-US" altLang="zh-CN"/>
           </a:p>
           <a:p>
             <a:pPr algn="l"/>
@@ -10612,13 +10376,8 @@
             </a:r>
             <a:r>
               <a:rPr lang="en-US" altLang="zh-CN"/>
-              <a:t>query  user</a:t>
-            </a:r>
-            <a:r>
-              <a:rPr lang="en-US" altLang="zh-CN"/>
-              <a:t>{</a:t>
-            </a:r>
-            <a:endParaRPr lang="en-US" altLang="zh-CN"/>
+              <a:t>query  user{</a:t>
+            </a:r>
           </a:p>
           <a:p>
             <a:pPr algn="l"/>
@@ -10626,7 +10385,6 @@
               <a:rPr lang="en-US" altLang="zh-CN"/>
               <a:t>		adminUser(){</a:t>
             </a:r>
-            <a:endParaRPr lang="en-US" altLang="zh-CN"/>
           </a:p>
           <a:p>
             <a:pPr algn="l"/>
@@ -10648,7 +10406,6 @@
               <a:rPr lang="en-US" altLang="zh-CN"/>
               <a:t>		}</a:t>
             </a:r>
-            <a:endParaRPr lang="en-US" altLang="zh-CN"/>
           </a:p>
           <a:p>
             <a:pPr algn="l"/>
@@ -10666,13 +10423,7 @@
               <a:rPr lang="en-US" altLang="zh-CN">
                 <a:sym typeface="+mn-ea"/>
               </a:rPr>
-              <a:t>			...</a:t>
-            </a:r>
-            <a:r>
-              <a:rPr lang="en-US" altLang="zh-CN">
-                <a:sym typeface="+mn-ea"/>
-              </a:rPr>
-              <a:t>userModel </a:t>
+              <a:t>			...userModel </a:t>
             </a:r>
             <a:endParaRPr lang="en-US" altLang="zh-CN"/>
           </a:p>
@@ -10692,7 +10443,6 @@
               <a:rPr lang="en-US" altLang="zh-CN"/>
               <a:t>	}</a:t>
             </a:r>
-            <a:endParaRPr lang="en-US" altLang="zh-CN"/>
           </a:p>
           <a:p>
             <a:pPr algn="l"/>
@@ -10704,7 +10454,6 @@
               <a:rPr lang="zh-CN" altLang="en-US"/>
               <a:t>特殊：片段中可以使用入口变量，变量名要求一致</a:t>
             </a:r>
-            <a:endParaRPr lang="zh-CN" altLang="en-US"/>
           </a:p>
         </p:txBody>
       </p:sp>
@@ -10766,7 +10515,7 @@
             <p:nvPr/>
           </p:nvPicPr>
           <p:blipFill>
-            <a:blip r:embed="rId1" cstate="screen"/>
+            <a:blip r:embed="rId2" cstate="screen"/>
             <a:srcRect l="25368" b="7591"/>
             <a:stretch>
               <a:fillRect/>
@@ -11038,16 +10787,6 @@
                 </a:rPr>
                 <a:t>片段</a:t>
               </a:r>
-              <a:endParaRPr lang="zh-CN" altLang="en-US" sz="3600" dirty="0">
-                <a:solidFill>
-                  <a:schemeClr val="tx1">
-                    <a:lumMod val="65000"/>
-                    <a:lumOff val="35000"/>
-                  </a:schemeClr>
-                </a:solidFill>
-                <a:latin typeface="幼圆" panose="02010509060101010101" pitchFamily="49" charset="-122"/>
-                <a:ea typeface="幼圆" panose="02010509060101010101" pitchFamily="49" charset="-122"/>
-              </a:endParaRPr>
             </a:p>
           </p:txBody>
         </p:sp>
@@ -11072,13 +10811,13 @@
           <a:bodyPr wrap="none" rtlCol="0">
             <a:spAutoFit/>
           </a:bodyPr>
+          <a:lstStyle/>
           <a:p>
             <a:pPr algn="l"/>
             <a:r>
               <a:rPr lang="zh-CN" altLang="en-US"/>
               <a:t>内联片段</a:t>
             </a:r>
-            <a:endParaRPr lang="zh-CN" altLang="en-US"/>
           </a:p>
           <a:p>
             <a:pPr algn="l"/>
@@ -11090,7 +10829,6 @@
               <a:rPr lang="zh-CN" altLang="en-US"/>
               <a:t>适用内联类型</a:t>
             </a:r>
-            <a:endParaRPr lang="zh-CN" altLang="en-US"/>
           </a:p>
           <a:p>
             <a:pPr algn="l"/>
@@ -11102,7 +10840,6 @@
               <a:rPr lang="zh-CN" altLang="en-US"/>
               <a:t>语法：</a:t>
             </a:r>
-            <a:endParaRPr lang="zh-CN" altLang="en-US"/>
           </a:p>
           <a:p>
             <a:pPr algn="l"/>
@@ -11118,7 +10855,6 @@
               <a:rPr lang="en-US" altLang="zh-CN"/>
               <a:t>{</a:t>
             </a:r>
-            <a:endParaRPr lang="en-US" altLang="zh-CN"/>
           </a:p>
           <a:p>
             <a:pPr algn="l"/>
@@ -11138,7 +10874,6 @@
               <a:rPr lang="en-US" altLang="zh-CN"/>
               <a:t>	}</a:t>
             </a:r>
-            <a:endParaRPr lang="en-US" altLang="zh-CN"/>
           </a:p>
           <a:p>
             <a:pPr algn="l"/>
@@ -11150,7 +10885,6 @@
               <a:rPr lang="zh-CN" altLang="en-US"/>
               <a:t>示例：</a:t>
             </a:r>
-            <a:endParaRPr lang="zh-CN" altLang="en-US"/>
           </a:p>
           <a:p>
             <a:pPr algn="l"/>
@@ -11158,7 +10892,6 @@
               <a:rPr lang="en-US" altLang="zh-CN"/>
               <a:t>	query {</a:t>
             </a:r>
-            <a:endParaRPr lang="en-US" altLang="zh-CN"/>
           </a:p>
           <a:p>
             <a:pPr algn="l"/>
@@ -11166,7 +10899,6 @@
               <a:rPr lang="en-US" altLang="zh-CN"/>
               <a:t>		searchUser($roleId:Role){</a:t>
             </a:r>
-            <a:endParaRPr lang="en-US" altLang="zh-CN"/>
           </a:p>
           <a:p>
             <a:pPr algn="l"/>
@@ -11174,7 +10906,6 @@
               <a:rPr lang="en-US" altLang="zh-CN"/>
               <a:t>			...on AdminUser{</a:t>
             </a:r>
-            <a:endParaRPr lang="en-US" altLang="zh-CN"/>
           </a:p>
           <a:p>
             <a:pPr algn="l"/>
@@ -11182,7 +10913,6 @@
               <a:rPr lang="en-US" altLang="zh-CN"/>
               <a:t>				name</a:t>
             </a:r>
-            <a:endParaRPr lang="en-US" altLang="zh-CN"/>
           </a:p>
           <a:p>
             <a:pPr algn="l"/>
@@ -11190,7 +10920,6 @@
               <a:rPr lang="en-US" altLang="zh-CN"/>
               <a:t>			}</a:t>
             </a:r>
-            <a:endParaRPr lang="en-US" altLang="zh-CN"/>
           </a:p>
           <a:p>
             <a:pPr algn="l"/>
@@ -11205,7 +10934,6 @@
               <a:rPr lang="en-US" altLang="zh-CN"/>
               <a:t>				firstName</a:t>
             </a:r>
-            <a:endParaRPr lang="en-US" altLang="zh-CN"/>
           </a:p>
           <a:p>
             <a:pPr algn="l"/>
@@ -11213,7 +10941,6 @@
               <a:rPr lang="en-US" altLang="zh-CN"/>
               <a:t>			}</a:t>
             </a:r>
-            <a:endParaRPr lang="en-US" altLang="zh-CN"/>
           </a:p>
           <a:p>
             <a:pPr algn="l"/>
@@ -11221,7 +10948,6 @@
               <a:rPr lang="en-US" altLang="zh-CN"/>
               <a:t>		}	</a:t>
             </a:r>
-            <a:endParaRPr lang="en-US" altLang="zh-CN"/>
           </a:p>
           <a:p>
             <a:pPr algn="l"/>
@@ -11295,7 +11021,7 @@
             <p:nvPr/>
           </p:nvPicPr>
           <p:blipFill>
-            <a:blip r:embed="rId1" cstate="screen"/>
+            <a:blip r:embed="rId2" cstate="screen"/>
             <a:srcRect l="25368" b="7591"/>
             <a:stretch>
               <a:fillRect/>
@@ -11567,16 +11293,6 @@
                 </a:rPr>
                 <a:t>指令</a:t>
               </a:r>
-              <a:endParaRPr lang="zh-CN" altLang="en-US" sz="3600" dirty="0">
-                <a:solidFill>
-                  <a:schemeClr val="tx1">
-                    <a:lumMod val="65000"/>
-                    <a:lumOff val="35000"/>
-                  </a:schemeClr>
-                </a:solidFill>
-                <a:latin typeface="幼圆" panose="02010509060101010101" pitchFamily="49" charset="-122"/>
-                <a:ea typeface="幼圆" panose="02010509060101010101" pitchFamily="49" charset="-122"/>
-              </a:endParaRPr>
             </a:p>
           </p:txBody>
         </p:sp>
@@ -11601,6 +11317,7 @@
           <a:bodyPr wrap="none" rtlCol="0">
             <a:spAutoFit/>
           </a:bodyPr>
+          <a:lstStyle/>
           <a:p>
             <a:pPr marL="342900" indent="-342900">
               <a:buAutoNum type="arabicPeriod"/>
@@ -11639,7 +11356,6 @@
               <a:rPr lang="zh-CN" altLang="en-US"/>
               <a:t>当条件成立时，不查询此字段</a:t>
             </a:r>
-            <a:endParaRPr lang="zh-CN" altLang="en-US"/>
           </a:p>
           <a:p>
             <a:pPr marL="342900" indent="-342900">
@@ -11665,7 +11381,6 @@
               <a:rPr lang="en-US" altLang="zh-CN"/>
               <a:t>query User($isAdmin:Boolean){</a:t>
             </a:r>
-            <a:endParaRPr lang="en-US" altLang="zh-CN"/>
           </a:p>
           <a:p>
             <a:pPr marL="0" indent="0">
@@ -11675,7 +11390,6 @@
               <a:rPr lang="en-US" altLang="zh-CN"/>
               <a:t>	user(){</a:t>
             </a:r>
-            <a:endParaRPr lang="en-US" altLang="zh-CN"/>
           </a:p>
           <a:p>
             <a:pPr marL="0" indent="0">
@@ -11685,7 +11399,6 @@
               <a:rPr lang="en-US" altLang="zh-CN"/>
               <a:t>		resource @include(if:$isAdmin){</a:t>
             </a:r>
-            <a:endParaRPr lang="en-US" altLang="zh-CN"/>
           </a:p>
           <a:p>
             <a:pPr marL="0" indent="0">
@@ -11695,7 +11408,6 @@
               <a:rPr lang="en-US" altLang="zh-CN"/>
               <a:t>			name</a:t>
             </a:r>
-            <a:endParaRPr lang="en-US" altLang="zh-CN"/>
           </a:p>
           <a:p>
             <a:pPr marL="0" indent="0">
@@ -11705,7 +11417,6 @@
               <a:rPr lang="en-US" altLang="zh-CN"/>
               <a:t>		}	</a:t>
             </a:r>
-            <a:endParaRPr lang="en-US" altLang="zh-CN"/>
           </a:p>
           <a:p>
             <a:pPr marL="0" indent="0">
@@ -11715,7 +11426,6 @@
               <a:rPr lang="en-US" altLang="zh-CN"/>
               <a:t>	}</a:t>
             </a:r>
-            <a:endParaRPr lang="en-US" altLang="zh-CN"/>
           </a:p>
           <a:p>
             <a:pPr marL="0" indent="0">
@@ -11755,12 +11465,12 @@
           <a:bodyPr wrap="none" rtlCol="0">
             <a:spAutoFit/>
           </a:bodyPr>
+          <a:lstStyle/>
           <a:p>
             <a:r>
               <a:rPr lang="zh-CN" altLang="en-US"/>
               <a:t>可以想想：指令可以作用在基础标量上吗？</a:t>
             </a:r>
-            <a:endParaRPr lang="zh-CN" altLang="en-US"/>
           </a:p>
         </p:txBody>
       </p:sp>
@@ -11822,7 +11532,7 @@
             <p:nvPr/>
           </p:nvPicPr>
           <p:blipFill>
-            <a:blip r:embed="rId1" cstate="screen"/>
+            <a:blip r:embed="rId2" cstate="screen"/>
             <a:srcRect l="25368" b="7591"/>
             <a:stretch>
               <a:fillRect/>
@@ -12094,16 +11804,6 @@
                 </a:rPr>
                 <a:t>解析</a:t>
               </a:r>
-              <a:endParaRPr lang="zh-CN" altLang="en-US" sz="3600" dirty="0">
-                <a:solidFill>
-                  <a:schemeClr val="tx1">
-                    <a:lumMod val="65000"/>
-                    <a:lumOff val="35000"/>
-                  </a:schemeClr>
-                </a:solidFill>
-                <a:latin typeface="幼圆" panose="02010509060101010101" pitchFamily="49" charset="-122"/>
-                <a:ea typeface="幼圆" panose="02010509060101010101" pitchFamily="49" charset="-122"/>
-              </a:endParaRPr>
             </a:p>
           </p:txBody>
         </p:sp>
@@ -12166,7 +11866,7 @@
             <p:nvPr/>
           </p:nvPicPr>
           <p:blipFill>
-            <a:blip r:embed="rId1" cstate="screen"/>
+            <a:blip r:embed="rId2" cstate="screen"/>
             <a:srcRect l="25368" b="7591"/>
             <a:stretch>
               <a:fillRect/>
@@ -12438,16 +12138,6 @@
                 </a:rPr>
                 <a:t>优缺</a:t>
               </a:r>
-              <a:endParaRPr lang="zh-CN" altLang="en-US" sz="3600" dirty="0">
-                <a:solidFill>
-                  <a:schemeClr val="tx1">
-                    <a:lumMod val="65000"/>
-                    <a:lumOff val="35000"/>
-                  </a:schemeClr>
-                </a:solidFill>
-                <a:latin typeface="幼圆" panose="02010509060101010101" pitchFamily="49" charset="-122"/>
-                <a:ea typeface="幼圆" panose="02010509060101010101" pitchFamily="49" charset="-122"/>
-              </a:endParaRPr>
             </a:p>
           </p:txBody>
         </p:sp>
@@ -12510,7 +12200,7 @@
             <p:nvPr/>
           </p:nvPicPr>
           <p:blipFill>
-            <a:blip r:embed="rId1" cstate="screen"/>
+            <a:blip r:embed="rId2" cstate="screen"/>
             <a:srcRect l="25368" b="7591"/>
             <a:stretch>
               <a:fillRect/>
@@ -12782,16 +12472,6 @@
                 </a:rPr>
                 <a:t>比较</a:t>
               </a:r>
-              <a:endParaRPr lang="zh-CN" altLang="en-US" sz="3600" dirty="0">
-                <a:solidFill>
-                  <a:schemeClr val="tx1">
-                    <a:lumMod val="65000"/>
-                    <a:lumOff val="35000"/>
-                  </a:schemeClr>
-                </a:solidFill>
-                <a:latin typeface="幼圆" panose="02010509060101010101" pitchFamily="49" charset="-122"/>
-                <a:ea typeface="幼圆" panose="02010509060101010101" pitchFamily="49" charset="-122"/>
-              </a:endParaRPr>
             </a:p>
           </p:txBody>
         </p:sp>
@@ -12947,7 +12627,7 @@
           <p:nvPr/>
         </p:nvPicPr>
         <p:blipFill>
-          <a:blip r:embed="rId1" cstate="screen"/>
+          <a:blip r:embed="rId3" cstate="screen"/>
           <a:srcRect/>
           <a:stretch>
             <a:fillRect/>
@@ -13030,7 +12710,7 @@
           <p:nvPr/>
         </p:nvPicPr>
         <p:blipFill>
-          <a:blip r:embed="rId1" cstate="screen"/>
+          <a:blip r:embed="rId2" cstate="screen"/>
           <a:srcRect l="2" t="10258" r="-4218" b="7593"/>
           <a:stretch>
             <a:fillRect/>
@@ -13159,14 +12839,24 @@
           <a:p>
             <a:pPr algn="ctr"/>
             <a:r>
-              <a:rPr lang="en-US" altLang="zh-CN" sz="3600" dirty="0" err="1" smtClean="0">
+              <a:rPr lang="en-US" altLang="zh-CN" sz="3600" dirty="0" smtClean="0">
                 <a:solidFill>
                   <a:schemeClr val="bg1"/>
                 </a:solidFill>
                 <a:latin typeface="幼圆" panose="02010509060101010101" pitchFamily="49" charset="-122"/>
                 <a:ea typeface="幼圆" panose="02010509060101010101" pitchFamily="49" charset="-122"/>
               </a:rPr>
-              <a:t>PRC</a:t>
+              <a:t>RP</a:t>
+            </a:r>
+            <a:r>
+              <a:rPr lang="en-US" altLang="zh-CN" sz="3600" dirty="0" smtClean="0">
+                <a:solidFill>
+                  <a:schemeClr val="bg1"/>
+                </a:solidFill>
+                <a:latin typeface="幼圆" panose="02010509060101010101" pitchFamily="49" charset="-122"/>
+                <a:ea typeface="幼圆" panose="02010509060101010101" pitchFamily="49" charset="-122"/>
+              </a:rPr>
+              <a:t>C</a:t>
             </a:r>
             <a:endParaRPr lang="en-US" altLang="zh-CN" sz="3600" dirty="0">
               <a:solidFill>
@@ -13236,7 +12926,7 @@
             <p:nvPr/>
           </p:nvPicPr>
           <p:blipFill>
-            <a:blip r:embed="rId1" cstate="screen"/>
+            <a:blip r:embed="rId2" cstate="screen"/>
             <a:srcRect l="25368" b="7591"/>
             <a:stretch>
               <a:fillRect/>
@@ -13508,16 +13198,6 @@
                 </a:rPr>
                 <a:t>介绍</a:t>
               </a:r>
-              <a:endParaRPr lang="zh-CN" altLang="en-US" sz="3600" dirty="0">
-                <a:solidFill>
-                  <a:schemeClr val="tx1">
-                    <a:lumMod val="65000"/>
-                    <a:lumOff val="35000"/>
-                  </a:schemeClr>
-                </a:solidFill>
-                <a:latin typeface="幼圆" panose="02010509060101010101" pitchFamily="49" charset="-122"/>
-                <a:ea typeface="幼圆" panose="02010509060101010101" pitchFamily="49" charset="-122"/>
-              </a:endParaRPr>
             </a:p>
           </p:txBody>
         </p:sp>
@@ -13531,7 +13211,7 @@
         <p:spPr>
           <a:xfrm>
             <a:off x="2692884" y="2298968"/>
-            <a:ext cx="9777613" cy="1323439"/>
+            <a:ext cx="9291970" cy="2308324"/>
           </a:xfrm>
           <a:prstGeom prst="rect">
             <a:avLst/>
@@ -13539,7 +13219,7 @@
           <a:noFill/>
         </p:spPr>
         <p:txBody>
-          <a:bodyPr wrap="none" rtlCol="0">
+          <a:bodyPr wrap="square" rtlCol="0">
             <a:spAutoFit/>
           </a:bodyPr>
           <a:lstStyle/>
@@ -13581,15 +13261,89 @@
             </a:r>
             <a:r>
               <a:rPr lang="zh-CN" altLang="en-US" sz="1600" dirty="0"/>
-              <a:t>不需要了解底</a:t>
+              <a:t>不需要了解</a:t>
+            </a:r>
+            <a:r>
+              <a:rPr lang="zh-CN" altLang="en-US" sz="1600" dirty="0" smtClean="0"/>
+              <a:t>底层</a:t>
+            </a:r>
+            <a:r>
+              <a:rPr lang="zh-CN" altLang="en-US" sz="1600" dirty="0"/>
+              <a:t>网络技术的</a:t>
+            </a:r>
+            <a:r>
+              <a:rPr lang="zh-CN" altLang="en-US" sz="1600" dirty="0" smtClean="0"/>
+              <a:t>协议。</a:t>
+            </a:r>
+            <a:endParaRPr lang="en-US" altLang="zh-CN" sz="1600" dirty="0" smtClean="0"/>
+          </a:p>
+          <a:p>
+            <a:endParaRPr lang="en-US" altLang="zh-CN" sz="1600" dirty="0" smtClean="0"/>
+          </a:p>
+          <a:p>
+            <a:r>
+              <a:rPr lang="en-US" altLang="zh-CN" sz="1600" dirty="0" smtClean="0"/>
+              <a:t>RPC</a:t>
+            </a:r>
+            <a:r>
+              <a:rPr lang="zh-CN" altLang="en-US" sz="1600" dirty="0"/>
+              <a:t>协议假定某些传输协议的存在，如</a:t>
             </a:r>
             <a:r>
               <a:rPr lang="en-US" altLang="zh-CN" sz="1600" dirty="0"/>
-              <a:t>&gt;</a:t>
+              <a:t>TCP</a:t>
             </a:r>
             <a:r>
               <a:rPr lang="zh-CN" altLang="en-US" sz="1600" dirty="0"/>
-              <a:t>层网络技术的协议</a:t>
+              <a:t>或</a:t>
+            </a:r>
+            <a:r>
+              <a:rPr lang="en-US" altLang="zh-CN" sz="1600" dirty="0"/>
+              <a:t>UDP</a:t>
+            </a:r>
+            <a:r>
+              <a:rPr lang="zh-CN" altLang="en-US" sz="1600" dirty="0" smtClean="0"/>
+              <a:t>，为</a:t>
+            </a:r>
+            <a:r>
+              <a:rPr lang="zh-CN" altLang="en-US" sz="1600" dirty="0"/>
+              <a:t>通信程序之间携带信息数据。在</a:t>
+            </a:r>
+            <a:r>
+              <a:rPr lang="en-US" altLang="zh-CN" sz="1600" dirty="0"/>
+              <a:t>OSI</a:t>
+            </a:r>
+            <a:r>
+              <a:rPr lang="zh-CN" altLang="en-US" sz="1600" dirty="0" smtClean="0"/>
+              <a:t>网络通信</a:t>
+            </a:r>
+            <a:r>
+              <a:rPr lang="zh-CN" altLang="en-US" sz="1600" dirty="0"/>
+              <a:t>模型中</a:t>
+            </a:r>
+            <a:r>
+              <a:rPr lang="zh-CN" altLang="en-US" sz="1600" dirty="0" smtClean="0"/>
+              <a:t>，</a:t>
+            </a:r>
+            <a:r>
+              <a:rPr lang="en-US" altLang="zh-CN" sz="1600" dirty="0" smtClean="0"/>
+              <a:t>RPC</a:t>
+            </a:r>
+            <a:r>
+              <a:rPr lang="zh-CN" altLang="en-US" sz="1600" dirty="0"/>
+              <a:t>跨越了传输层和应用层。</a:t>
+            </a:r>
+            <a:r>
+              <a:rPr lang="en-US" altLang="zh-CN" sz="1600" dirty="0"/>
+              <a:t>RPC</a:t>
+            </a:r>
+            <a:r>
+              <a:rPr lang="zh-CN" altLang="en-US" sz="1600" dirty="0"/>
+              <a:t>使得开发包括网络分布式多程序在内的应用程序更加</a:t>
+            </a:r>
+            <a:r>
+              <a:rPr lang="zh-CN" altLang="en-US" sz="1600" dirty="0" smtClean="0"/>
+              <a:t>容易</a:t>
             </a:r>
             <a:r>
               <a:rPr lang="zh-CN" altLang="en-US" sz="1600" dirty="0" smtClean="0"/>
@@ -13602,76 +13356,16 @@
           </a:p>
           <a:p>
             <a:r>
-              <a:rPr lang="en-US" altLang="zh-CN" sz="1600" dirty="0" smtClean="0"/>
-              <a:t>RPC</a:t>
+              <a:rPr lang="zh-CN" altLang="en-US" sz="1600" dirty="0" smtClean="0"/>
+              <a:t>一般</a:t>
             </a:r>
             <a:r>
               <a:rPr lang="zh-CN" altLang="en-US" sz="1600" dirty="0"/>
-              <a:t>协议假定某些传输协议的存在，如</a:t>
-            </a:r>
-            <a:r>
-              <a:rPr lang="en-US" altLang="zh-CN" sz="1600" dirty="0"/>
-              <a:t>TCP</a:t>
-            </a:r>
-            <a:r>
-              <a:rPr lang="zh-CN" altLang="en-US" sz="1600" dirty="0"/>
-              <a:t>或</a:t>
-            </a:r>
-            <a:r>
-              <a:rPr lang="en-US" altLang="zh-CN" sz="1600" dirty="0"/>
-              <a:t>UDP</a:t>
-            </a:r>
-            <a:r>
-              <a:rPr lang="zh-CN" altLang="en-US" sz="1600" dirty="0" smtClean="0"/>
-              <a:t>，为</a:t>
-            </a:r>
-            <a:r>
-              <a:rPr lang="zh-CN" altLang="en-US" sz="1600" dirty="0"/>
-              <a:t>通信程序之间携带信息数据。在</a:t>
-            </a:r>
-            <a:r>
-              <a:rPr lang="en-US" altLang="zh-CN" sz="1600" dirty="0"/>
-              <a:t>OSI</a:t>
-            </a:r>
-            <a:r>
-              <a:rPr lang="zh-CN" altLang="en-US" sz="1600" dirty="0"/>
-              <a:t>网络</a:t>
-            </a:r>
-            <a:r>
-              <a:rPr lang="en-US" altLang="zh-CN" sz="1600" dirty="0"/>
-              <a:t>&gt;</a:t>
-            </a:r>
-            <a:r>
-              <a:rPr lang="zh-CN" altLang="en-US" sz="1600" dirty="0"/>
-              <a:t>通信模型中</a:t>
-            </a:r>
-            <a:r>
-              <a:rPr lang="zh-CN" altLang="en-US" sz="1600" dirty="0" smtClean="0"/>
-              <a:t>，</a:t>
-            </a:r>
-            <a:endParaRPr lang="en-US" altLang="zh-CN" sz="1600" dirty="0" smtClean="0"/>
-          </a:p>
-          <a:p>
-            <a:r>
-              <a:rPr lang="en-US" altLang="zh-CN" sz="1600" dirty="0" smtClean="0"/>
-              <a:t>RPC</a:t>
-            </a:r>
-            <a:r>
-              <a:rPr lang="zh-CN" altLang="en-US" sz="1600" dirty="0"/>
-              <a:t>跨越了传输层和应用层。</a:t>
-            </a:r>
-            <a:r>
-              <a:rPr lang="en-US" altLang="zh-CN" sz="1600" dirty="0"/>
-              <a:t>RPC</a:t>
-            </a:r>
-            <a:r>
-              <a:rPr lang="zh-CN" altLang="en-US" sz="1600" dirty="0"/>
-              <a:t>使得开发包括网络分布式多程序在内的应用程序更加</a:t>
-            </a:r>
-            <a:r>
-              <a:rPr lang="zh-CN" altLang="en-US" sz="1600" dirty="0" smtClean="0"/>
-              <a:t>容易。</a:t>
-            </a:r>
+              <a:t>用来实现部署在不同机器上的系统之间的方法调用，使得程序能够像访问本地系统资源一样，通过网络传输去访问远端系统资源。</a:t>
+            </a:r>
+            <a:endParaRPr lang="en-US" altLang="zh-CN" sz="1600" dirty="0"/>
+          </a:p>
+          <a:p>
             <a:endParaRPr lang="zh-CN" altLang="en-US" sz="1600" dirty="0"/>
           </a:p>
         </p:txBody>
@@ -13734,7 +13428,7 @@
             <p:nvPr/>
           </p:nvPicPr>
           <p:blipFill>
-            <a:blip r:embed="rId1" cstate="screen"/>
+            <a:blip r:embed="rId2" cstate="screen"/>
             <a:srcRect l="25368" b="7591"/>
             <a:stretch>
               <a:fillRect/>
@@ -14004,7 +13698,7 @@
                   <a:latin typeface="幼圆" panose="02010509060101010101" pitchFamily="49" charset="-122"/>
                   <a:ea typeface="幼圆" panose="02010509060101010101" pitchFamily="49" charset="-122"/>
                 </a:rPr>
-                <a:t>示例</a:t>
+                <a:t>原理</a:t>
               </a:r>
               <a:endParaRPr lang="zh-CN" altLang="en-US" sz="3600" dirty="0">
                 <a:solidFill>
@@ -14029,7 +13723,7 @@
         <p:spPr>
           <a:xfrm>
             <a:off x="3771330" y="1688089"/>
-            <a:ext cx="3517743" cy="2308324"/>
+            <a:ext cx="3517743" cy="338554"/>
           </a:xfrm>
           <a:prstGeom prst="rect">
             <a:avLst/>
@@ -14043,110 +13737,284 @@
           <a:lstStyle/>
           <a:p>
             <a:r>
-              <a:rPr lang="en-US" altLang="zh-CN" sz="1600" b="1" dirty="0"/>
-              <a:t>/user/</a:t>
-            </a:r>
-            <a:r>
-              <a:rPr lang="en-US" altLang="zh-CN" sz="1600" b="1" dirty="0" err="1"/>
-              <a:t>getUserList</a:t>
-            </a:r>
-            <a:r>
-              <a:rPr lang="en-US" altLang="zh-CN" sz="1600" b="1" dirty="0"/>
-              <a:t>   </a:t>
-            </a:r>
-            <a:r>
               <a:rPr lang="en-US" altLang="zh-CN" sz="1600" b="1" dirty="0" smtClean="0"/>
-              <a:t>		get</a:t>
+              <a:t>		</a:t>
             </a:r>
             <a:endParaRPr lang="en-US" altLang="zh-CN" sz="1600" b="1" dirty="0"/>
           </a:p>
-          <a:p>
-            <a:endParaRPr lang="en-US" altLang="zh-CN" sz="1600" b="1" dirty="0"/>
-          </a:p>
-          <a:p>
-            <a:r>
-              <a:rPr lang="en-US" altLang="zh-CN" sz="1600" b="1" dirty="0"/>
-              <a:t>/</a:t>
-            </a:r>
-            <a:r>
-              <a:rPr lang="en-US" altLang="zh-CN" sz="1600" b="1" dirty="0" smtClean="0"/>
-              <a:t>user/</a:t>
-            </a:r>
-            <a:r>
-              <a:rPr lang="en-US" altLang="zh-CN" sz="1600" b="1" dirty="0" err="1" smtClean="0"/>
-              <a:t>getUserByUserId</a:t>
-            </a:r>
-            <a:r>
-              <a:rPr lang="en-US" altLang="zh-CN" sz="1600" b="1" dirty="0" smtClean="0"/>
-              <a:t>	get</a:t>
-            </a:r>
-            <a:endParaRPr lang="en-US" altLang="zh-CN" sz="1600" b="1" dirty="0"/>
-          </a:p>
-          <a:p>
-            <a:endParaRPr lang="en-US" altLang="zh-CN" sz="1600" b="1" dirty="0"/>
-          </a:p>
-          <a:p>
-            <a:r>
-              <a:rPr lang="en-US" altLang="zh-CN" sz="1600" b="1" dirty="0"/>
-              <a:t>/user/</a:t>
-            </a:r>
-            <a:r>
-              <a:rPr lang="en-US" altLang="zh-CN" sz="1600" b="1" dirty="0" err="1"/>
-              <a:t>createUser</a:t>
-            </a:r>
-            <a:r>
-              <a:rPr lang="en-US" altLang="zh-CN" sz="1600" b="1" dirty="0"/>
-              <a:t> </a:t>
-            </a:r>
-            <a:r>
-              <a:rPr lang="en-US" altLang="zh-CN" sz="1600" b="1" dirty="0" smtClean="0"/>
-              <a:t>		post</a:t>
-            </a:r>
-            <a:endParaRPr lang="en-US" altLang="zh-CN" sz="1600" b="1" dirty="0"/>
-          </a:p>
-          <a:p>
-            <a:endParaRPr lang="en-US" altLang="zh-CN" sz="1600" b="1" dirty="0"/>
-          </a:p>
-          <a:p>
-            <a:r>
-              <a:rPr lang="en-US" altLang="zh-CN" sz="1600" b="1" dirty="0"/>
-              <a:t>/</a:t>
-            </a:r>
-            <a:r>
-              <a:rPr lang="en-US" altLang="zh-CN" sz="1600" b="1" dirty="0" smtClean="0"/>
-              <a:t>user/</a:t>
-            </a:r>
-            <a:r>
-              <a:rPr lang="en-US" altLang="zh-CN" sz="1600" b="1" dirty="0" err="1" smtClean="0"/>
-              <a:t>updateUser</a:t>
-            </a:r>
-            <a:r>
-              <a:rPr lang="en-US" altLang="zh-CN" sz="1600" b="1" dirty="0" smtClean="0"/>
-              <a:t>		post</a:t>
-            </a:r>
-            <a:endParaRPr lang="en-US" altLang="zh-CN" sz="1600" b="1" dirty="0"/>
-          </a:p>
-          <a:p>
-            <a:endParaRPr lang="en-US" altLang="zh-CN" sz="1600" b="1" dirty="0"/>
-          </a:p>
-          <a:p>
-            <a:r>
-              <a:rPr lang="en-US" altLang="zh-CN" sz="1600" b="1" dirty="0"/>
-              <a:t>/user/</a:t>
-            </a:r>
-            <a:r>
-              <a:rPr lang="en-US" altLang="zh-CN" sz="1600" b="1" dirty="0" err="1"/>
-              <a:t>removeUser</a:t>
-            </a:r>
-            <a:r>
-              <a:rPr lang="en-US" altLang="zh-CN" sz="1600" b="1" dirty="0"/>
-              <a:t> </a:t>
-            </a:r>
-            <a:r>
-              <a:rPr lang="en-US" altLang="zh-CN" sz="1600" b="1" dirty="0" smtClean="0"/>
-              <a:t>		post</a:t>
-            </a:r>
-            <a:endParaRPr lang="en-US" altLang="zh-CN" sz="1600" b="1" dirty="0"/>
+        </p:txBody>
+      </p:sp>
+      <p:pic>
+        <p:nvPicPr>
+          <p:cNvPr id="1026" name="Picture 2" descr="http://static.oschina.net/uploads/space/2016/0714/102634_AAIe_2243330.png"/>
+          <p:cNvPicPr>
+            <a:picLocks noChangeAspect="1" noChangeArrowheads="1"/>
+          </p:cNvPicPr>
+          <p:nvPr/>
+        </p:nvPicPr>
+        <p:blipFill>
+          <a:blip r:embed="rId3">
+            <a:extLst>
+              <a:ext uri="{28A0092B-C50C-407E-A947-70E740481C1C}">
+                <a14:useLocalDpi xmlns:a14="http://schemas.microsoft.com/office/drawing/2010/main" val="0"/>
+              </a:ext>
+            </a:extLst>
+          </a:blip>
+          <a:srcRect/>
+          <a:stretch>
+            <a:fillRect/>
+          </a:stretch>
+        </p:blipFill>
+        <p:spPr bwMode="auto">
+          <a:xfrm>
+            <a:off x="3504475" y="4926"/>
+            <a:ext cx="6819105" cy="4070685"/>
+          </a:xfrm>
+          <a:prstGeom prst="rect">
+            <a:avLst/>
+          </a:prstGeom>
+          <a:noFill/>
+          <a:extLst>
+            <a:ext uri="{909E8E84-426E-40DD-AFC4-6F175D3DCCD1}">
+              <a14:hiddenFill xmlns:a14="http://schemas.microsoft.com/office/drawing/2010/main">
+                <a:solidFill>
+                  <a:srgbClr val="FFFFFF"/>
+                </a:solidFill>
+              </a14:hiddenFill>
+            </a:ext>
+          </a:extLst>
+        </p:spPr>
+      </p:pic>
+      <p:sp>
+        <p:nvSpPr>
+          <p:cNvPr id="8" name="文本框 7"/>
+          <p:cNvSpPr txBox="1"/>
+          <p:nvPr/>
+        </p:nvSpPr>
+        <p:spPr>
+          <a:xfrm>
+            <a:off x="3440405" y="4174144"/>
+            <a:ext cx="8663077" cy="2585323"/>
+          </a:xfrm>
+          <a:prstGeom prst="rect">
+            <a:avLst/>
+          </a:prstGeom>
+          <a:noFill/>
+        </p:spPr>
+        <p:txBody>
+          <a:bodyPr wrap="none" rtlCol="0">
+            <a:spAutoFit/>
+          </a:bodyPr>
+          <a:lstStyle/>
+          <a:p>
+            <a:pPr marL="342900" indent="-342900">
+              <a:buFont typeface="+mj-lt"/>
+              <a:buAutoNum type="arabicPeriod"/>
+            </a:pPr>
+            <a:r>
+              <a:rPr lang="zh-CN" altLang="en-US" dirty="0"/>
+              <a:t>服务消费方（</a:t>
+            </a:r>
+            <a:r>
+              <a:rPr lang="en-US" altLang="zh-CN" dirty="0"/>
+              <a:t>client</a:t>
+            </a:r>
+            <a:r>
+              <a:rPr lang="zh-CN" altLang="en-US" dirty="0"/>
+              <a:t>）调用以本地调用方式调用</a:t>
+            </a:r>
+            <a:r>
+              <a:rPr lang="zh-CN" altLang="en-US" dirty="0" smtClean="0"/>
+              <a:t>服务</a:t>
+            </a:r>
+            <a:endParaRPr lang="en-US" altLang="zh-CN" dirty="0" smtClean="0"/>
+          </a:p>
+          <a:p>
+            <a:pPr marL="342900" indent="-342900">
+              <a:buFont typeface="+mj-lt"/>
+              <a:buAutoNum type="arabicPeriod"/>
+            </a:pPr>
+            <a:r>
+              <a:rPr lang="en-US" altLang="zh-CN" dirty="0" smtClean="0"/>
+              <a:t>client </a:t>
+            </a:r>
+            <a:r>
+              <a:rPr lang="en-US" altLang="zh-CN" dirty="0"/>
+              <a:t>stub</a:t>
+            </a:r>
+            <a:r>
+              <a:rPr lang="zh-CN" altLang="en-US" dirty="0"/>
+              <a:t>接收到调用后负责将方法、参数等组装成能够进行网络传输的消息</a:t>
+            </a:r>
+            <a:r>
+              <a:rPr lang="zh-CN" altLang="en-US" dirty="0" smtClean="0"/>
+              <a:t>体</a:t>
+            </a:r>
+            <a:endParaRPr lang="en-US" altLang="zh-CN" dirty="0" smtClean="0"/>
+          </a:p>
+          <a:p>
+            <a:pPr marL="342900" indent="-342900">
+              <a:buFont typeface="+mj-lt"/>
+              <a:buAutoNum type="arabicPeriod"/>
+            </a:pPr>
+            <a:r>
+              <a:rPr lang="en-US" altLang="zh-CN" dirty="0" smtClean="0"/>
+              <a:t>client </a:t>
+            </a:r>
+            <a:r>
+              <a:rPr lang="en-US" altLang="zh-CN" dirty="0"/>
+              <a:t>stub</a:t>
+            </a:r>
+            <a:r>
+              <a:rPr lang="zh-CN" altLang="en-US" dirty="0"/>
+              <a:t>找到服务地址，并将</a:t>
+            </a:r>
+            <a:r>
+              <a:rPr lang="zh-CN" altLang="en-US" dirty="0" smtClean="0"/>
+              <a:t>消息发送</a:t>
+            </a:r>
+            <a:r>
+              <a:rPr lang="zh-CN" altLang="en-US" dirty="0"/>
+              <a:t>到服务</a:t>
+            </a:r>
+            <a:r>
+              <a:rPr lang="zh-CN" altLang="en-US" dirty="0" smtClean="0"/>
+              <a:t>端</a:t>
+            </a:r>
+            <a:endParaRPr lang="en-US" altLang="zh-CN" dirty="0" smtClean="0"/>
+          </a:p>
+          <a:p>
+            <a:pPr marL="342900" indent="-342900">
+              <a:buFont typeface="+mj-lt"/>
+              <a:buAutoNum type="arabicPeriod"/>
+            </a:pPr>
+            <a:r>
+              <a:rPr lang="en-US" altLang="zh-CN" dirty="0" smtClean="0"/>
+              <a:t>server </a:t>
+            </a:r>
+            <a:r>
+              <a:rPr lang="en-US" altLang="zh-CN" dirty="0"/>
+              <a:t>stub</a:t>
+            </a:r>
+            <a:r>
+              <a:rPr lang="zh-CN" altLang="en-US" dirty="0"/>
+              <a:t>收到消息后进行</a:t>
+            </a:r>
+            <a:r>
+              <a:rPr lang="zh-CN" altLang="en-US" dirty="0" smtClean="0"/>
+              <a:t>解码</a:t>
+            </a:r>
+            <a:endParaRPr lang="en-US" altLang="zh-CN" dirty="0" smtClean="0"/>
+          </a:p>
+          <a:p>
+            <a:pPr marL="342900" indent="-342900">
+              <a:buFont typeface="+mj-lt"/>
+              <a:buAutoNum type="arabicPeriod"/>
+            </a:pPr>
+            <a:r>
+              <a:rPr lang="en-US" altLang="zh-CN" dirty="0" smtClean="0"/>
+              <a:t>server </a:t>
+            </a:r>
+            <a:r>
+              <a:rPr lang="en-US" altLang="zh-CN" dirty="0"/>
+              <a:t>stub</a:t>
+            </a:r>
+            <a:r>
+              <a:rPr lang="zh-CN" altLang="en-US" dirty="0"/>
+              <a:t>根据解码结果调用本地的</a:t>
+            </a:r>
+            <a:r>
+              <a:rPr lang="zh-CN" altLang="en-US" dirty="0" smtClean="0"/>
+              <a:t>服务</a:t>
+            </a:r>
+            <a:endParaRPr lang="en-US" altLang="zh-CN" dirty="0" smtClean="0"/>
+          </a:p>
+          <a:p>
+            <a:pPr marL="342900" indent="-342900">
+              <a:buFont typeface="+mj-lt"/>
+              <a:buAutoNum type="arabicPeriod"/>
+            </a:pPr>
+            <a:r>
+              <a:rPr lang="zh-CN" altLang="en-US" dirty="0" smtClean="0"/>
+              <a:t>本地</a:t>
+            </a:r>
+            <a:r>
+              <a:rPr lang="zh-CN" altLang="en-US" dirty="0"/>
+              <a:t>服务执行并将结果返回给</a:t>
+            </a:r>
+            <a:r>
+              <a:rPr lang="en-US" altLang="zh-CN" dirty="0"/>
+              <a:t>server </a:t>
+            </a:r>
+            <a:r>
+              <a:rPr lang="en-US" altLang="zh-CN" dirty="0" smtClean="0"/>
+              <a:t>stub</a:t>
+            </a:r>
+          </a:p>
+          <a:p>
+            <a:pPr marL="342900" indent="-342900">
+              <a:buFont typeface="+mj-lt"/>
+              <a:buAutoNum type="arabicPeriod"/>
+            </a:pPr>
+            <a:r>
+              <a:rPr lang="en-US" altLang="zh-CN" dirty="0" smtClean="0"/>
+              <a:t>server </a:t>
+            </a:r>
+            <a:r>
+              <a:rPr lang="en-US" altLang="zh-CN" dirty="0"/>
+              <a:t>stub</a:t>
+            </a:r>
+            <a:r>
+              <a:rPr lang="zh-CN" altLang="en-US" dirty="0"/>
+              <a:t>将返回结果打包成消息并发送至消费</a:t>
+            </a:r>
+            <a:r>
+              <a:rPr lang="zh-CN" altLang="en-US" dirty="0" smtClean="0"/>
+              <a:t>方</a:t>
+            </a:r>
+            <a:endParaRPr lang="en-US" altLang="zh-CN" dirty="0" smtClean="0"/>
+          </a:p>
+          <a:p>
+            <a:pPr marL="342900" indent="-342900">
+              <a:buFont typeface="+mj-lt"/>
+              <a:buAutoNum type="arabicPeriod"/>
+            </a:pPr>
+            <a:r>
+              <a:rPr lang="en-US" altLang="zh-CN" dirty="0" smtClean="0"/>
+              <a:t>client </a:t>
+            </a:r>
+            <a:r>
+              <a:rPr lang="en-US" altLang="zh-CN" dirty="0"/>
+              <a:t>stub</a:t>
+            </a:r>
+            <a:r>
+              <a:rPr lang="zh-CN" altLang="en-US" dirty="0"/>
+              <a:t>接收到消息，并进行</a:t>
+            </a:r>
+            <a:r>
+              <a:rPr lang="zh-CN" altLang="en-US" dirty="0" smtClean="0"/>
+              <a:t>解码</a:t>
+            </a:r>
+            <a:endParaRPr lang="en-US" altLang="zh-CN" dirty="0" smtClean="0"/>
+          </a:p>
+          <a:p>
+            <a:pPr marL="342900" indent="-342900">
+              <a:buFont typeface="+mj-lt"/>
+              <a:buAutoNum type="arabicPeriod"/>
+            </a:pPr>
+            <a:r>
+              <a:rPr lang="zh-CN" altLang="en-US" dirty="0" smtClean="0"/>
+              <a:t>服务</a:t>
+            </a:r>
+            <a:r>
+              <a:rPr lang="zh-CN" altLang="en-US" dirty="0"/>
+              <a:t>消费方得到最终</a:t>
+            </a:r>
+            <a:r>
+              <a:rPr lang="zh-CN" altLang="en-US" dirty="0" smtClean="0"/>
+              <a:t>结果</a:t>
+            </a:r>
+            <a:endParaRPr lang="zh-CN" altLang="en-US" dirty="0"/>
           </a:p>
         </p:txBody>
       </p:sp>
@@ -14208,7 +14076,7 @@
             <p:nvPr/>
           </p:nvPicPr>
           <p:blipFill>
-            <a:blip r:embed="rId1" cstate="screen"/>
+            <a:blip r:embed="rId2" cstate="screen"/>
             <a:srcRect l="25368" b="7591"/>
             <a:stretch>
               <a:fillRect/>
@@ -14561,7 +14429,6 @@
               <a:rPr lang="en-US" altLang="zh-CN" sz="1600" dirty="0" smtClean="0"/>
               <a:t>	</a:t>
             </a:r>
-            <a:endParaRPr lang="en-US" altLang="zh-CN" sz="1600" dirty="0" smtClean="0"/>
           </a:p>
           <a:p>
             <a:endParaRPr lang="en-US" altLang="zh-CN" sz="1600" dirty="0" smtClean="0"/>
@@ -14658,7 +14525,6 @@
               <a:rPr lang="zh-CN" altLang="en-US" sz="1600" dirty="0"/>
               <a:t>对于系统本身耦合性高</a:t>
             </a:r>
-            <a:endParaRPr lang="zh-CN" altLang="en-US" sz="1600" dirty="0"/>
           </a:p>
           <a:p>
             <a:pPr marL="798830" lvl="1" indent="-342900">
@@ -14693,7 +14559,6 @@
               <a:rPr lang="zh-CN" altLang="en-US" sz="1600" dirty="0"/>
               <a:t>需要有详细的文档</a:t>
             </a:r>
-            <a:endParaRPr lang="zh-CN" altLang="en-US" sz="1600" dirty="0"/>
           </a:p>
         </p:txBody>
       </p:sp>
@@ -14741,7 +14606,7 @@
           <p:nvPr/>
         </p:nvPicPr>
         <p:blipFill>
-          <a:blip r:embed="rId1" cstate="screen"/>
+          <a:blip r:embed="rId2" cstate="screen"/>
           <a:srcRect l="2" t="10258" r="-4218" b="7593"/>
           <a:stretch>
             <a:fillRect/>
@@ -14947,7 +14812,7 @@
             <p:nvPr/>
           </p:nvPicPr>
           <p:blipFill>
-            <a:blip r:embed="rId1" cstate="screen"/>
+            <a:blip r:embed="rId2" cstate="screen"/>
             <a:srcRect l="25368" b="7591"/>
             <a:stretch>
               <a:fillRect/>
@@ -15219,16 +15084,6 @@
                 </a:rPr>
                 <a:t>介绍</a:t>
               </a:r>
-              <a:endParaRPr lang="zh-CN" altLang="en-US" sz="3600" dirty="0">
-                <a:solidFill>
-                  <a:schemeClr val="tx1">
-                    <a:lumMod val="65000"/>
-                    <a:lumOff val="35000"/>
-                  </a:schemeClr>
-                </a:solidFill>
-                <a:latin typeface="幼圆" panose="02010509060101010101" pitchFamily="49" charset="-122"/>
-                <a:ea typeface="幼圆" panose="02010509060101010101" pitchFamily="49" charset="-122"/>
-              </a:endParaRPr>
             </a:p>
           </p:txBody>
         </p:sp>
@@ -15453,7 +15308,7 @@
             <p:nvPr/>
           </p:nvPicPr>
           <p:blipFill>
-            <a:blip r:embed="rId1" cstate="screen"/>
+            <a:blip r:embed="rId3" cstate="screen"/>
             <a:srcRect l="25368" b="7591"/>
             <a:stretch>
               <a:fillRect/>
@@ -15962,7 +15817,7 @@
       </p:sp>
     </p:spTree>
     <p:custDataLst>
-      <p:tags r:id="rId2"/>
+      <p:tags r:id="rId1"/>
     </p:custDataLst>
   </p:cSld>
   <p:clrMapOvr>
@@ -15982,7 +15837,7 @@
 </file>
 
 <file path=ppt/tags/tag1.xml><?xml version="1.0" encoding="utf-8"?>
-<p:tagLst xmlns:p="http://schemas.openxmlformats.org/presentationml/2006/main">
+<p:tagLst xmlns:a="http://schemas.openxmlformats.org/drawingml/2006/main" xmlns:r="http://schemas.openxmlformats.org/officeDocument/2006/relationships" xmlns:p="http://schemas.openxmlformats.org/presentationml/2006/main">
   <p:tag name="TIMING" val="|0.9|1.7|0.6|0.6|0.6|0.6|0.6|0.2|0.1|0.1|0.2|0.2|0.4|0.3|0.2|0.3|0.4|0.6"/>
 </p:tagLst>
 </file>
@@ -16625,6 +16480,8 @@
       </a:bgFillStyleLst>
     </a:fmtScheme>
   </a:themeElements>
+  <a:objectDefaults/>
+  <a:extraClrSchemeLst/>
   <a:extLst>
     <a:ext uri="{05A4C25C-085E-4340-85A3-A5531E510DB2}">
       <thm15:themeFamily xmlns:thm15="http://schemas.microsoft.com/office/thememl/2012/main" name="Office Theme" id="{62F939B6-93AF-4DB8-9C6B-D6C7DFDC589F}" vid="{4A3C46E8-61CC-4603-A589-7422A47A8E4A}"/>
@@ -16884,6 +16741,8 @@
       </a:bgFillStyleLst>
     </a:fmtScheme>
   </a:themeElements>
+  <a:objectDefaults/>
+  <a:extraClrSchemeLst/>
   <a:extLst>
     <a:ext uri="{05A4C25C-085E-4340-85A3-A5531E510DB2}">
       <thm15:themeFamily xmlns:thm15="http://schemas.microsoft.com/office/thememl/2012/main" name="Office Theme" id="{62F939B6-93AF-4DB8-9C6B-D6C7DFDC589F}" vid="{4A3C46E8-61CC-4603-A589-7422A47A8E4A}"/>

--- a/GraphQL.pptx
+++ b/GraphQL.pptx
@@ -5,41 +5,44 @@
     <p:sldMasterId id="2147483648" r:id="rId1"/>
   </p:sldMasterIdLst>
   <p:notesMasterIdLst>
-    <p:notesMasterId r:id="rId28"/>
+    <p:notesMasterId r:id="rId4"/>
   </p:notesMasterIdLst>
   <p:handoutMasterIdLst>
-    <p:handoutMasterId r:id="rId29"/>
+    <p:handoutMasterId r:id="rId30"/>
   </p:handoutMasterIdLst>
   <p:sldIdLst>
-    <p:sldId id="260" r:id="rId2"/>
-    <p:sldId id="261" r:id="rId3"/>
-    <p:sldId id="265" r:id="rId4"/>
-    <p:sldId id="262" r:id="rId5"/>
-    <p:sldId id="287" r:id="rId6"/>
-    <p:sldId id="286" r:id="rId7"/>
-    <p:sldId id="288" r:id="rId8"/>
-    <p:sldId id="289" r:id="rId9"/>
-    <p:sldId id="263" r:id="rId10"/>
-    <p:sldId id="264" r:id="rId11"/>
-    <p:sldId id="290" r:id="rId12"/>
-    <p:sldId id="268" r:id="rId13"/>
-    <p:sldId id="267" r:id="rId14"/>
-    <p:sldId id="314" r:id="rId15"/>
-    <p:sldId id="270" r:id="rId16"/>
-    <p:sldId id="271" r:id="rId17"/>
-    <p:sldId id="315" r:id="rId18"/>
-    <p:sldId id="316" r:id="rId19"/>
-    <p:sldId id="285" r:id="rId20"/>
-    <p:sldId id="317" r:id="rId21"/>
-    <p:sldId id="320" r:id="rId22"/>
-    <p:sldId id="321" r:id="rId23"/>
-    <p:sldId id="318" r:id="rId24"/>
-    <p:sldId id="272" r:id="rId25"/>
-    <p:sldId id="319" r:id="rId26"/>
-    <p:sldId id="284" r:id="rId27"/>
+    <p:sldId id="260" r:id="rId3"/>
+    <p:sldId id="261" r:id="rId5"/>
+    <p:sldId id="265" r:id="rId6"/>
+    <p:sldId id="262" r:id="rId7"/>
+    <p:sldId id="287" r:id="rId8"/>
+    <p:sldId id="286" r:id="rId9"/>
+    <p:sldId id="288" r:id="rId10"/>
+    <p:sldId id="289" r:id="rId11"/>
+    <p:sldId id="263" r:id="rId12"/>
+    <p:sldId id="264" r:id="rId13"/>
+    <p:sldId id="290" r:id="rId14"/>
+    <p:sldId id="268" r:id="rId15"/>
+    <p:sldId id="267" r:id="rId16"/>
+    <p:sldId id="314" r:id="rId17"/>
+    <p:sldId id="270" r:id="rId18"/>
+    <p:sldId id="271" r:id="rId19"/>
+    <p:sldId id="315" r:id="rId20"/>
+    <p:sldId id="316" r:id="rId21"/>
+    <p:sldId id="285" r:id="rId22"/>
+    <p:sldId id="317" r:id="rId23"/>
+    <p:sldId id="320" r:id="rId24"/>
+    <p:sldId id="321" r:id="rId25"/>
+    <p:sldId id="318" r:id="rId26"/>
+    <p:sldId id="272" r:id="rId27"/>
+    <p:sldId id="319" r:id="rId28"/>
+    <p:sldId id="284" r:id="rId29"/>
   </p:sldIdLst>
   <p:sldSz cx="12192000" cy="6858000"/>
   <p:notesSz cx="6858000" cy="9144000"/>
+  <p:custDataLst>
+    <p:tags r:id="rId34"/>
+  </p:custDataLst>
   <p:defaultTextStyle>
     <a:defPPr>
       <a:defRPr lang="zh-CN"/>
@@ -165,22 +168,6 @@
       </a:defRPr>
     </a:lvl9pPr>
   </p:defaultTextStyle>
-  <p:extLst>
-    <p:ext uri="{EFAFB233-063F-42B5-8137-9DF3F51BA10A}">
-      <p15:sldGuideLst xmlns:p15="http://schemas.microsoft.com/office/powerpoint/2012/main">
-        <p15:guide id="1" orient="horz" pos="2160">
-          <p15:clr>
-            <a:srgbClr val="A4A3A4"/>
-          </p15:clr>
-        </p15:guide>
-        <p15:guide id="2" pos="3840">
-          <p15:clr>
-            <a:srgbClr val="A4A3A4"/>
-          </p15:clr>
-        </p15:guide>
-      </p15:sldGuideLst>
-    </p:ext>
-  </p:extLst>
 </p:presentation>
 </file>
 
@@ -281,7 +268,6 @@
             </a:pPr>
             <a:fld id="{F50BDC0E-2239-45DF-9524-A1CF3E0711BE}" type="datetimeFigureOut">
               <a:rPr lang="zh-CN" altLang="en-US"/>
-              <a:t>2019/3/15</a:t>
             </a:fld>
             <a:endParaRPr lang="zh-CN" altLang="en-US">
               <a:cs typeface="+mn-cs"/>
@@ -361,7 +347,6 @@
             </a:pPr>
             <a:fld id="{0E607BD0-D7C9-48FE-820C-9907E3322313}" type="slidenum">
               <a:rPr lang="zh-CN" altLang="en-US"/>
-              <a:t>‹#›</a:t>
             </a:fld>
             <a:endParaRPr lang="zh-CN" altLang="en-US">
               <a:cs typeface="+mn-cs"/>
@@ -370,11 +355,6 @@
         </p:txBody>
       </p:sp>
     </p:spTree>
-    <p:extLst>
-      <p:ext uri="{BB962C8B-B14F-4D97-AF65-F5344CB8AC3E}">
-        <p14:creationId xmlns:p14="http://schemas.microsoft.com/office/powerpoint/2010/main" val="2189817447"/>
-      </p:ext>
-    </p:extLst>
   </p:cSld>
   <p:clrMap bg1="lt1" tx1="dk1" bg2="lt2" tx2="dk2" accent1="accent1" accent2="accent2" accent3="accent3" accent4="accent4" accent5="accent5" accent6="accent6" hlink="hlink" folHlink="folHlink"/>
 </p:handoutMaster>
@@ -477,7 +457,6 @@
             </a:pPr>
             <a:fld id="{84F37D08-85E4-4BFC-AC0F-A700EED159BA}" type="datetimeFigureOut">
               <a:rPr lang="zh-CN" altLang="en-US"/>
-              <a:t>2019/3/15</a:t>
             </a:fld>
             <a:endParaRPr lang="zh-CN" altLang="en-US">
               <a:cs typeface="+mn-cs"/>
@@ -572,6 +551,7 @@
               <a:rPr lang="zh-CN" altLang="en-US" noProof="0"/>
               <a:t>单击此处编辑母版文本样式</a:t>
             </a:r>
+            <a:endParaRPr lang="zh-CN" altLang="en-US" noProof="0"/>
           </a:p>
           <a:p>
             <a:pPr lvl="1"/>
@@ -579,6 +559,7 @@
               <a:rPr lang="zh-CN" altLang="en-US" noProof="0"/>
               <a:t>第二级</a:t>
             </a:r>
+            <a:endParaRPr lang="zh-CN" altLang="en-US" noProof="0"/>
           </a:p>
           <a:p>
             <a:pPr lvl="2"/>
@@ -586,6 +567,7 @@
               <a:rPr lang="zh-CN" altLang="en-US" noProof="0"/>
               <a:t>第三级</a:t>
             </a:r>
+            <a:endParaRPr lang="zh-CN" altLang="en-US" noProof="0"/>
           </a:p>
           <a:p>
             <a:pPr lvl="3"/>
@@ -593,6 +575,7 @@
               <a:rPr lang="zh-CN" altLang="en-US" noProof="0"/>
               <a:t>第四级</a:t>
             </a:r>
+            <a:endParaRPr lang="zh-CN" altLang="en-US" noProof="0"/>
           </a:p>
           <a:p>
             <a:pPr lvl="4"/>
@@ -600,6 +583,7 @@
               <a:rPr lang="zh-CN" altLang="en-US" noProof="0"/>
               <a:t>第五级</a:t>
             </a:r>
+            <a:endParaRPr lang="zh-CN" altLang="en-US" noProof="0"/>
           </a:p>
         </p:txBody>
       </p:sp>
@@ -675,7 +659,6 @@
             </a:pPr>
             <a:fld id="{5E0E6BE5-EEEF-48E6-89B7-39F5FAB15DA9}" type="slidenum">
               <a:rPr lang="zh-CN" altLang="en-US"/>
-              <a:t>‹#›</a:t>
             </a:fld>
             <a:endParaRPr lang="zh-CN" altLang="en-US">
               <a:cs typeface="+mn-cs"/>
@@ -684,11 +667,6 @@
         </p:txBody>
       </p:sp>
     </p:spTree>
-    <p:extLst>
-      <p:ext uri="{BB962C8B-B14F-4D97-AF65-F5344CB8AC3E}">
-        <p14:creationId xmlns:p14="http://schemas.microsoft.com/office/powerpoint/2010/main" val="813707216"/>
-      </p:ext>
-    </p:extLst>
   </p:cSld>
   <p:clrMap bg1="lt1" tx1="dk1" bg2="lt2" tx2="dk2" accent1="accent1" accent2="accent2" accent3="accent3" accent4="accent4" accent5="accent5" accent6="accent6" hlink="hlink" folHlink="folHlink"/>
   <p:notesStyle>
@@ -886,7 +864,6 @@
             </a:pPr>
             <a:fld id="{6A8C2294-2A10-4BFF-BAB4-CF89F71F9993}" type="slidenum">
               <a:rPr lang="zh-CN" altLang="en-US" smtClean="0"/>
-              <a:t>1</a:t>
             </a:fld>
             <a:endParaRPr lang="zh-CN" altLang="en-US">
               <a:cs typeface="+mn-cs"/>
@@ -895,11 +872,6 @@
         </p:txBody>
       </p:sp>
     </p:spTree>
-    <p:extLst>
-      <p:ext uri="{BB962C8B-B14F-4D97-AF65-F5344CB8AC3E}">
-        <p14:creationId xmlns:p14="http://schemas.microsoft.com/office/powerpoint/2010/main" val="2797676777"/>
-      </p:ext>
-    </p:extLst>
   </p:cSld>
   <p:clrMapOvr>
     <a:masterClrMapping/>
@@ -977,7 +949,6 @@
             </a:pPr>
             <a:fld id="{DE818977-4CC0-4604-B727-B0E627050D5D}" type="slidenum">
               <a:rPr lang="zh-CN" altLang="en-US" smtClean="0"/>
-              <a:t>2</a:t>
             </a:fld>
             <a:endParaRPr lang="zh-CN" altLang="en-US">
               <a:cs typeface="+mn-cs"/>
@@ -986,11 +957,6 @@
         </p:txBody>
       </p:sp>
     </p:spTree>
-    <p:extLst>
-      <p:ext uri="{BB962C8B-B14F-4D97-AF65-F5344CB8AC3E}">
-        <p14:creationId xmlns:p14="http://schemas.microsoft.com/office/powerpoint/2010/main" val="3411155614"/>
-      </p:ext>
-    </p:extLst>
   </p:cSld>
   <p:clrMapOvr>
     <a:masterClrMapping/>
@@ -1068,7 +1034,6 @@
             </a:pPr>
             <a:fld id="{6A264090-062A-4AB0-B5F3-EB3798E9AB97}" type="slidenum">
               <a:rPr lang="zh-CN" altLang="en-US" smtClean="0"/>
-              <a:t>26</a:t>
             </a:fld>
             <a:endParaRPr lang="zh-CN" altLang="en-US">
               <a:cs typeface="+mn-cs"/>
@@ -1077,11 +1042,6 @@
         </p:txBody>
       </p:sp>
     </p:spTree>
-    <p:extLst>
-      <p:ext uri="{BB962C8B-B14F-4D97-AF65-F5344CB8AC3E}">
-        <p14:creationId xmlns:p14="http://schemas.microsoft.com/office/powerpoint/2010/main" val="1153541383"/>
-      </p:ext>
-    </p:extLst>
   </p:cSld>
   <p:clrMapOvr>
     <a:masterClrMapping/>
@@ -1133,6 +1093,7 @@
               <a:rPr lang="zh-CN" altLang="en-US" noProof="1"/>
               <a:t>单击此处编辑母版标题样式</a:t>
             </a:r>
+            <a:endParaRPr lang="zh-CN" altLang="en-US" noProof="1"/>
           </a:p>
         </p:txBody>
       </p:sp>
@@ -1200,6 +1161,7 @@
               <a:rPr lang="zh-CN" altLang="en-US" noProof="1"/>
               <a:t>单击此处编辑母版副标题样式</a:t>
             </a:r>
+            <a:endParaRPr lang="zh-CN" altLang="en-US" noProof="1"/>
           </a:p>
         </p:txBody>
       </p:sp>
@@ -1258,6 +1220,7 @@
               <a:rPr lang="zh-CN" altLang="en-US" noProof="1"/>
               <a:t>单击此处编辑母版标题样式</a:t>
             </a:r>
+            <a:endParaRPr lang="zh-CN" altLang="en-US" noProof="1"/>
           </a:p>
         </p:txBody>
       </p:sp>
@@ -1289,6 +1252,7 @@
               <a:rPr lang="zh-CN" altLang="en-US" noProof="1"/>
               <a:t>单击此处编辑母版文本样式</a:t>
             </a:r>
+            <a:endParaRPr lang="zh-CN" altLang="en-US" noProof="1"/>
           </a:p>
           <a:p>
             <a:pPr lvl="1"/>
@@ -1296,6 +1260,7 @@
               <a:rPr lang="zh-CN" altLang="en-US" noProof="1"/>
               <a:t>第二级</a:t>
             </a:r>
+            <a:endParaRPr lang="zh-CN" altLang="en-US" noProof="1"/>
           </a:p>
           <a:p>
             <a:pPr lvl="2"/>
@@ -1303,6 +1268,7 @@
               <a:rPr lang="zh-CN" altLang="en-US" noProof="1"/>
               <a:t>第三级</a:t>
             </a:r>
+            <a:endParaRPr lang="zh-CN" altLang="en-US" noProof="1"/>
           </a:p>
           <a:p>
             <a:pPr lvl="3"/>
@@ -1310,6 +1276,7 @@
               <a:rPr lang="zh-CN" altLang="en-US" noProof="1"/>
               <a:t>第四级</a:t>
             </a:r>
+            <a:endParaRPr lang="zh-CN" altLang="en-US" noProof="1"/>
           </a:p>
           <a:p>
             <a:pPr lvl="4"/>
@@ -1317,6 +1284,7 @@
               <a:rPr lang="zh-CN" altLang="en-US" noProof="1"/>
               <a:t>第五级</a:t>
             </a:r>
+            <a:endParaRPr lang="zh-CN" altLang="en-US" noProof="1"/>
           </a:p>
         </p:txBody>
       </p:sp>
@@ -1375,6 +1343,7 @@
               <a:rPr lang="zh-CN" altLang="en-US" noProof="1"/>
               <a:t>单击此处编辑母版标题样式</a:t>
             </a:r>
+            <a:endParaRPr lang="zh-CN" altLang="en-US" noProof="1"/>
           </a:p>
         </p:txBody>
       </p:sp>
@@ -1406,6 +1375,7 @@
               <a:rPr lang="zh-CN" altLang="en-US" noProof="1"/>
               <a:t>单击此处编辑母版文本样式</a:t>
             </a:r>
+            <a:endParaRPr lang="zh-CN" altLang="en-US" noProof="1"/>
           </a:p>
           <a:p>
             <a:pPr lvl="1"/>
@@ -1413,6 +1383,7 @@
               <a:rPr lang="zh-CN" altLang="en-US" noProof="1"/>
               <a:t>第二级</a:t>
             </a:r>
+            <a:endParaRPr lang="zh-CN" altLang="en-US" noProof="1"/>
           </a:p>
           <a:p>
             <a:pPr lvl="2"/>
@@ -1420,6 +1391,7 @@
               <a:rPr lang="zh-CN" altLang="en-US" noProof="1"/>
               <a:t>第三级</a:t>
             </a:r>
+            <a:endParaRPr lang="zh-CN" altLang="en-US" noProof="1"/>
           </a:p>
           <a:p>
             <a:pPr lvl="3"/>
@@ -1427,6 +1399,7 @@
               <a:rPr lang="zh-CN" altLang="en-US" noProof="1"/>
               <a:t>第四级</a:t>
             </a:r>
+            <a:endParaRPr lang="zh-CN" altLang="en-US" noProof="1"/>
           </a:p>
           <a:p>
             <a:pPr lvl="4"/>
@@ -1434,6 +1407,7 @@
               <a:rPr lang="zh-CN" altLang="en-US" noProof="1"/>
               <a:t>第五级</a:t>
             </a:r>
+            <a:endParaRPr lang="zh-CN" altLang="en-US" noProof="1"/>
           </a:p>
         </p:txBody>
       </p:sp>
@@ -1496,6 +1470,7 @@
               <a:rPr lang="zh-CN" altLang="en-US" noProof="1"/>
               <a:t>单击此处编辑母版标题样式</a:t>
             </a:r>
+            <a:endParaRPr lang="zh-CN" altLang="en-US" noProof="1"/>
           </a:p>
         </p:txBody>
       </p:sp>
@@ -1564,6 +1539,7 @@
               <a:rPr lang="zh-CN" altLang="en-US" noProof="1"/>
               <a:t>单击此处编辑母版文本样式</a:t>
             </a:r>
+            <a:endParaRPr lang="zh-CN" altLang="en-US" noProof="1"/>
           </a:p>
         </p:txBody>
       </p:sp>
@@ -1622,6 +1598,7 @@
               <a:rPr lang="zh-CN" altLang="en-US" noProof="1"/>
               <a:t>单击此处编辑母版标题样式</a:t>
             </a:r>
+            <a:endParaRPr lang="zh-CN" altLang="en-US" noProof="1"/>
           </a:p>
         </p:txBody>
       </p:sp>
@@ -1681,6 +1658,7 @@
               <a:rPr lang="zh-CN" altLang="en-US" noProof="1"/>
               <a:t>单击此处编辑母版文本样式</a:t>
             </a:r>
+            <a:endParaRPr lang="zh-CN" altLang="en-US" noProof="1"/>
           </a:p>
           <a:p>
             <a:pPr lvl="1"/>
@@ -1688,6 +1666,7 @@
               <a:rPr lang="zh-CN" altLang="en-US" noProof="1"/>
               <a:t>第二级</a:t>
             </a:r>
+            <a:endParaRPr lang="zh-CN" altLang="en-US" noProof="1"/>
           </a:p>
           <a:p>
             <a:pPr lvl="2"/>
@@ -1695,6 +1674,7 @@
               <a:rPr lang="zh-CN" altLang="en-US" noProof="1"/>
               <a:t>第三级</a:t>
             </a:r>
+            <a:endParaRPr lang="zh-CN" altLang="en-US" noProof="1"/>
           </a:p>
           <a:p>
             <a:pPr lvl="3"/>
@@ -1702,6 +1682,7 @@
               <a:rPr lang="zh-CN" altLang="en-US" noProof="1"/>
               <a:t>第四级</a:t>
             </a:r>
+            <a:endParaRPr lang="zh-CN" altLang="en-US" noProof="1"/>
           </a:p>
           <a:p>
             <a:pPr lvl="4"/>
@@ -1709,6 +1690,7 @@
               <a:rPr lang="zh-CN" altLang="en-US" noProof="1"/>
               <a:t>第五级</a:t>
             </a:r>
+            <a:endParaRPr lang="zh-CN" altLang="en-US" noProof="1"/>
           </a:p>
         </p:txBody>
       </p:sp>
@@ -1768,6 +1750,7 @@
               <a:rPr lang="zh-CN" altLang="en-US" noProof="1"/>
               <a:t>单击此处编辑母版文本样式</a:t>
             </a:r>
+            <a:endParaRPr lang="zh-CN" altLang="en-US" noProof="1"/>
           </a:p>
           <a:p>
             <a:pPr lvl="1"/>
@@ -1775,6 +1758,7 @@
               <a:rPr lang="zh-CN" altLang="en-US" noProof="1"/>
               <a:t>第二级</a:t>
             </a:r>
+            <a:endParaRPr lang="zh-CN" altLang="en-US" noProof="1"/>
           </a:p>
           <a:p>
             <a:pPr lvl="2"/>
@@ -1782,6 +1766,7 @@
               <a:rPr lang="zh-CN" altLang="en-US" noProof="1"/>
               <a:t>第三级</a:t>
             </a:r>
+            <a:endParaRPr lang="zh-CN" altLang="en-US" noProof="1"/>
           </a:p>
           <a:p>
             <a:pPr lvl="3"/>
@@ -1789,6 +1774,7 @@
               <a:rPr lang="zh-CN" altLang="en-US" noProof="1"/>
               <a:t>第四级</a:t>
             </a:r>
+            <a:endParaRPr lang="zh-CN" altLang="en-US" noProof="1"/>
           </a:p>
           <a:p>
             <a:pPr lvl="4"/>
@@ -1796,6 +1782,7 @@
               <a:rPr lang="zh-CN" altLang="en-US" noProof="1"/>
               <a:t>第五级</a:t>
             </a:r>
+            <a:endParaRPr lang="zh-CN" altLang="en-US" noProof="1"/>
           </a:p>
         </p:txBody>
       </p:sp>
@@ -1858,6 +1845,7 @@
               <a:rPr lang="zh-CN" altLang="en-US" noProof="1"/>
               <a:t>单击此处编辑母版标题样式</a:t>
             </a:r>
+            <a:endParaRPr lang="zh-CN" altLang="en-US" noProof="1"/>
           </a:p>
         </p:txBody>
       </p:sp>
@@ -1926,6 +1914,7 @@
               <a:rPr lang="zh-CN" altLang="en-US" noProof="1"/>
               <a:t>单击此处编辑母版文本样式</a:t>
             </a:r>
+            <a:endParaRPr lang="zh-CN" altLang="en-US" noProof="1"/>
           </a:p>
         </p:txBody>
       </p:sp>
@@ -1985,6 +1974,7 @@
               <a:rPr lang="zh-CN" altLang="en-US" noProof="1"/>
               <a:t>单击此处编辑母版文本样式</a:t>
             </a:r>
+            <a:endParaRPr lang="zh-CN" altLang="en-US" noProof="1"/>
           </a:p>
           <a:p>
             <a:pPr lvl="1"/>
@@ -1992,6 +1982,7 @@
               <a:rPr lang="zh-CN" altLang="en-US" noProof="1"/>
               <a:t>第二级</a:t>
             </a:r>
+            <a:endParaRPr lang="zh-CN" altLang="en-US" noProof="1"/>
           </a:p>
           <a:p>
             <a:pPr lvl="2"/>
@@ -1999,6 +1990,7 @@
               <a:rPr lang="zh-CN" altLang="en-US" noProof="1"/>
               <a:t>第三级</a:t>
             </a:r>
+            <a:endParaRPr lang="zh-CN" altLang="en-US" noProof="1"/>
           </a:p>
           <a:p>
             <a:pPr lvl="3"/>
@@ -2006,6 +1998,7 @@
               <a:rPr lang="zh-CN" altLang="en-US" noProof="1"/>
               <a:t>第四级</a:t>
             </a:r>
+            <a:endParaRPr lang="zh-CN" altLang="en-US" noProof="1"/>
           </a:p>
           <a:p>
             <a:pPr lvl="4"/>
@@ -2013,6 +2006,7 @@
               <a:rPr lang="zh-CN" altLang="en-US" noProof="1"/>
               <a:t>第五级</a:t>
             </a:r>
+            <a:endParaRPr lang="zh-CN" altLang="en-US" noProof="1"/>
           </a:p>
         </p:txBody>
       </p:sp>
@@ -2081,6 +2075,7 @@
               <a:rPr lang="zh-CN" altLang="en-US" noProof="1"/>
               <a:t>单击此处编辑母版文本样式</a:t>
             </a:r>
+            <a:endParaRPr lang="zh-CN" altLang="en-US" noProof="1"/>
           </a:p>
         </p:txBody>
       </p:sp>
@@ -2140,6 +2135,7 @@
               <a:rPr lang="zh-CN" altLang="en-US" noProof="1"/>
               <a:t>单击此处编辑母版文本样式</a:t>
             </a:r>
+            <a:endParaRPr lang="zh-CN" altLang="en-US" noProof="1"/>
           </a:p>
           <a:p>
             <a:pPr lvl="1"/>
@@ -2147,6 +2143,7 @@
               <a:rPr lang="zh-CN" altLang="en-US" noProof="1"/>
               <a:t>第二级</a:t>
             </a:r>
+            <a:endParaRPr lang="zh-CN" altLang="en-US" noProof="1"/>
           </a:p>
           <a:p>
             <a:pPr lvl="2"/>
@@ -2154,6 +2151,7 @@
               <a:rPr lang="zh-CN" altLang="en-US" noProof="1"/>
               <a:t>第三级</a:t>
             </a:r>
+            <a:endParaRPr lang="zh-CN" altLang="en-US" noProof="1"/>
           </a:p>
           <a:p>
             <a:pPr lvl="3"/>
@@ -2161,6 +2159,7 @@
               <a:rPr lang="zh-CN" altLang="en-US" noProof="1"/>
               <a:t>第四级</a:t>
             </a:r>
+            <a:endParaRPr lang="zh-CN" altLang="en-US" noProof="1"/>
           </a:p>
           <a:p>
             <a:pPr lvl="4"/>
@@ -2168,6 +2167,7 @@
               <a:rPr lang="zh-CN" altLang="en-US" noProof="1"/>
               <a:t>第五级</a:t>
             </a:r>
+            <a:endParaRPr lang="zh-CN" altLang="en-US" noProof="1"/>
           </a:p>
         </p:txBody>
       </p:sp>
@@ -2226,6 +2226,7 @@
               <a:rPr lang="zh-CN" altLang="en-US" noProof="1"/>
               <a:t>单击此处编辑母版标题样式</a:t>
             </a:r>
+            <a:endParaRPr lang="zh-CN" altLang="en-US" noProof="1"/>
           </a:p>
         </p:txBody>
       </p:sp>
@@ -2316,6 +2317,7 @@
               <a:rPr lang="zh-CN" altLang="en-US" noProof="1"/>
               <a:t>单击此处编辑母版标题样式</a:t>
             </a:r>
+            <a:endParaRPr lang="zh-CN" altLang="en-US" noProof="1"/>
           </a:p>
         </p:txBody>
       </p:sp>
@@ -2375,6 +2377,7 @@
               <a:rPr lang="zh-CN" altLang="en-US" noProof="1"/>
               <a:t>单击此处编辑母版文本样式</a:t>
             </a:r>
+            <a:endParaRPr lang="zh-CN" altLang="en-US" noProof="1"/>
           </a:p>
           <a:p>
             <a:pPr lvl="1"/>
@@ -2382,6 +2385,7 @@
               <a:rPr lang="zh-CN" altLang="en-US" noProof="1"/>
               <a:t>第二级</a:t>
             </a:r>
+            <a:endParaRPr lang="zh-CN" altLang="en-US" noProof="1"/>
           </a:p>
           <a:p>
             <a:pPr lvl="2"/>
@@ -2389,6 +2393,7 @@
               <a:rPr lang="zh-CN" altLang="en-US" noProof="1"/>
               <a:t>第三级</a:t>
             </a:r>
+            <a:endParaRPr lang="zh-CN" altLang="en-US" noProof="1"/>
           </a:p>
           <a:p>
             <a:pPr lvl="3"/>
@@ -2396,6 +2401,7 @@
               <a:rPr lang="zh-CN" altLang="en-US" noProof="1"/>
               <a:t>第四级</a:t>
             </a:r>
+            <a:endParaRPr lang="zh-CN" altLang="en-US" noProof="1"/>
           </a:p>
           <a:p>
             <a:pPr lvl="4"/>
@@ -2403,6 +2409,7 @@
               <a:rPr lang="zh-CN" altLang="en-US" noProof="1"/>
               <a:t>第五级</a:t>
             </a:r>
+            <a:endParaRPr lang="zh-CN" altLang="en-US" noProof="1"/>
           </a:p>
         </p:txBody>
       </p:sp>
@@ -2471,6 +2478,7 @@
               <a:rPr lang="zh-CN" altLang="en-US" noProof="1"/>
               <a:t>单击此处编辑母版文本样式</a:t>
             </a:r>
+            <a:endParaRPr lang="zh-CN" altLang="en-US" noProof="1"/>
           </a:p>
         </p:txBody>
       </p:sp>
@@ -2533,6 +2541,7 @@
               <a:rPr lang="zh-CN" altLang="en-US" noProof="1"/>
               <a:t>单击此处编辑母版标题样式</a:t>
             </a:r>
+            <a:endParaRPr lang="zh-CN" altLang="en-US" noProof="1"/>
           </a:p>
         </p:txBody>
       </p:sp>
@@ -2666,6 +2675,7 @@
               <a:rPr lang="zh-CN" altLang="en-US" noProof="1"/>
               <a:t>单击此处编辑母版文本样式</a:t>
             </a:r>
+            <a:endParaRPr lang="zh-CN" altLang="en-US" noProof="1"/>
           </a:p>
         </p:txBody>
       </p:sp>
@@ -2818,6 +2828,15 @@
               </a:rPr>
               <a:t>www.1ppt.com/hangye/ </a:t>
             </a:r>
+            <a:endParaRPr lang="en-US" altLang="zh-CN" sz="100" dirty="0">
+              <a:solidFill>
+                <a:schemeClr val="bg1">
+                  <a:lumMod val="95000"/>
+                </a:schemeClr>
+              </a:solidFill>
+              <a:latin typeface="Calibri" panose="020F0502020204030204"/>
+              <a:ea typeface="宋体" panose="02010600030101010101" pitchFamily="2" charset="-122"/>
+            </a:endParaRPr>
           </a:p>
           <a:p>
             <a:pPr defTabSz="914400" eaLnBrk="1" fontAlgn="auto" hangingPunct="1">
@@ -2900,6 +2919,15 @@
               </a:rPr>
               <a:t>www.1ppt.com/sucai/</a:t>
             </a:r>
+            <a:endParaRPr lang="en-US" altLang="zh-CN" sz="100" dirty="0">
+              <a:solidFill>
+                <a:schemeClr val="bg1">
+                  <a:lumMod val="95000"/>
+                </a:schemeClr>
+              </a:solidFill>
+              <a:latin typeface="Calibri" panose="020F0502020204030204"/>
+              <a:ea typeface="宋体" panose="02010600030101010101" pitchFamily="2" charset="-122"/>
+            </a:endParaRPr>
           </a:p>
           <a:p>
             <a:pPr defTabSz="914400" eaLnBrk="1" fontAlgn="auto" hangingPunct="1">
@@ -2970,6 +2998,15 @@
               </a:rPr>
               <a:t>www.1ppt.com/tubiao/      </a:t>
             </a:r>
+            <a:endParaRPr lang="en-US" altLang="zh-CN" sz="100" dirty="0">
+              <a:solidFill>
+                <a:schemeClr val="bg1">
+                  <a:lumMod val="95000"/>
+                </a:schemeClr>
+              </a:solidFill>
+              <a:latin typeface="Calibri" panose="020F0502020204030204"/>
+              <a:ea typeface="宋体" panose="02010600030101010101" pitchFamily="2" charset="-122"/>
+            </a:endParaRPr>
           </a:p>
           <a:p>
             <a:pPr defTabSz="914400" eaLnBrk="1" fontAlgn="auto" hangingPunct="1">
@@ -3052,6 +3089,15 @@
               </a:rPr>
               <a:t>www.1ppt.com/powerpoint/      </a:t>
             </a:r>
+            <a:endParaRPr lang="en-US" altLang="zh-CN" sz="100" dirty="0">
+              <a:solidFill>
+                <a:schemeClr val="bg1">
+                  <a:lumMod val="95000"/>
+                </a:schemeClr>
+              </a:solidFill>
+              <a:latin typeface="Calibri" panose="020F0502020204030204"/>
+              <a:ea typeface="宋体" panose="02010600030101010101" pitchFamily="2" charset="-122"/>
+            </a:endParaRPr>
           </a:p>
           <a:p>
             <a:pPr defTabSz="914400" eaLnBrk="1" fontAlgn="auto" hangingPunct="1">
@@ -3122,6 +3168,15 @@
               </a:rPr>
               <a:t>www.1ppt.com/excel/  </a:t>
             </a:r>
+            <a:endParaRPr lang="en-US" altLang="zh-CN" sz="100" dirty="0">
+              <a:solidFill>
+                <a:schemeClr val="bg1">
+                  <a:lumMod val="95000"/>
+                </a:schemeClr>
+              </a:solidFill>
+              <a:latin typeface="Calibri" panose="020F0502020204030204"/>
+              <a:ea typeface="宋体" panose="02010600030101010101" pitchFamily="2" charset="-122"/>
+            </a:endParaRPr>
           </a:p>
           <a:p>
             <a:pPr defTabSz="914400" eaLnBrk="1" fontAlgn="auto" hangingPunct="1">
@@ -3180,6 +3235,15 @@
               </a:rPr>
               <a:t>www.1ppt.com/kejian/ </a:t>
             </a:r>
+            <a:endParaRPr lang="en-US" altLang="zh-CN" sz="100" dirty="0">
+              <a:solidFill>
+                <a:schemeClr val="bg1">
+                  <a:lumMod val="95000"/>
+                </a:schemeClr>
+              </a:solidFill>
+              <a:latin typeface="Calibri" panose="020F0502020204030204"/>
+              <a:ea typeface="宋体" panose="02010600030101010101" pitchFamily="2" charset="-122"/>
+            </a:endParaRPr>
           </a:p>
           <a:p>
             <a:pPr defTabSz="914400" eaLnBrk="1" fontAlgn="auto" hangingPunct="1">
@@ -3238,6 +3302,15 @@
               </a:rPr>
               <a:t>www.1ppt.com/shiti/  </a:t>
             </a:r>
+            <a:endParaRPr lang="en-US" altLang="zh-CN" sz="100" dirty="0">
+              <a:solidFill>
+                <a:schemeClr val="bg1">
+                  <a:lumMod val="95000"/>
+                </a:schemeClr>
+              </a:solidFill>
+              <a:latin typeface="Calibri" panose="020F0502020204030204"/>
+              <a:ea typeface="宋体" panose="02010600030101010101" pitchFamily="2" charset="-122"/>
+            </a:endParaRPr>
           </a:p>
           <a:p>
             <a:pPr defTabSz="914400" eaLnBrk="1" fontAlgn="auto" hangingPunct="1">
@@ -3969,7 +4042,7 @@
           <p:nvPr/>
         </p:nvPicPr>
         <p:blipFill>
-          <a:blip r:embed="rId3" cstate="screen"/>
+          <a:blip r:embed="rId1" cstate="screen"/>
           <a:srcRect/>
           <a:stretch>
             <a:fillRect/>
@@ -4066,7 +4139,7 @@
             <p:nvPr/>
           </p:nvPicPr>
           <p:blipFill>
-            <a:blip r:embed="rId2" cstate="screen"/>
+            <a:blip r:embed="rId1" cstate="screen"/>
             <a:srcRect l="25368" b="7591"/>
             <a:stretch>
               <a:fillRect/>
@@ -4338,6 +4411,16 @@
                 </a:rPr>
                 <a:t>示例</a:t>
               </a:r>
+              <a:endParaRPr lang="zh-CN" altLang="en-US" sz="3600" dirty="0">
+                <a:solidFill>
+                  <a:schemeClr val="tx1">
+                    <a:lumMod val="65000"/>
+                    <a:lumOff val="35000"/>
+                  </a:schemeClr>
+                </a:solidFill>
+                <a:latin typeface="幼圆" panose="02010509060101010101" pitchFamily="49" charset="-122"/>
+                <a:ea typeface="幼圆" panose="02010509060101010101" pitchFamily="49" charset="-122"/>
+              </a:endParaRPr>
             </a:p>
           </p:txBody>
         </p:sp>
@@ -4398,6 +4481,7 @@
               <a:rPr lang="en-US" altLang="zh-CN" sz="1600" b="1" dirty="0"/>
               <a:t>get</a:t>
             </a:r>
+            <a:endParaRPr lang="en-US" altLang="zh-CN" sz="1600" b="1" dirty="0"/>
           </a:p>
           <a:p>
             <a:endParaRPr lang="en-US" altLang="zh-CN" sz="1600" b="1" dirty="0"/>
@@ -4415,6 +4499,7 @@
               <a:rPr lang="en-US" altLang="zh-CN" sz="1600" b="1" dirty="0"/>
               <a:t>post</a:t>
             </a:r>
+            <a:endParaRPr lang="en-US" altLang="zh-CN" sz="1600" b="1" dirty="0"/>
           </a:p>
           <a:p>
             <a:endParaRPr lang="en-US" altLang="zh-CN" sz="1600" b="1" dirty="0"/>
@@ -4462,6 +4547,7 @@
               <a:rPr lang="en-US" altLang="zh-CN" sz="1600" b="1" dirty="0"/>
               <a:t>delete</a:t>
             </a:r>
+            <a:endParaRPr lang="en-US" altLang="zh-CN" sz="1600" b="1" dirty="0"/>
           </a:p>
         </p:txBody>
       </p:sp>
@@ -4523,7 +4609,7 @@
             <p:nvPr/>
           </p:nvPicPr>
           <p:blipFill>
-            <a:blip r:embed="rId2" cstate="screen"/>
+            <a:blip r:embed="rId1" cstate="screen"/>
             <a:srcRect l="25368" b="7591"/>
             <a:stretch>
               <a:fillRect/>
@@ -4795,6 +4881,16 @@
                 </a:rPr>
                 <a:t>特性</a:t>
               </a:r>
+              <a:endParaRPr lang="zh-CN" altLang="en-US" sz="3600" dirty="0">
+                <a:solidFill>
+                  <a:schemeClr val="tx1">
+                    <a:lumMod val="65000"/>
+                    <a:lumOff val="35000"/>
+                  </a:schemeClr>
+                </a:solidFill>
+                <a:latin typeface="幼圆" panose="02010509060101010101" pitchFamily="49" charset="-122"/>
+                <a:ea typeface="幼圆" panose="02010509060101010101" pitchFamily="49" charset="-122"/>
+              </a:endParaRPr>
             </a:p>
           </p:txBody>
         </p:sp>
@@ -4808,7 +4904,7 @@
           <p:nvPr/>
         </p:nvPicPr>
         <p:blipFill>
-          <a:blip r:embed="rId3">
+          <a:blip r:embed="rId2">
             <a:extLst>
               <a:ext uri="{28A0092B-C50C-407E-A947-70E740481C1C}">
                 <a14:useLocalDpi xmlns:a14="http://schemas.microsoft.com/office/drawing/2010/main" val="0"/>
@@ -4898,7 +4994,7 @@
             <p:nvPr/>
           </p:nvPicPr>
           <p:blipFill>
-            <a:blip r:embed="rId2" cstate="screen"/>
+            <a:blip r:embed="rId1" cstate="screen"/>
             <a:srcRect l="25368" b="7591"/>
             <a:stretch>
               <a:fillRect/>
@@ -5286,6 +5382,7 @@
               <a:rPr lang="fr-FR" altLang="zh-CN" dirty="0" smtClean="0"/>
               <a:t>code</a:t>
             </a:r>
+            <a:endParaRPr lang="fr-FR" altLang="zh-CN" dirty="0" smtClean="0"/>
           </a:p>
           <a:p>
             <a:pPr marL="342900" indent="-342900">
@@ -5307,6 +5404,7 @@
               <a:rPr lang="en-US" altLang="zh-CN" dirty="0" smtClean="0"/>
               <a:t>403 Status Code</a:t>
             </a:r>
+            <a:endParaRPr lang="en-US" altLang="zh-CN" dirty="0" smtClean="0"/>
           </a:p>
           <a:p>
             <a:pPr marL="342900" indent="-342900">
@@ -5419,7 +5517,7 @@
             <p:nvPr/>
           </p:nvPicPr>
           <p:blipFill>
-            <a:blip r:embed="rId2" cstate="screen"/>
+            <a:blip r:embed="rId1" cstate="screen"/>
             <a:srcRect l="25368" b="7591"/>
             <a:stretch>
               <a:fillRect/>
@@ -5784,6 +5882,7 @@
               <a:rPr lang="en-US" altLang="zh-CN" sz="1600" dirty="0" smtClean="0"/>
               <a:t>	</a:t>
             </a:r>
+            <a:endParaRPr lang="en-US" altLang="zh-CN" sz="1600" dirty="0" smtClean="0"/>
           </a:p>
           <a:p>
             <a:endParaRPr lang="en-US" altLang="zh-CN" sz="1600" dirty="0" smtClean="0"/>
@@ -5793,6 +5892,7 @@
               <a:rPr lang="zh-CN" altLang="en-US" sz="1600" dirty="0" smtClean="0"/>
               <a:t>缺</a:t>
             </a:r>
+            <a:endParaRPr lang="zh-CN" altLang="en-US" sz="1600" dirty="0" smtClean="0"/>
           </a:p>
           <a:p>
             <a:pPr marL="798830" lvl="1" indent="-342900">
@@ -5862,7 +5962,7 @@
           <p:nvPr/>
         </p:nvPicPr>
         <p:blipFill>
-          <a:blip r:embed="rId2" cstate="screen"/>
+          <a:blip r:embed="rId1" cstate="screen"/>
           <a:srcRect l="2" t="10258" r="-4218" b="7593"/>
           <a:stretch>
             <a:fillRect/>
@@ -5953,8 +6053,8 @@
         </p:nvSpPr>
         <p:spPr bwMode="auto">
           <a:xfrm>
-            <a:off x="3309938" y="3247394"/>
-            <a:ext cx="5572125" cy="1414780"/>
+            <a:off x="3309303" y="3237234"/>
+            <a:ext cx="5572125" cy="1322070"/>
           </a:xfrm>
           <a:prstGeom prst="rect">
             <a:avLst/>
@@ -6000,9 +6100,6 @@
               </a:rPr>
               <a:t>GraphQL</a:t>
             </a:r>
-          </a:p>
-          <a:p>
-            <a:pPr algn="ctr"/>
             <a:endParaRPr lang="en-US" altLang="zh-CN" sz="3600" dirty="0" err="1" smtClean="0">
               <a:solidFill>
                 <a:schemeClr val="bg1"/>
@@ -6014,6 +6111,27 @@
           <a:p>
             <a:pPr algn="ctr"/>
             <a:r>
+              <a:rPr lang="en-US" altLang="zh-CN" sz="1600" dirty="0" err="1" smtClean="0">
+                <a:solidFill>
+                  <a:schemeClr val="bg1"/>
+                </a:solidFill>
+                <a:latin typeface="幼圆" panose="02010509060101010101" pitchFamily="49" charset="-122"/>
+                <a:ea typeface="幼圆" panose="02010509060101010101" pitchFamily="49" charset="-122"/>
+                <a:hlinkClick r:id="rId2" tooltip=""/>
+              </a:rPr>
+              <a:t>http://graphql.cn/graphql-js/language/#source</a:t>
+            </a:r>
+            <a:endParaRPr lang="en-US" altLang="zh-CN" sz="3600" dirty="0" err="1" smtClean="0">
+              <a:solidFill>
+                <a:schemeClr val="bg1"/>
+              </a:solidFill>
+              <a:latin typeface="幼圆" panose="02010509060101010101" pitchFamily="49" charset="-122"/>
+              <a:ea typeface="幼圆" panose="02010509060101010101" pitchFamily="49" charset="-122"/>
+            </a:endParaRPr>
+          </a:p>
+          <a:p>
+            <a:pPr algn="ctr"/>
+            <a:r>
               <a:rPr lang="en-US" altLang="zh-CN" sz="1400" u="sng" dirty="0" err="1" smtClean="0">
                 <a:solidFill>
                   <a:schemeClr val="bg1">
@@ -6026,6 +6144,29 @@
               </a:rPr>
               <a:t>http://graphql.cn/</a:t>
             </a:r>
+            <a:endParaRPr lang="en-US" altLang="zh-CN" sz="1400" u="sng" dirty="0" err="1" smtClean="0">
+              <a:solidFill>
+                <a:schemeClr val="bg1">
+                  <a:lumMod val="95000"/>
+                </a:schemeClr>
+              </a:solidFill>
+              <a:latin typeface="幼圆" panose="02010509060101010101" pitchFamily="49" charset="-122"/>
+              <a:ea typeface="幼圆" panose="02010509060101010101" pitchFamily="49" charset="-122"/>
+              <a:hlinkClick r:id="rId3"/>
+            </a:endParaRPr>
+          </a:p>
+          <a:p>
+            <a:pPr algn="ctr"/>
+            <a:endParaRPr lang="en-US" altLang="zh-CN" sz="1400" u="sng" dirty="0" err="1" smtClean="0">
+              <a:solidFill>
+                <a:schemeClr val="bg1">
+                  <a:lumMod val="95000"/>
+                </a:schemeClr>
+              </a:solidFill>
+              <a:latin typeface="幼圆" panose="02010509060101010101" pitchFamily="49" charset="-122"/>
+              <a:ea typeface="幼圆" panose="02010509060101010101" pitchFamily="49" charset="-122"/>
+              <a:hlinkClick r:id="rId3"/>
+            </a:endParaRPr>
           </a:p>
         </p:txBody>
       </p:sp>
@@ -6087,7 +6228,7 @@
             <p:nvPr/>
           </p:nvPicPr>
           <p:blipFill>
-            <a:blip r:embed="rId2" cstate="screen"/>
+            <a:blip r:embed="rId1" cstate="screen"/>
             <a:srcRect l="25368" b="7591"/>
             <a:stretch>
               <a:fillRect/>
@@ -6359,6 +6500,16 @@
                 </a:rPr>
                 <a:t>介绍</a:t>
               </a:r>
+              <a:endParaRPr lang="zh-CN" altLang="en-US" sz="3600" dirty="0">
+                <a:solidFill>
+                  <a:schemeClr val="tx1">
+                    <a:lumMod val="65000"/>
+                    <a:lumOff val="35000"/>
+                  </a:schemeClr>
+                </a:solidFill>
+                <a:latin typeface="幼圆" panose="02010509060101010101" pitchFamily="49" charset="-122"/>
+                <a:ea typeface="幼圆" panose="02010509060101010101" pitchFamily="49" charset="-122"/>
+              </a:endParaRPr>
             </a:p>
           </p:txBody>
         </p:sp>
@@ -6390,6 +6541,7 @@
               <a:rPr lang="zh-CN" altLang="en-US"/>
               <a:t>GraphQL 是一个用于 API 的查询语言，是一个使用基于类型系统来执行查询的服务端运行时（类型系统由你的数据定义）。</a:t>
             </a:r>
+            <a:endParaRPr lang="zh-CN" altLang="en-US"/>
           </a:p>
           <a:p>
             <a:pPr algn="l"/>
@@ -6401,6 +6553,7 @@
               <a:rPr lang="zh-CN" altLang="en-US"/>
               <a:t>GraphQL 并没有和任何特定数据库或者存储引擎绑定，而是依靠你现有的代码和数据支撑</a:t>
             </a:r>
+            <a:endParaRPr lang="zh-CN" altLang="en-US"/>
           </a:p>
         </p:txBody>
       </p:sp>
@@ -6462,7 +6615,7 @@
             <p:nvPr/>
           </p:nvPicPr>
           <p:blipFill>
-            <a:blip r:embed="rId2" cstate="screen"/>
+            <a:blip r:embed="rId1" cstate="screen"/>
             <a:srcRect l="25368" b="7591"/>
             <a:stretch>
               <a:fillRect/>
@@ -6734,6 +6887,16 @@
                 </a:rPr>
                 <a:t>类型</a:t>
               </a:r>
+              <a:endParaRPr lang="zh-CN" altLang="en-US" sz="3600" dirty="0">
+                <a:solidFill>
+                  <a:schemeClr val="tx1">
+                    <a:lumMod val="65000"/>
+                    <a:lumOff val="35000"/>
+                  </a:schemeClr>
+                </a:solidFill>
+                <a:latin typeface="幼圆" panose="02010509060101010101" pitchFamily="49" charset="-122"/>
+                <a:ea typeface="幼圆" panose="02010509060101010101" pitchFamily="49" charset="-122"/>
+              </a:endParaRPr>
             </a:p>
           </p:txBody>
         </p:sp>
@@ -6767,6 +6930,7 @@
               <a:rPr lang="zh-CN" altLang="en-US"/>
               <a:t>默认标量类型</a:t>
             </a:r>
+            <a:endParaRPr lang="zh-CN" altLang="en-US"/>
           </a:p>
           <a:p>
             <a:pPr marL="800100" lvl="1" indent="-342900" algn="l">
@@ -6789,6 +6953,7 @@
               <a:rPr lang="zh-CN" altLang="en-US"/>
               <a:t>位整型</a:t>
             </a:r>
+            <a:endParaRPr lang="zh-CN" altLang="en-US"/>
           </a:p>
           <a:p>
             <a:pPr marL="800100" lvl="1" indent="-342900" algn="l">
@@ -6810,6 +6975,7 @@
               <a:rPr lang="zh-CN" altLang="en-US"/>
               <a:t>有符合的双精度浮点型</a:t>
             </a:r>
+            <a:endParaRPr lang="zh-CN" altLang="en-US"/>
           </a:p>
           <a:p>
             <a:pPr marL="800100" lvl="1" indent="-342900" algn="l">
@@ -6831,6 +6997,7 @@
               <a:rPr lang="zh-CN" altLang="en-US"/>
               <a:t>字符串</a:t>
             </a:r>
+            <a:endParaRPr lang="zh-CN" altLang="en-US"/>
           </a:p>
           <a:p>
             <a:pPr marL="800100" lvl="1" indent="-342900" algn="l">
@@ -6852,6 +7019,7 @@
               <a:rPr lang="zh-CN" altLang="en-US"/>
               <a:t>布尔型</a:t>
             </a:r>
+            <a:endParaRPr lang="zh-CN" altLang="en-US"/>
           </a:p>
           <a:p>
             <a:pPr marL="800100" lvl="1" indent="-342900" algn="l">
@@ -6869,6 +7037,7 @@
               <a:rPr lang="en-US" altLang="zh-CN"/>
               <a:t>ID 常用于获取数据的唯一标志，或缓存的键值，它也会被序列化为String</a:t>
             </a:r>
+            <a:endParaRPr lang="en-US" altLang="zh-CN"/>
           </a:p>
           <a:p>
             <a:pPr marL="800100" lvl="1" indent="-342900" algn="l">
@@ -6886,6 +7055,7 @@
               <a:rPr lang="zh-CN" altLang="en-US"/>
               <a:t>通过 scalar 可以自定义标量类型</a:t>
             </a:r>
+            <a:endParaRPr lang="zh-CN" altLang="en-US"/>
           </a:p>
           <a:p>
             <a:pPr marL="342900" indent="-342900" algn="l">
@@ -6953,7 +7123,7 @@
             <p:nvPr/>
           </p:nvPicPr>
           <p:blipFill>
-            <a:blip r:embed="rId2" cstate="screen"/>
+            <a:blip r:embed="rId1" cstate="screen"/>
             <a:srcRect l="25368" b="7591"/>
             <a:stretch>
               <a:fillRect/>
@@ -7225,6 +7395,16 @@
                 </a:rPr>
                 <a:t>类型</a:t>
               </a:r>
+              <a:endParaRPr lang="zh-CN" altLang="en-US" sz="3600" dirty="0">
+                <a:solidFill>
+                  <a:schemeClr val="tx1">
+                    <a:lumMod val="65000"/>
+                    <a:lumOff val="35000"/>
+                  </a:schemeClr>
+                </a:solidFill>
+                <a:latin typeface="幼圆" panose="02010509060101010101" pitchFamily="49" charset="-122"/>
+                <a:ea typeface="幼圆" panose="02010509060101010101" pitchFamily="49" charset="-122"/>
+              </a:endParaRPr>
             </a:p>
           </p:txBody>
         </p:sp>
@@ -7258,6 +7438,7 @@
               <a:rPr lang="zh-CN" altLang="en-US"/>
               <a:t>枚举</a:t>
             </a:r>
+            <a:endParaRPr lang="zh-CN" altLang="en-US"/>
           </a:p>
           <a:p>
             <a:pPr marL="457200" lvl="1" indent="0" algn="l">
@@ -7267,6 +7448,7 @@
               <a:rPr lang="en-US" altLang="zh-CN"/>
               <a:t>enum Role{</a:t>
             </a:r>
+            <a:endParaRPr lang="en-US" altLang="zh-CN"/>
           </a:p>
           <a:p>
             <a:pPr marL="457200" lvl="1" indent="0" algn="l">
@@ -7276,6 +7458,7 @@
               <a:rPr lang="en-US" altLang="zh-CN"/>
               <a:t>	Admin,</a:t>
             </a:r>
+            <a:endParaRPr lang="en-US" altLang="zh-CN"/>
           </a:p>
           <a:p>
             <a:pPr marL="457200" lvl="1" indent="0" algn="l">
@@ -7285,6 +7468,7 @@
               <a:rPr lang="en-US" altLang="zh-CN"/>
               <a:t>	Normal	</a:t>
             </a:r>
+            <a:endParaRPr lang="en-US" altLang="zh-CN"/>
           </a:p>
           <a:p>
             <a:pPr marL="457200" lvl="1" indent="0" algn="l">
@@ -7304,6 +7488,7 @@
               <a:rPr lang="zh-CN" altLang="en-US"/>
               <a:t>列表</a:t>
             </a:r>
+            <a:endParaRPr lang="zh-CN" altLang="en-US"/>
           </a:p>
           <a:p>
             <a:pPr marL="457200" lvl="1" indent="0" algn="l">
@@ -7394,6 +7579,7 @@
               <a:rPr lang="zh-CN" altLang="en-US"/>
               <a:t>接口</a:t>
             </a:r>
+            <a:endParaRPr lang="zh-CN" altLang="en-US"/>
           </a:p>
           <a:p>
             <a:pPr marL="457200" lvl="1" indent="0" algn="l">
@@ -7407,6 +7593,7 @@
               <a:rPr lang="en-US" altLang="zh-CN"/>
               <a:t>User{</a:t>
             </a:r>
+            <a:endParaRPr lang="en-US" altLang="zh-CN"/>
           </a:p>
           <a:p>
             <a:pPr marL="457200" lvl="1" indent="0" algn="l">
@@ -7426,6 +7613,7 @@
               <a:rPr lang="zh-CN" altLang="en-US"/>
               <a:t>对象</a:t>
             </a:r>
+            <a:endParaRPr lang="zh-CN" altLang="en-US"/>
           </a:p>
           <a:p>
             <a:pPr marL="457200" lvl="1" indent="0" algn="l">
@@ -7437,6 +7625,9 @@
               </a:rPr>
               <a:t>type AdminUser implements User{</a:t>
             </a:r>
+            <a:endParaRPr lang="en-US" altLang="zh-CN">
+              <a:sym typeface="+mn-ea"/>
+            </a:endParaRPr>
           </a:p>
           <a:p>
             <a:pPr marL="457200" lvl="1" indent="0" algn="l">
@@ -7528,7 +7719,7 @@
             <p:nvPr/>
           </p:nvPicPr>
           <p:blipFill>
-            <a:blip r:embed="rId2" cstate="screen"/>
+            <a:blip r:embed="rId1" cstate="screen"/>
             <a:srcRect l="25368" b="7591"/>
             <a:stretch>
               <a:fillRect/>
@@ -7800,6 +7991,16 @@
                 </a:rPr>
                 <a:t>类型</a:t>
               </a:r>
+              <a:endParaRPr lang="zh-CN" altLang="en-US" sz="3600" dirty="0">
+                <a:solidFill>
+                  <a:schemeClr val="tx1">
+                    <a:lumMod val="65000"/>
+                    <a:lumOff val="35000"/>
+                  </a:schemeClr>
+                </a:solidFill>
+                <a:latin typeface="幼圆" panose="02010509060101010101" pitchFamily="49" charset="-122"/>
+                <a:ea typeface="幼圆" panose="02010509060101010101" pitchFamily="49" charset="-122"/>
+              </a:endParaRPr>
             </a:p>
           </p:txBody>
         </p:sp>
@@ -7833,6 +8034,7 @@
               <a:rPr lang="zh-CN" altLang="en-US"/>
               <a:t>输入类型</a:t>
             </a:r>
+            <a:endParaRPr lang="zh-CN" altLang="en-US"/>
           </a:p>
           <a:p>
             <a:pPr marL="457200" lvl="1" indent="0" algn="l">
@@ -7890,6 +8092,7 @@
               <a:rPr lang="zh-CN" altLang="en-US"/>
               <a:t>联合类型</a:t>
             </a:r>
+            <a:endParaRPr lang="zh-CN" altLang="en-US"/>
           </a:p>
           <a:p>
             <a:pPr marL="457200" lvl="1" indent="0" algn="l">
@@ -7919,6 +8122,7 @@
               <a:rPr lang="en-US" altLang="zh-CN"/>
               <a:t>NormaUser</a:t>
             </a:r>
+            <a:endParaRPr lang="en-US" altLang="zh-CN"/>
           </a:p>
           <a:p>
             <a:pPr marL="457200" lvl="1" indent="0" algn="l">
@@ -7976,6 +8180,7 @@
               <a:rPr lang="zh-CN" altLang="en-US"/>
               <a:t>变更，用于创建、更新、删除数据</a:t>
             </a:r>
+            <a:endParaRPr lang="zh-CN" altLang="en-US"/>
           </a:p>
           <a:p>
             <a:pPr marL="457200" lvl="1" indent="0" algn="l">
@@ -8049,7 +8254,7 @@
             <p:nvPr/>
           </p:nvPicPr>
           <p:blipFill>
-            <a:blip r:embed="rId2" cstate="screen"/>
+            <a:blip r:embed="rId1" cstate="screen"/>
             <a:srcRect l="25368" b="7591"/>
             <a:stretch>
               <a:fillRect/>
@@ -8321,6 +8526,16 @@
                 </a:rPr>
                 <a:t>参数</a:t>
               </a:r>
+              <a:endParaRPr lang="zh-CN" altLang="en-US" sz="3600" dirty="0">
+                <a:solidFill>
+                  <a:schemeClr val="tx1">
+                    <a:lumMod val="65000"/>
+                    <a:lumOff val="35000"/>
+                  </a:schemeClr>
+                </a:solidFill>
+                <a:latin typeface="幼圆" panose="02010509060101010101" pitchFamily="49" charset="-122"/>
+                <a:ea typeface="幼圆" panose="02010509060101010101" pitchFamily="49" charset="-122"/>
+              </a:endParaRPr>
             </a:p>
           </p:txBody>
         </p:sp>
@@ -8375,6 +8590,7 @@
               <a:rPr lang="zh-CN" altLang="en-US"/>
               <a:t>。</a:t>
             </a:r>
+            <a:endParaRPr lang="zh-CN" altLang="en-US"/>
           </a:p>
           <a:p>
             <a:pPr marL="0" indent="0" algn="l">
@@ -8392,6 +8608,7 @@
               <a:rPr lang="en-US" altLang="zh-CN"/>
               <a:t>query adminUser($roleId:Role){</a:t>
             </a:r>
+            <a:endParaRPr lang="en-US" altLang="zh-CN"/>
           </a:p>
           <a:p>
             <a:pPr marL="0" indent="0" algn="l">
@@ -8412,6 +8629,7 @@
               <a:rPr lang="en-US" altLang="zh-CN"/>
               <a:t>){</a:t>
             </a:r>
+            <a:endParaRPr lang="en-US" altLang="zh-CN"/>
           </a:p>
           <a:p>
             <a:pPr marL="0" indent="0" algn="l">
@@ -8422,6 +8640,7 @@
               <a:rPr lang="en-US" altLang="zh-CN"/>
               <a:t>		name</a:t>
             </a:r>
+            <a:endParaRPr lang="en-US" altLang="zh-CN"/>
           </a:p>
           <a:p>
             <a:pPr marL="0" indent="0" algn="l">
@@ -8432,6 +8651,7 @@
               <a:rPr lang="en-US" altLang="zh-CN"/>
               <a:t>		firstName</a:t>
             </a:r>
+            <a:endParaRPr lang="en-US" altLang="zh-CN"/>
           </a:p>
           <a:p>
             <a:pPr marL="0" indent="0" algn="l">
@@ -8442,6 +8662,7 @@
               <a:rPr lang="en-US" altLang="zh-CN"/>
               <a:t>	}</a:t>
             </a:r>
+            <a:endParaRPr lang="en-US" altLang="zh-CN"/>
           </a:p>
           <a:p>
             <a:pPr marL="0" indent="0" algn="l">
@@ -8738,6 +8959,16 @@
               </a:rPr>
               <a:t>目录</a:t>
             </a:r>
+            <a:endParaRPr lang="zh-CN" altLang="en-US" sz="3600" dirty="0">
+              <a:solidFill>
+                <a:schemeClr val="tx1">
+                  <a:lumMod val="65000"/>
+                  <a:lumOff val="35000"/>
+                </a:schemeClr>
+              </a:solidFill>
+              <a:latin typeface="幼圆" panose="02010509060101010101" pitchFamily="49" charset="-122"/>
+              <a:ea typeface="幼圆" panose="02010509060101010101" pitchFamily="49" charset="-122"/>
+            </a:endParaRPr>
           </a:p>
         </p:txBody>
       </p:sp>
@@ -8750,7 +8981,7 @@
           <p:nvPr/>
         </p:nvPicPr>
         <p:blipFill>
-          <a:blip r:embed="rId3" cstate="screen"/>
+          <a:blip r:embed="rId1" cstate="screen"/>
           <a:srcRect l="25368" b="7591"/>
           <a:stretch>
             <a:fillRect/>
@@ -8975,6 +9206,11 @@
                 </a:rPr>
                 <a:t>1</a:t>
               </a:r>
+              <a:endParaRPr lang="en-US" altLang="zh-CN">
+                <a:solidFill>
+                  <a:schemeClr val="bg1"/>
+                </a:solidFill>
+              </a:endParaRPr>
             </a:p>
           </p:txBody>
         </p:sp>
@@ -9158,6 +9394,11 @@
                 </a:rPr>
                 <a:t>3</a:t>
               </a:r>
+              <a:endParaRPr lang="en-US" altLang="zh-CN">
+                <a:solidFill>
+                  <a:schemeClr val="bg1"/>
+                </a:solidFill>
+              </a:endParaRPr>
             </a:p>
           </p:txBody>
         </p:sp>
@@ -9341,6 +9582,11 @@
                 </a:rPr>
                 <a:t>4</a:t>
               </a:r>
+              <a:endParaRPr lang="en-US" altLang="zh-CN">
+                <a:solidFill>
+                  <a:schemeClr val="bg1"/>
+                </a:solidFill>
+              </a:endParaRPr>
             </a:p>
           </p:txBody>
         </p:sp>
@@ -9354,7 +9600,7 @@
           <p:nvPr/>
         </p:nvPicPr>
         <p:blipFill>
-          <a:blip r:embed="rId4" cstate="screen"/>
+          <a:blip r:embed="rId2" cstate="screen"/>
           <a:srcRect/>
           <a:stretch>
             <a:fillRect/>
@@ -9572,6 +9818,11 @@
                 </a:rPr>
                 <a:t>2</a:t>
               </a:r>
+              <a:endParaRPr lang="en-US" altLang="zh-CN">
+                <a:solidFill>
+                  <a:schemeClr val="bg1"/>
+                </a:solidFill>
+              </a:endParaRPr>
             </a:p>
           </p:txBody>
         </p:sp>
@@ -9970,7 +10221,7 @@
             <p:nvPr/>
           </p:nvPicPr>
           <p:blipFill>
-            <a:blip r:embed="rId2" cstate="screen"/>
+            <a:blip r:embed="rId1" cstate="screen"/>
             <a:srcRect l="25368" b="7591"/>
             <a:stretch>
               <a:fillRect/>
@@ -10242,6 +10493,16 @@
                 </a:rPr>
                 <a:t>片段</a:t>
               </a:r>
+              <a:endParaRPr lang="zh-CN" altLang="en-US" sz="3600" dirty="0">
+                <a:solidFill>
+                  <a:schemeClr val="tx1">
+                    <a:lumMod val="65000"/>
+                    <a:lumOff val="35000"/>
+                  </a:schemeClr>
+                </a:solidFill>
+                <a:latin typeface="幼圆" panose="02010509060101010101" pitchFamily="49" charset="-122"/>
+                <a:ea typeface="幼圆" panose="02010509060101010101" pitchFamily="49" charset="-122"/>
+              </a:endParaRPr>
             </a:p>
           </p:txBody>
         </p:sp>
@@ -10273,6 +10534,7 @@
               <a:rPr lang="zh-CN" altLang="en-US"/>
               <a:t>片段使你能够组织一组字段，然后在需要它们的的地方引入。</a:t>
             </a:r>
+            <a:endParaRPr lang="zh-CN" altLang="en-US"/>
           </a:p>
           <a:p>
             <a:pPr algn="l"/>
@@ -10304,6 +10566,7 @@
               <a:rPr lang="en-US" altLang="zh-CN"/>
               <a:t>{</a:t>
             </a:r>
+            <a:endParaRPr lang="en-US" altLang="zh-CN"/>
           </a:p>
           <a:p>
             <a:pPr algn="l"/>
@@ -10323,6 +10586,7 @@
               <a:rPr lang="en-US" altLang="zh-CN"/>
               <a:t>	}</a:t>
             </a:r>
+            <a:endParaRPr lang="en-US" altLang="zh-CN"/>
           </a:p>
           <a:p>
             <a:pPr algn="l"/>
@@ -10338,6 +10602,7 @@
               <a:rPr lang="en-US" altLang="zh-CN"/>
               <a:t>fragment userModel on User{</a:t>
             </a:r>
+            <a:endParaRPr lang="en-US" altLang="zh-CN"/>
           </a:p>
           <a:p>
             <a:pPr algn="l"/>
@@ -10345,6 +10610,7 @@
               <a:rPr lang="en-US" altLang="zh-CN"/>
               <a:t>		name</a:t>
             </a:r>
+            <a:endParaRPr lang="en-US" altLang="zh-CN"/>
           </a:p>
           <a:p>
             <a:pPr algn="l"/>
@@ -10352,6 +10618,7 @@
               <a:rPr lang="en-US" altLang="zh-CN"/>
               <a:t>		firstName</a:t>
             </a:r>
+            <a:endParaRPr lang="en-US" altLang="zh-CN"/>
           </a:p>
           <a:p>
             <a:pPr algn="l"/>
@@ -10359,6 +10626,7 @@
               <a:rPr lang="en-US" altLang="zh-CN"/>
               <a:t>	}</a:t>
             </a:r>
+            <a:endParaRPr lang="en-US" altLang="zh-CN"/>
           </a:p>
           <a:p>
             <a:pPr algn="l"/>
@@ -10378,6 +10646,7 @@
               <a:rPr lang="en-US" altLang="zh-CN"/>
               <a:t>query  user{</a:t>
             </a:r>
+            <a:endParaRPr lang="en-US" altLang="zh-CN"/>
           </a:p>
           <a:p>
             <a:pPr algn="l"/>
@@ -10385,6 +10654,7 @@
               <a:rPr lang="en-US" altLang="zh-CN"/>
               <a:t>		adminUser(){</a:t>
             </a:r>
+            <a:endParaRPr lang="en-US" altLang="zh-CN"/>
           </a:p>
           <a:p>
             <a:pPr algn="l"/>
@@ -10406,6 +10676,7 @@
               <a:rPr lang="en-US" altLang="zh-CN"/>
               <a:t>		}</a:t>
             </a:r>
+            <a:endParaRPr lang="en-US" altLang="zh-CN"/>
           </a:p>
           <a:p>
             <a:pPr algn="l"/>
@@ -10443,6 +10714,7 @@
               <a:rPr lang="en-US" altLang="zh-CN"/>
               <a:t>	}</a:t>
             </a:r>
+            <a:endParaRPr lang="en-US" altLang="zh-CN"/>
           </a:p>
           <a:p>
             <a:pPr algn="l"/>
@@ -10454,6 +10726,7 @@
               <a:rPr lang="zh-CN" altLang="en-US"/>
               <a:t>特殊：片段中可以使用入口变量，变量名要求一致</a:t>
             </a:r>
+            <a:endParaRPr lang="zh-CN" altLang="en-US"/>
           </a:p>
         </p:txBody>
       </p:sp>
@@ -10515,7 +10788,7 @@
             <p:nvPr/>
           </p:nvPicPr>
           <p:blipFill>
-            <a:blip r:embed="rId2" cstate="screen"/>
+            <a:blip r:embed="rId1" cstate="screen"/>
             <a:srcRect l="25368" b="7591"/>
             <a:stretch>
               <a:fillRect/>
@@ -10787,6 +11060,16 @@
                 </a:rPr>
                 <a:t>片段</a:t>
               </a:r>
+              <a:endParaRPr lang="zh-CN" altLang="en-US" sz="3600" dirty="0">
+                <a:solidFill>
+                  <a:schemeClr val="tx1">
+                    <a:lumMod val="65000"/>
+                    <a:lumOff val="35000"/>
+                  </a:schemeClr>
+                </a:solidFill>
+                <a:latin typeface="幼圆" panose="02010509060101010101" pitchFamily="49" charset="-122"/>
+                <a:ea typeface="幼圆" panose="02010509060101010101" pitchFamily="49" charset="-122"/>
+              </a:endParaRPr>
             </a:p>
           </p:txBody>
         </p:sp>
@@ -10818,6 +11101,7 @@
               <a:rPr lang="zh-CN" altLang="en-US"/>
               <a:t>内联片段</a:t>
             </a:r>
+            <a:endParaRPr lang="zh-CN" altLang="en-US"/>
           </a:p>
           <a:p>
             <a:pPr algn="l"/>
@@ -10829,6 +11113,7 @@
               <a:rPr lang="zh-CN" altLang="en-US"/>
               <a:t>适用内联类型</a:t>
             </a:r>
+            <a:endParaRPr lang="zh-CN" altLang="en-US"/>
           </a:p>
           <a:p>
             <a:pPr algn="l"/>
@@ -10840,6 +11125,7 @@
               <a:rPr lang="zh-CN" altLang="en-US"/>
               <a:t>语法：</a:t>
             </a:r>
+            <a:endParaRPr lang="zh-CN" altLang="en-US"/>
           </a:p>
           <a:p>
             <a:pPr algn="l"/>
@@ -10855,6 +11141,7 @@
               <a:rPr lang="en-US" altLang="zh-CN"/>
               <a:t>{</a:t>
             </a:r>
+            <a:endParaRPr lang="en-US" altLang="zh-CN"/>
           </a:p>
           <a:p>
             <a:pPr algn="l"/>
@@ -10874,6 +11161,7 @@
               <a:rPr lang="en-US" altLang="zh-CN"/>
               <a:t>	}</a:t>
             </a:r>
+            <a:endParaRPr lang="en-US" altLang="zh-CN"/>
           </a:p>
           <a:p>
             <a:pPr algn="l"/>
@@ -10885,6 +11173,7 @@
               <a:rPr lang="zh-CN" altLang="en-US"/>
               <a:t>示例：</a:t>
             </a:r>
+            <a:endParaRPr lang="zh-CN" altLang="en-US"/>
           </a:p>
           <a:p>
             <a:pPr algn="l"/>
@@ -10892,6 +11181,7 @@
               <a:rPr lang="en-US" altLang="zh-CN"/>
               <a:t>	query {</a:t>
             </a:r>
+            <a:endParaRPr lang="en-US" altLang="zh-CN"/>
           </a:p>
           <a:p>
             <a:pPr algn="l"/>
@@ -10899,6 +11189,7 @@
               <a:rPr lang="en-US" altLang="zh-CN"/>
               <a:t>		searchUser($roleId:Role){</a:t>
             </a:r>
+            <a:endParaRPr lang="en-US" altLang="zh-CN"/>
           </a:p>
           <a:p>
             <a:pPr algn="l"/>
@@ -10906,6 +11197,7 @@
               <a:rPr lang="en-US" altLang="zh-CN"/>
               <a:t>			...on AdminUser{</a:t>
             </a:r>
+            <a:endParaRPr lang="en-US" altLang="zh-CN"/>
           </a:p>
           <a:p>
             <a:pPr algn="l"/>
@@ -10913,6 +11205,7 @@
               <a:rPr lang="en-US" altLang="zh-CN"/>
               <a:t>				name</a:t>
             </a:r>
+            <a:endParaRPr lang="en-US" altLang="zh-CN"/>
           </a:p>
           <a:p>
             <a:pPr algn="l"/>
@@ -10920,6 +11213,7 @@
               <a:rPr lang="en-US" altLang="zh-CN"/>
               <a:t>			}</a:t>
             </a:r>
+            <a:endParaRPr lang="en-US" altLang="zh-CN"/>
           </a:p>
           <a:p>
             <a:pPr algn="l"/>
@@ -10934,6 +11228,7 @@
               <a:rPr lang="en-US" altLang="zh-CN"/>
               <a:t>				firstName</a:t>
             </a:r>
+            <a:endParaRPr lang="en-US" altLang="zh-CN"/>
           </a:p>
           <a:p>
             <a:pPr algn="l"/>
@@ -10941,6 +11236,7 @@
               <a:rPr lang="en-US" altLang="zh-CN"/>
               <a:t>			}</a:t>
             </a:r>
+            <a:endParaRPr lang="en-US" altLang="zh-CN"/>
           </a:p>
           <a:p>
             <a:pPr algn="l"/>
@@ -10948,6 +11244,7 @@
               <a:rPr lang="en-US" altLang="zh-CN"/>
               <a:t>		}	</a:t>
             </a:r>
+            <a:endParaRPr lang="en-US" altLang="zh-CN"/>
           </a:p>
           <a:p>
             <a:pPr algn="l"/>
@@ -11021,7 +11318,7 @@
             <p:nvPr/>
           </p:nvPicPr>
           <p:blipFill>
-            <a:blip r:embed="rId2" cstate="screen"/>
+            <a:blip r:embed="rId1" cstate="screen"/>
             <a:srcRect l="25368" b="7591"/>
             <a:stretch>
               <a:fillRect/>
@@ -11293,6 +11590,16 @@
                 </a:rPr>
                 <a:t>指令</a:t>
               </a:r>
+              <a:endParaRPr lang="zh-CN" altLang="en-US" sz="3600" dirty="0">
+                <a:solidFill>
+                  <a:schemeClr val="tx1">
+                    <a:lumMod val="65000"/>
+                    <a:lumOff val="35000"/>
+                  </a:schemeClr>
+                </a:solidFill>
+                <a:latin typeface="幼圆" panose="02010509060101010101" pitchFamily="49" charset="-122"/>
+                <a:ea typeface="幼圆" panose="02010509060101010101" pitchFamily="49" charset="-122"/>
+              </a:endParaRPr>
             </a:p>
           </p:txBody>
         </p:sp>
@@ -11356,6 +11663,7 @@
               <a:rPr lang="zh-CN" altLang="en-US"/>
               <a:t>当条件成立时，不查询此字段</a:t>
             </a:r>
+            <a:endParaRPr lang="zh-CN" altLang="en-US"/>
           </a:p>
           <a:p>
             <a:pPr marL="342900" indent="-342900">
@@ -11381,6 +11689,7 @@
               <a:rPr lang="en-US" altLang="zh-CN"/>
               <a:t>query User($isAdmin:Boolean){</a:t>
             </a:r>
+            <a:endParaRPr lang="en-US" altLang="zh-CN"/>
           </a:p>
           <a:p>
             <a:pPr marL="0" indent="0">
@@ -11390,6 +11699,7 @@
               <a:rPr lang="en-US" altLang="zh-CN"/>
               <a:t>	user(){</a:t>
             </a:r>
+            <a:endParaRPr lang="en-US" altLang="zh-CN"/>
           </a:p>
           <a:p>
             <a:pPr marL="0" indent="0">
@@ -11399,6 +11709,7 @@
               <a:rPr lang="en-US" altLang="zh-CN"/>
               <a:t>		resource @include(if:$isAdmin){</a:t>
             </a:r>
+            <a:endParaRPr lang="en-US" altLang="zh-CN"/>
           </a:p>
           <a:p>
             <a:pPr marL="0" indent="0">
@@ -11408,6 +11719,7 @@
               <a:rPr lang="en-US" altLang="zh-CN"/>
               <a:t>			name</a:t>
             </a:r>
+            <a:endParaRPr lang="en-US" altLang="zh-CN"/>
           </a:p>
           <a:p>
             <a:pPr marL="0" indent="0">
@@ -11417,6 +11729,7 @@
               <a:rPr lang="en-US" altLang="zh-CN"/>
               <a:t>		}	</a:t>
             </a:r>
+            <a:endParaRPr lang="en-US" altLang="zh-CN"/>
           </a:p>
           <a:p>
             <a:pPr marL="0" indent="0">
@@ -11426,6 +11739,7 @@
               <a:rPr lang="en-US" altLang="zh-CN"/>
               <a:t>	}</a:t>
             </a:r>
+            <a:endParaRPr lang="en-US" altLang="zh-CN"/>
           </a:p>
           <a:p>
             <a:pPr marL="0" indent="0">
@@ -11471,6 +11785,7 @@
               <a:rPr lang="zh-CN" altLang="en-US"/>
               <a:t>可以想想：指令可以作用在基础标量上吗？</a:t>
             </a:r>
+            <a:endParaRPr lang="zh-CN" altLang="en-US"/>
           </a:p>
         </p:txBody>
       </p:sp>
@@ -11532,7 +11847,7 @@
             <p:nvPr/>
           </p:nvPicPr>
           <p:blipFill>
-            <a:blip r:embed="rId2" cstate="screen"/>
+            <a:blip r:embed="rId1" cstate="screen"/>
             <a:srcRect l="25368" b="7591"/>
             <a:stretch>
               <a:fillRect/>
@@ -11804,6 +12119,16 @@
                 </a:rPr>
                 <a:t>解析</a:t>
               </a:r>
+              <a:endParaRPr lang="zh-CN" altLang="en-US" sz="3600" dirty="0">
+                <a:solidFill>
+                  <a:schemeClr val="tx1">
+                    <a:lumMod val="65000"/>
+                    <a:lumOff val="35000"/>
+                  </a:schemeClr>
+                </a:solidFill>
+                <a:latin typeface="幼圆" panose="02010509060101010101" pitchFamily="49" charset="-122"/>
+                <a:ea typeface="幼圆" panose="02010509060101010101" pitchFamily="49" charset="-122"/>
+              </a:endParaRPr>
             </a:p>
           </p:txBody>
         </p:sp>
@@ -11866,7 +12191,7 @@
             <p:nvPr/>
           </p:nvPicPr>
           <p:blipFill>
-            <a:blip r:embed="rId2" cstate="screen"/>
+            <a:blip r:embed="rId1" cstate="screen"/>
             <a:srcRect l="25368" b="7591"/>
             <a:stretch>
               <a:fillRect/>
@@ -12138,10 +12463,167 @@
                 </a:rPr>
                 <a:t>优缺</a:t>
               </a:r>
+              <a:endParaRPr lang="zh-CN" altLang="en-US" sz="3600" dirty="0">
+                <a:solidFill>
+                  <a:schemeClr val="tx1">
+                    <a:lumMod val="65000"/>
+                    <a:lumOff val="35000"/>
+                  </a:schemeClr>
+                </a:solidFill>
+                <a:latin typeface="幼圆" panose="02010509060101010101" pitchFamily="49" charset="-122"/>
+                <a:ea typeface="幼圆" panose="02010509060101010101" pitchFamily="49" charset="-122"/>
+              </a:endParaRPr>
             </a:p>
           </p:txBody>
         </p:sp>
       </p:grpSp>
+      <p:sp>
+        <p:nvSpPr>
+          <p:cNvPr id="2" name="文本框 1"/>
+          <p:cNvSpPr txBox="1"/>
+          <p:nvPr/>
+        </p:nvSpPr>
+        <p:spPr>
+          <a:xfrm>
+            <a:off x="3170555" y="1500505"/>
+            <a:ext cx="8075930" cy="2861310"/>
+          </a:xfrm>
+          <a:prstGeom prst="rect">
+            <a:avLst/>
+          </a:prstGeom>
+          <a:noFill/>
+        </p:spPr>
+        <p:txBody>
+          <a:bodyPr wrap="square" rtlCol="0" anchor="t">
+            <a:spAutoFit/>
+          </a:bodyPr>
+          <a:p>
+            <a:r>
+              <a:rPr lang="zh-CN" altLang="en-US" dirty="0" smtClean="0">
+                <a:sym typeface="+mn-ea"/>
+              </a:rPr>
+              <a:t>优</a:t>
+            </a:r>
+            <a:endParaRPr lang="en-US" altLang="zh-CN" dirty="0" smtClean="0"/>
+          </a:p>
+          <a:p>
+            <a:pPr marL="798830" lvl="1" indent="-342900">
+              <a:buFont typeface="+mj-lt"/>
+              <a:buAutoNum type="arabicPeriod"/>
+            </a:pPr>
+            <a:r>
+              <a:rPr lang="zh-CN" altLang="en-US" dirty="0">
+                <a:sym typeface="+mn-ea"/>
+              </a:rPr>
+              <a:t>网络开销低，可以在单一请求中获取REST中使用多条请求获取的资源</a:t>
+            </a:r>
+            <a:r>
+              <a:rPr lang="zh-CN" altLang="en-US" dirty="0" smtClean="0">
+                <a:sym typeface="+mn-ea"/>
+              </a:rPr>
+              <a:t> </a:t>
+            </a:r>
+            <a:endParaRPr lang="en-US" altLang="zh-CN" dirty="0" smtClean="0"/>
+          </a:p>
+          <a:p>
+            <a:pPr marL="798830" lvl="1" indent="-342900">
+              <a:buFont typeface="+mj-lt"/>
+              <a:buAutoNum type="arabicPeriod"/>
+            </a:pPr>
+            <a:r>
+              <a:rPr dirty="0">
+                <a:sym typeface="+mn-ea"/>
+              </a:rPr>
+              <a:t>强类型Schema（约束意味着可以根据规范形成文档、IDE、错误提示等生态工具）</a:t>
+            </a:r>
+            <a:endParaRPr dirty="0">
+              <a:sym typeface="+mn-ea"/>
+            </a:endParaRPr>
+          </a:p>
+          <a:p>
+            <a:pPr marL="798830" lvl="1" indent="-342900">
+              <a:buFont typeface="+mj-lt"/>
+              <a:buAutoNum type="arabicPeriod"/>
+            </a:pPr>
+            <a:r>
+              <a:rPr lang="zh-CN" altLang="en-US" dirty="0" smtClean="0">
+                <a:sym typeface="+mn-ea"/>
+              </a:rPr>
+              <a:t>特别适合图状数据结构的业务场景</a:t>
+            </a:r>
+            <a:r>
+              <a:rPr lang="en-US" altLang="zh-CN" dirty="0" smtClean="0">
+                <a:sym typeface="+mn-ea"/>
+              </a:rPr>
+              <a:t>	</a:t>
+            </a:r>
+            <a:endParaRPr lang="en-US" altLang="zh-CN" dirty="0" smtClean="0"/>
+          </a:p>
+          <a:p>
+            <a:endParaRPr lang="en-US" altLang="zh-CN" dirty="0" smtClean="0"/>
+          </a:p>
+          <a:p>
+            <a:r>
+              <a:rPr lang="zh-CN" altLang="en-US" dirty="0" smtClean="0">
+                <a:sym typeface="+mn-ea"/>
+              </a:rPr>
+              <a:t>缺</a:t>
+            </a:r>
+            <a:endParaRPr lang="zh-CN" altLang="en-US" dirty="0" smtClean="0"/>
+          </a:p>
+          <a:p>
+            <a:pPr marL="798830" lvl="1" indent="-342900">
+              <a:buFont typeface="+mj-lt"/>
+              <a:buAutoNum type="arabicPeriod"/>
+            </a:pPr>
+            <a:r>
+              <a:rPr lang="zh-CN" altLang="en-US" dirty="0" smtClean="0">
+                <a:sym typeface="+mn-ea"/>
+              </a:rPr>
+              <a:t>本身的语法相比较REST和RPC均复杂一些</a:t>
+            </a:r>
+            <a:r>
+              <a:rPr lang="en-US" altLang="zh-CN" dirty="0" smtClean="0">
+                <a:sym typeface="+mn-ea"/>
+              </a:rPr>
+              <a:t>,</a:t>
+            </a:r>
+            <a:r>
+              <a:rPr lang="zh-CN" altLang="en-US" dirty="0" smtClean="0">
+                <a:sym typeface="+mn-ea"/>
+              </a:rPr>
+              <a:t>学习成本高</a:t>
+            </a:r>
+            <a:endParaRPr lang="zh-CN" altLang="en-US" dirty="0" smtClean="0">
+              <a:sym typeface="+mn-ea"/>
+            </a:endParaRPr>
+          </a:p>
+          <a:p>
+            <a:pPr marL="798830" lvl="1" indent="-342900">
+              <a:buFont typeface="+mj-lt"/>
+              <a:buAutoNum type="arabicPeriod"/>
+            </a:pPr>
+            <a:r>
+              <a:rPr lang="zh-CN" altLang="en-US" dirty="0" smtClean="0">
+                <a:sym typeface="+mn-ea"/>
+              </a:rPr>
+              <a:t>实现方面需要配套 Caching 以解决性能瓶颈</a:t>
+            </a:r>
+            <a:endParaRPr lang="zh-CN" altLang="en-US" dirty="0" smtClean="0">
+              <a:sym typeface="+mn-ea"/>
+            </a:endParaRPr>
+          </a:p>
+          <a:p>
+            <a:pPr marL="798830" lvl="1" indent="-342900">
+              <a:buFont typeface="+mj-lt"/>
+              <a:buAutoNum type="arabicPeriod"/>
+            </a:pPr>
+            <a:endParaRPr lang="zh-CN" altLang="en-US" dirty="0" smtClean="0">
+              <a:sym typeface="+mn-ea"/>
+            </a:endParaRPr>
+          </a:p>
+        </p:txBody>
+      </p:sp>
     </p:spTree>
   </p:cSld>
   <p:clrMapOvr>
@@ -12200,7 +12682,7 @@
             <p:nvPr/>
           </p:nvPicPr>
           <p:blipFill>
-            <a:blip r:embed="rId2" cstate="screen"/>
+            <a:blip r:embed="rId1" cstate="screen"/>
             <a:srcRect l="25368" b="7591"/>
             <a:stretch>
               <a:fillRect/>
@@ -12470,12 +12952,332 @@
                   <a:latin typeface="幼圆" panose="02010509060101010101" pitchFamily="49" charset="-122"/>
                   <a:ea typeface="幼圆" panose="02010509060101010101" pitchFamily="49" charset="-122"/>
                 </a:rPr>
-                <a:t>比较</a:t>
+                <a:t>选择</a:t>
               </a:r>
+              <a:endParaRPr lang="zh-CN" altLang="en-US" sz="3600" dirty="0">
+                <a:solidFill>
+                  <a:schemeClr val="tx1">
+                    <a:lumMod val="65000"/>
+                    <a:lumOff val="35000"/>
+                  </a:schemeClr>
+                </a:solidFill>
+                <a:latin typeface="幼圆" panose="02010509060101010101" pitchFamily="49" charset="-122"/>
+                <a:ea typeface="幼圆" panose="02010509060101010101" pitchFamily="49" charset="-122"/>
+              </a:endParaRPr>
             </a:p>
           </p:txBody>
         </p:sp>
       </p:grpSp>
+      <p:sp>
+        <p:nvSpPr>
+          <p:cNvPr id="2" name="文本框 1"/>
+          <p:cNvSpPr txBox="1"/>
+          <p:nvPr/>
+        </p:nvSpPr>
+        <p:spPr>
+          <a:xfrm>
+            <a:off x="3490595" y="709295"/>
+            <a:ext cx="6160135" cy="3692525"/>
+          </a:xfrm>
+          <a:prstGeom prst="rect">
+            <a:avLst/>
+          </a:prstGeom>
+          <a:noFill/>
+        </p:spPr>
+        <p:txBody>
+          <a:bodyPr wrap="square" rtlCol="0">
+            <a:spAutoFit/>
+          </a:bodyPr>
+          <a:p>
+            <a:pPr marL="342900" indent="-342900" algn="l">
+              <a:buAutoNum type="arabicPeriod"/>
+            </a:pPr>
+            <a:r>
+              <a:rPr lang="en-US" altLang="zh-CN"/>
+              <a:t>RPC (Command or Action API,Internal Micro Services API)</a:t>
+            </a:r>
+            <a:endParaRPr lang="en-US" altLang="zh-CN"/>
+          </a:p>
+          <a:p>
+            <a:pPr marL="800100" lvl="1" indent="-342900" algn="l">
+              <a:buAutoNum type="arabicPeriod"/>
+            </a:pPr>
+            <a:r>
+              <a:rPr lang="en-US" altLang="zh-CN"/>
+              <a:t>面向动作或者指令</a:t>
+            </a:r>
+            <a:endParaRPr lang="en-US" altLang="zh-CN"/>
+          </a:p>
+          <a:p>
+            <a:pPr marL="800100" lvl="1" indent="-342900" algn="l">
+              <a:buAutoNum type="arabicPeriod"/>
+            </a:pPr>
+            <a:r>
+              <a:rPr lang="en-US" altLang="zh-CN"/>
+              <a:t>仅需要简单的交互</a:t>
+            </a:r>
+            <a:endParaRPr lang="en-US" altLang="zh-CN"/>
+          </a:p>
+          <a:p>
+            <a:pPr marL="800100" lvl="1" indent="-342900" algn="l">
+              <a:buAutoNum type="arabicPeriod"/>
+            </a:pPr>
+            <a:r>
+              <a:rPr lang="en-US" altLang="zh-CN"/>
+              <a:t>消息密集型</a:t>
+            </a:r>
+            <a:endParaRPr lang="en-US" altLang="zh-CN"/>
+          </a:p>
+          <a:p>
+            <a:pPr marL="800100" lvl="1" indent="-342900" algn="l">
+              <a:buAutoNum type="arabicPeriod"/>
+            </a:pPr>
+            <a:r>
+              <a:rPr lang="en-US" altLang="zh-CN"/>
+              <a:t>对系统性能有较高要求</a:t>
+            </a:r>
+            <a:endParaRPr lang="en-US" altLang="zh-CN"/>
+          </a:p>
+          <a:p>
+            <a:pPr marL="342900" indent="-342900" algn="l">
+              <a:buAutoNum type="arabicPeriod"/>
+            </a:pPr>
+            <a:r>
+              <a:rPr lang="en-US" altLang="zh-CN"/>
+              <a:t>RestFul(Management API,Micro Services API)</a:t>
+            </a:r>
+            <a:endParaRPr lang="en-US" altLang="zh-CN"/>
+          </a:p>
+          <a:p>
+            <a:pPr marL="800100" lvl="1" indent="-342900" algn="l">
+              <a:buAutoNum type="arabicPeriod"/>
+            </a:pPr>
+            <a:r>
+              <a:rPr lang="en-US" altLang="zh-CN">
+                <a:sym typeface="+mn-ea"/>
+              </a:rPr>
+              <a:t>关注于对象与资源</a:t>
+            </a:r>
+            <a:endParaRPr lang="en-US" altLang="zh-CN">
+              <a:sym typeface="+mn-ea"/>
+            </a:endParaRPr>
+          </a:p>
+          <a:p>
+            <a:pPr marL="800100" lvl="1" indent="-342900" algn="l">
+              <a:buAutoNum type="arabicPeriod"/>
+            </a:pPr>
+            <a:r>
+              <a:rPr lang="en-US" altLang="zh-CN">
+                <a:sym typeface="+mn-ea"/>
+              </a:rPr>
+              <a:t>会有多种不同的客户端</a:t>
+            </a:r>
+            <a:endParaRPr lang="en-US" altLang="zh-CN">
+              <a:sym typeface="+mn-ea"/>
+            </a:endParaRPr>
+          </a:p>
+          <a:p>
+            <a:pPr marL="800100" lvl="1" indent="-342900" algn="l">
+              <a:buAutoNum type="arabicPeriod"/>
+            </a:pPr>
+            <a:r>
+              <a:rPr lang="en-US" altLang="zh-CN">
+                <a:sym typeface="+mn-ea"/>
+              </a:rPr>
+              <a:t>需要良好的可发现性和文档</a:t>
+            </a:r>
+            <a:endParaRPr lang="en-US" altLang="zh-CN">
+              <a:sym typeface="+mn-ea"/>
+            </a:endParaRPr>
+          </a:p>
+          <a:p>
+            <a:pPr marL="800100" lvl="1" indent="-342900" algn="l">
+              <a:buAutoNum type="arabicPeriod"/>
+            </a:pPr>
+            <a:r>
+              <a:rPr lang="en-US" altLang="zh-CN"/>
+              <a:t>期望系统开销较低</a:t>
+            </a:r>
+            <a:endParaRPr lang="en-US" altLang="zh-CN"/>
+          </a:p>
+          <a:p>
+            <a:pPr marL="342900" indent="-342900" algn="l">
+              <a:buAutoNum type="arabicPeriod"/>
+            </a:pPr>
+            <a:r>
+              <a:rPr lang="en-US" altLang="zh-CN"/>
+              <a:t>GraphQL(Data or Mobile API)</a:t>
+            </a:r>
+            <a:endParaRPr lang="en-US" altLang="zh-CN"/>
+          </a:p>
+          <a:p>
+            <a:pPr marL="800100" lvl="1" indent="-342900" algn="l">
+              <a:buAutoNum type="arabicPeriod"/>
+            </a:pPr>
+            <a:r>
+              <a:rPr lang="en-US" altLang="zh-CN"/>
+              <a:t>数据类型是具有图状的特点</a:t>
+            </a:r>
+            <a:endParaRPr lang="en-US" altLang="zh-CN"/>
+          </a:p>
+          <a:p>
+            <a:pPr marL="800100" lvl="1" indent="-342900" algn="l">
+              <a:buAutoNum type="arabicPeriod"/>
+            </a:pPr>
+            <a:r>
+              <a:rPr lang="en-US" altLang="zh-CN"/>
+              <a:t>希望对于高延迟场景可以有更好的优化</a:t>
+            </a:r>
+            <a:endParaRPr lang="en-US" altLang="zh-CN"/>
+          </a:p>
+        </p:txBody>
+      </p:sp>
+      <p:sp>
+        <p:nvSpPr>
+          <p:cNvPr id="8" name="文本框 7"/>
+          <p:cNvSpPr txBox="1"/>
+          <p:nvPr/>
+        </p:nvSpPr>
+        <p:spPr>
+          <a:xfrm>
+            <a:off x="4349750" y="6436360"/>
+            <a:ext cx="4203065" cy="337185"/>
+          </a:xfrm>
+          <a:prstGeom prst="rect">
+            <a:avLst/>
+          </a:prstGeom>
+          <a:noFill/>
+        </p:spPr>
+        <p:txBody>
+          <a:bodyPr wrap="none" rtlCol="0">
+            <a:spAutoFit/>
+          </a:bodyPr>
+          <a:p>
+            <a:pPr algn="l"/>
+            <a:r>
+              <a:rPr lang="zh-CN" altLang="en-US" sz="1600">
+                <a:solidFill>
+                  <a:schemeClr val="bg1">
+                    <a:lumMod val="50000"/>
+                  </a:schemeClr>
+                </a:solidFill>
+              </a:rPr>
+              <a:t>https://segmentfault.com/a/1190000013961872</a:t>
+            </a:r>
+            <a:endParaRPr lang="zh-CN" altLang="en-US" sz="1600">
+              <a:solidFill>
+                <a:schemeClr val="bg1">
+                  <a:lumMod val="50000"/>
+                </a:schemeClr>
+              </a:solidFill>
+            </a:endParaRPr>
+          </a:p>
+        </p:txBody>
+      </p:sp>
+      <p:sp>
+        <p:nvSpPr>
+          <p:cNvPr id="9" name="文本框 8"/>
+          <p:cNvSpPr txBox="1"/>
+          <p:nvPr/>
+        </p:nvSpPr>
+        <p:spPr>
+          <a:xfrm>
+            <a:off x="2604135" y="4830445"/>
+            <a:ext cx="8645525" cy="1476375"/>
+          </a:xfrm>
+          <a:prstGeom prst="rect">
+            <a:avLst/>
+          </a:prstGeom>
+          <a:noFill/>
+        </p:spPr>
+        <p:txBody>
+          <a:bodyPr wrap="square" rtlCol="0" anchor="t">
+            <a:spAutoFit/>
+          </a:bodyPr>
+          <a:p>
+            <a:r>
+              <a:rPr lang="zh-CN" altLang="en-US"/>
+              <a:t>	</a:t>
+            </a:r>
+            <a:r>
+              <a:rPr lang="en-US" altLang="zh-CN"/>
+              <a:t>	</a:t>
+            </a:r>
+            <a:r>
+              <a:rPr lang="zh-CN" altLang="en-US"/>
+              <a:t>耦合性	约束性	复杂度	缓存</a:t>
+            </a:r>
+            <a:r>
+              <a:rPr lang="en-US" altLang="zh-CN"/>
+              <a:t>	</a:t>
+            </a:r>
+            <a:r>
+              <a:rPr lang="zh-CN" altLang="en-US"/>
+              <a:t>可发现性</a:t>
+            </a:r>
+            <a:r>
+              <a:rPr lang="en-US" altLang="zh-CN"/>
+              <a:t>	</a:t>
+            </a:r>
+            <a:r>
+              <a:rPr lang="zh-CN" altLang="en-US"/>
+              <a:t>版本控制</a:t>
+            </a:r>
+            <a:r>
+              <a:rPr lang="zh-CN" altLang="en-US">
+                <a:sym typeface="+mn-ea"/>
+              </a:rPr>
+              <a:t>	</a:t>
+            </a:r>
+            <a:endParaRPr lang="zh-CN" altLang="en-US"/>
+          </a:p>
+          <a:p>
+            <a:r>
+              <a:rPr lang="zh-CN" altLang="en-US"/>
+              <a:t>RPC(Function)	high	medium	low	custom	bad	</a:t>
+            </a:r>
+            <a:r>
+              <a:rPr lang="en-US" altLang="zh-CN"/>
+              <a:t>	</a:t>
+            </a:r>
+            <a:r>
+              <a:rPr lang="zh-CN" altLang="en-US"/>
+              <a:t>hard</a:t>
+            </a:r>
+            <a:endParaRPr lang="zh-CN" altLang="en-US"/>
+          </a:p>
+          <a:p>
+            <a:r>
+              <a:rPr lang="zh-CN" altLang="en-US"/>
+              <a:t>REST(Resource)	low	low	low	http	good	</a:t>
+            </a:r>
+            <a:r>
+              <a:rPr lang="en-US" altLang="zh-CN"/>
+              <a:t>	</a:t>
+            </a:r>
+            <a:r>
+              <a:rPr lang="zh-CN" altLang="en-US"/>
+              <a:t>easy</a:t>
+            </a:r>
+            <a:endParaRPr lang="zh-CN" altLang="en-US"/>
+          </a:p>
+          <a:p>
+            <a:r>
+              <a:rPr lang="zh-CN" altLang="en-US"/>
+              <a:t>GraphQL(Query)	medium	high	medium	custom	good	</a:t>
+            </a:r>
+            <a:r>
+              <a:rPr lang="en-US" altLang="zh-CN"/>
+              <a:t>	</a:t>
+            </a:r>
+            <a:r>
+              <a:rPr lang="zh-CN" altLang="en-US"/>
+              <a:t>???</a:t>
+            </a:r>
+            <a:endParaRPr lang="zh-CN" altLang="en-US"/>
+          </a:p>
+        </p:txBody>
+      </p:sp>
     </p:spTree>
   </p:cSld>
   <p:clrMapOvr>
@@ -12627,7 +13429,7 @@
           <p:nvPr/>
         </p:nvPicPr>
         <p:blipFill>
-          <a:blip r:embed="rId3" cstate="screen"/>
+          <a:blip r:embed="rId1" cstate="screen"/>
           <a:srcRect/>
           <a:stretch>
             <a:fillRect/>
@@ -12710,7 +13512,7 @@
           <p:nvPr/>
         </p:nvPicPr>
         <p:blipFill>
-          <a:blip r:embed="rId2" cstate="screen"/>
+          <a:blip r:embed="rId1" cstate="screen"/>
           <a:srcRect l="2" t="10258" r="-4218" b="7593"/>
           <a:stretch>
             <a:fillRect/>
@@ -12926,7 +13728,7 @@
             <p:nvPr/>
           </p:nvPicPr>
           <p:blipFill>
-            <a:blip r:embed="rId2" cstate="screen"/>
+            <a:blip r:embed="rId1" cstate="screen"/>
             <a:srcRect l="25368" b="7591"/>
             <a:stretch>
               <a:fillRect/>
@@ -13198,6 +14000,16 @@
                 </a:rPr>
                 <a:t>介绍</a:t>
               </a:r>
+              <a:endParaRPr lang="zh-CN" altLang="en-US" sz="3600" dirty="0">
+                <a:solidFill>
+                  <a:schemeClr val="tx1">
+                    <a:lumMod val="65000"/>
+                    <a:lumOff val="35000"/>
+                  </a:schemeClr>
+                </a:solidFill>
+                <a:latin typeface="幼圆" panose="02010509060101010101" pitchFamily="49" charset="-122"/>
+                <a:ea typeface="幼圆" panose="02010509060101010101" pitchFamily="49" charset="-122"/>
+              </a:endParaRPr>
             </a:p>
           </p:txBody>
         </p:sp>
@@ -13428,7 +14240,7 @@
             <p:nvPr/>
           </p:nvPicPr>
           <p:blipFill>
-            <a:blip r:embed="rId2" cstate="screen"/>
+            <a:blip r:embed="rId1" cstate="screen"/>
             <a:srcRect l="25368" b="7591"/>
             <a:stretch>
               <a:fillRect/>
@@ -13753,7 +14565,7 @@
           <p:nvPr/>
         </p:nvPicPr>
         <p:blipFill>
-          <a:blip r:embed="rId3">
+          <a:blip r:embed="rId2">
             <a:extLst>
               <a:ext uri="{28A0092B-C50C-407E-A947-70E740481C1C}">
                 <a14:useLocalDpi xmlns:a14="http://schemas.microsoft.com/office/drawing/2010/main" val="0"/>
@@ -13950,6 +14762,7 @@
               <a:rPr lang="en-US" altLang="zh-CN" dirty="0" smtClean="0"/>
               <a:t>stub</a:t>
             </a:r>
+            <a:endParaRPr lang="en-US" altLang="zh-CN" dirty="0" smtClean="0"/>
           </a:p>
           <a:p>
             <a:pPr marL="342900" indent="-342900">
@@ -14076,7 +14889,7 @@
             <p:nvPr/>
           </p:nvPicPr>
           <p:blipFill>
-            <a:blip r:embed="rId2" cstate="screen"/>
+            <a:blip r:embed="rId1" cstate="screen"/>
             <a:srcRect l="25368" b="7591"/>
             <a:stretch>
               <a:fillRect/>
@@ -14429,6 +15242,7 @@
               <a:rPr lang="en-US" altLang="zh-CN" sz="1600" dirty="0" smtClean="0"/>
               <a:t>	</a:t>
             </a:r>
+            <a:endParaRPr lang="en-US" altLang="zh-CN" sz="1600" dirty="0" smtClean="0"/>
           </a:p>
           <a:p>
             <a:endParaRPr lang="en-US" altLang="zh-CN" sz="1600" dirty="0" smtClean="0"/>
@@ -14525,6 +15339,7 @@
               <a:rPr lang="zh-CN" altLang="en-US" sz="1600" dirty="0"/>
               <a:t>对于系统本身耦合性高</a:t>
             </a:r>
+            <a:endParaRPr lang="zh-CN" altLang="en-US" sz="1600" dirty="0"/>
           </a:p>
           <a:p>
             <a:pPr marL="798830" lvl="1" indent="-342900">
@@ -14559,6 +15374,7 @@
               <a:rPr lang="zh-CN" altLang="en-US" sz="1600" dirty="0"/>
               <a:t>需要有详细的文档</a:t>
             </a:r>
+            <a:endParaRPr lang="zh-CN" altLang="en-US" sz="1600" dirty="0"/>
           </a:p>
         </p:txBody>
       </p:sp>
@@ -14606,7 +15422,7 @@
           <p:nvPr/>
         </p:nvPicPr>
         <p:blipFill>
-          <a:blip r:embed="rId2" cstate="screen"/>
+          <a:blip r:embed="rId1" cstate="screen"/>
           <a:srcRect l="2" t="10258" r="-4218" b="7593"/>
           <a:stretch>
             <a:fillRect/>
@@ -14812,7 +15628,7 @@
             <p:nvPr/>
           </p:nvPicPr>
           <p:blipFill>
-            <a:blip r:embed="rId2" cstate="screen"/>
+            <a:blip r:embed="rId1" cstate="screen"/>
             <a:srcRect l="25368" b="7591"/>
             <a:stretch>
               <a:fillRect/>
@@ -15084,6 +15900,16 @@
                 </a:rPr>
                 <a:t>介绍</a:t>
               </a:r>
+              <a:endParaRPr lang="zh-CN" altLang="en-US" sz="3600" dirty="0">
+                <a:solidFill>
+                  <a:schemeClr val="tx1">
+                    <a:lumMod val="65000"/>
+                    <a:lumOff val="35000"/>
+                  </a:schemeClr>
+                </a:solidFill>
+                <a:latin typeface="幼圆" panose="02010509060101010101" pitchFamily="49" charset="-122"/>
+                <a:ea typeface="幼圆" panose="02010509060101010101" pitchFamily="49" charset="-122"/>
+              </a:endParaRPr>
             </a:p>
           </p:txBody>
         </p:sp>
@@ -15308,7 +16134,7 @@
             <p:nvPr/>
           </p:nvPicPr>
           <p:blipFill>
-            <a:blip r:embed="rId3" cstate="screen"/>
+            <a:blip r:embed="rId1" cstate="screen"/>
             <a:srcRect l="25368" b="7591"/>
             <a:stretch>
               <a:fillRect/>
@@ -15817,7 +16643,7 @@
       </p:sp>
     </p:spTree>
     <p:custDataLst>
-      <p:tags r:id="rId1"/>
+      <p:tags r:id="rId2"/>
     </p:custDataLst>
   </p:cSld>
   <p:clrMapOvr>
@@ -15837,8 +16663,14 @@
 </file>
 
 <file path=ppt/tags/tag1.xml><?xml version="1.0" encoding="utf-8"?>
-<p:tagLst xmlns:a="http://schemas.openxmlformats.org/drawingml/2006/main" xmlns:r="http://schemas.openxmlformats.org/officeDocument/2006/relationships" xmlns:p="http://schemas.openxmlformats.org/presentationml/2006/main">
+<p:tagLst xmlns:p="http://schemas.openxmlformats.org/presentationml/2006/main">
   <p:tag name="TIMING" val="|0.9|1.7|0.6|0.6|0.6|0.6|0.6|0.2|0.1|0.1|0.2|0.2|0.4|0.3|0.2|0.3|0.4|0.6"/>
+</p:tagLst>
+</file>
+
+<file path=ppt/tags/tag2.xml><?xml version="1.0" encoding="utf-8"?>
+<p:tagLst xmlns:p="http://schemas.openxmlformats.org/presentationml/2006/main">
+  <p:tag name="KSO_WM_DOC_GUID" val="{37978558-06a1-4a4c-b353-50ede64a2125}"/>
 </p:tagLst>
 </file>
 
@@ -16480,8 +17312,6 @@
       </a:bgFillStyleLst>
     </a:fmtScheme>
   </a:themeElements>
-  <a:objectDefaults/>
-  <a:extraClrSchemeLst/>
   <a:extLst>
     <a:ext uri="{05A4C25C-085E-4340-85A3-A5531E510DB2}">
       <thm15:themeFamily xmlns:thm15="http://schemas.microsoft.com/office/thememl/2012/main" name="Office Theme" id="{62F939B6-93AF-4DB8-9C6B-D6C7DFDC589F}" vid="{4A3C46E8-61CC-4603-A589-7422A47A8E4A}"/>
@@ -16741,8 +17571,6 @@
       </a:bgFillStyleLst>
     </a:fmtScheme>
   </a:themeElements>
-  <a:objectDefaults/>
-  <a:extraClrSchemeLst/>
   <a:extLst>
     <a:ext uri="{05A4C25C-085E-4340-85A3-A5531E510DB2}">
       <thm15:themeFamily xmlns:thm15="http://schemas.microsoft.com/office/thememl/2012/main" name="Office Theme" id="{62F939B6-93AF-4DB8-9C6B-D6C7DFDC589F}" vid="{4A3C46E8-61CC-4603-A589-7422A47A8E4A}"/>

--- a/GraphQL.pptx
+++ b/GraphQL.pptx
@@ -8,7 +8,7 @@
     <p:notesMasterId r:id="rId4"/>
   </p:notesMasterIdLst>
   <p:handoutMasterIdLst>
-    <p:handoutMasterId r:id="rId30"/>
+    <p:handoutMasterId r:id="rId29"/>
   </p:handoutMasterIdLst>
   <p:sldIdLst>
     <p:sldId id="260" r:id="rId3"/>
@@ -33,15 +33,14 @@
     <p:sldId id="317" r:id="rId23"/>
     <p:sldId id="320" r:id="rId24"/>
     <p:sldId id="321" r:id="rId25"/>
-    <p:sldId id="318" r:id="rId26"/>
-    <p:sldId id="272" r:id="rId27"/>
-    <p:sldId id="319" r:id="rId28"/>
-    <p:sldId id="284" r:id="rId29"/>
+    <p:sldId id="272" r:id="rId26"/>
+    <p:sldId id="319" r:id="rId27"/>
+    <p:sldId id="284" r:id="rId28"/>
   </p:sldIdLst>
   <p:sldSz cx="12192000" cy="6858000"/>
   <p:notesSz cx="6858000" cy="9144000"/>
   <p:custDataLst>
-    <p:tags r:id="rId34"/>
+    <p:tags r:id="rId33"/>
   </p:custDataLst>
   <p:defaultTextStyle>
     <a:defPPr>
@@ -6117,7 +6116,7 @@
                 </a:solidFill>
                 <a:latin typeface="幼圆" panose="02010509060101010101" pitchFamily="49" charset="-122"/>
                 <a:ea typeface="幼圆" panose="02010509060101010101" pitchFamily="49" charset="-122"/>
-                <a:hlinkClick r:id="rId2" tooltip=""/>
+                <a:hlinkClick r:id="rId2"/>
               </a:rPr>
               <a:t>http://graphql.cn/graphql-js/language/#source</a:t>
             </a:r>
@@ -11826,7 +11825,7 @@
       </p:grpSpPr>
       <p:grpSp>
         <p:nvGrpSpPr>
-          <p:cNvPr id="98306" name="组合 8"/>
+          <p:cNvPr id="106498" name="组合 8"/>
           <p:cNvGrpSpPr/>
           <p:nvPr/>
         </p:nvGrpSpPr>
@@ -11840,7 +11839,7 @@
         </p:grpSpPr>
         <p:pic>
           <p:nvPicPr>
-            <p:cNvPr id="98313" name="图片 7"/>
+            <p:cNvPr id="106509" name="图片 7"/>
             <p:cNvPicPr>
               <a:picLocks noChangeAspect="1"/>
             </p:cNvPicPr>
@@ -11888,7 +11887,7 @@
         </p:pic>
         <p:grpSp>
           <p:nvGrpSpPr>
-            <p:cNvPr id="98314" name="组合 1"/>
+            <p:cNvPr id="106510" name="组合 1"/>
             <p:cNvGrpSpPr/>
             <p:nvPr/>
           </p:nvGrpSpPr>
@@ -12117,7 +12116,7 @@
                   <a:latin typeface="幼圆" panose="02010509060101010101" pitchFamily="49" charset="-122"/>
                   <a:ea typeface="幼圆" panose="02010509060101010101" pitchFamily="49" charset="-122"/>
                 </a:rPr>
-                <a:t>解析</a:t>
+                <a:t>优缺</a:t>
               </a:r>
               <a:endParaRPr lang="zh-CN" altLang="en-US" sz="3600" dirty="0">
                 <a:solidFill>
@@ -12133,6 +12132,153 @@
           </p:txBody>
         </p:sp>
       </p:grpSp>
+      <p:sp>
+        <p:nvSpPr>
+          <p:cNvPr id="2" name="文本框 1"/>
+          <p:cNvSpPr txBox="1"/>
+          <p:nvPr/>
+        </p:nvSpPr>
+        <p:spPr>
+          <a:xfrm>
+            <a:off x="3170555" y="1500505"/>
+            <a:ext cx="8075930" cy="2861310"/>
+          </a:xfrm>
+          <a:prstGeom prst="rect">
+            <a:avLst/>
+          </a:prstGeom>
+          <a:noFill/>
+        </p:spPr>
+        <p:txBody>
+          <a:bodyPr wrap="square" rtlCol="0" anchor="t">
+            <a:spAutoFit/>
+          </a:bodyPr>
+          <a:p>
+            <a:r>
+              <a:rPr lang="zh-CN" altLang="en-US" dirty="0" smtClean="0">
+                <a:sym typeface="+mn-ea"/>
+              </a:rPr>
+              <a:t>优</a:t>
+            </a:r>
+            <a:endParaRPr lang="en-US" altLang="zh-CN" dirty="0" smtClean="0"/>
+          </a:p>
+          <a:p>
+            <a:pPr marL="798830" lvl="1" indent="-342900">
+              <a:buFont typeface="+mj-lt"/>
+              <a:buAutoNum type="arabicPeriod"/>
+            </a:pPr>
+            <a:r>
+              <a:rPr lang="zh-CN" altLang="en-US" dirty="0">
+                <a:sym typeface="+mn-ea"/>
+              </a:rPr>
+              <a:t>网络开销低，可以在单一请求中获取REST中使用多条请求获取的资源</a:t>
+            </a:r>
+            <a:r>
+              <a:rPr lang="zh-CN" altLang="en-US" dirty="0" smtClean="0">
+                <a:sym typeface="+mn-ea"/>
+              </a:rPr>
+              <a:t> </a:t>
+            </a:r>
+            <a:endParaRPr lang="en-US" altLang="zh-CN" dirty="0" smtClean="0"/>
+          </a:p>
+          <a:p>
+            <a:pPr marL="798830" lvl="1" indent="-342900">
+              <a:buFont typeface="+mj-lt"/>
+              <a:buAutoNum type="arabicPeriod"/>
+            </a:pPr>
+            <a:r>
+              <a:rPr dirty="0">
+                <a:sym typeface="+mn-ea"/>
+              </a:rPr>
+              <a:t>强类型Schema（约束意味着可以根据规范形成文档、IDE、错误提示等生态工具）</a:t>
+            </a:r>
+            <a:endParaRPr dirty="0">
+              <a:sym typeface="+mn-ea"/>
+            </a:endParaRPr>
+          </a:p>
+          <a:p>
+            <a:pPr marL="798830" lvl="1" indent="-342900">
+              <a:buFont typeface="+mj-lt"/>
+              <a:buAutoNum type="arabicPeriod"/>
+            </a:pPr>
+            <a:r>
+              <a:rPr lang="zh-CN" altLang="en-US" dirty="0" smtClean="0">
+                <a:sym typeface="+mn-ea"/>
+              </a:rPr>
+              <a:t>特别适合图状数据结构的业务场景</a:t>
+            </a:r>
+            <a:r>
+              <a:rPr lang="en-US" altLang="zh-CN" dirty="0" smtClean="0">
+                <a:sym typeface="+mn-ea"/>
+              </a:rPr>
+              <a:t>	</a:t>
+            </a:r>
+            <a:endParaRPr lang="en-US" altLang="zh-CN" dirty="0" smtClean="0"/>
+          </a:p>
+          <a:p>
+            <a:endParaRPr lang="en-US" altLang="zh-CN" dirty="0" smtClean="0"/>
+          </a:p>
+          <a:p>
+            <a:r>
+              <a:rPr lang="zh-CN" altLang="en-US" dirty="0" smtClean="0">
+                <a:sym typeface="+mn-ea"/>
+              </a:rPr>
+              <a:t>缺</a:t>
+            </a:r>
+            <a:endParaRPr lang="zh-CN" altLang="en-US" dirty="0" smtClean="0"/>
+          </a:p>
+          <a:p>
+            <a:pPr marL="798830" lvl="1" indent="-342900">
+              <a:buFont typeface="+mj-lt"/>
+              <a:buAutoNum type="arabicPeriod"/>
+            </a:pPr>
+            <a:r>
+              <a:rPr lang="zh-CN" altLang="en-US" dirty="0" smtClean="0">
+                <a:sym typeface="+mn-ea"/>
+              </a:rPr>
+              <a:t>本身的语法相比较REST和RPC均复杂一些</a:t>
+            </a:r>
+            <a:r>
+              <a:rPr lang="en-US" altLang="zh-CN" dirty="0" smtClean="0">
+                <a:sym typeface="+mn-ea"/>
+              </a:rPr>
+              <a:t>,</a:t>
+            </a:r>
+            <a:r>
+              <a:rPr lang="zh-CN" altLang="en-US" dirty="0" smtClean="0">
+                <a:sym typeface="+mn-ea"/>
+              </a:rPr>
+              <a:t>学习成本高</a:t>
+            </a:r>
+            <a:endParaRPr lang="zh-CN" altLang="en-US" dirty="0" smtClean="0">
+              <a:sym typeface="+mn-ea"/>
+            </a:endParaRPr>
+          </a:p>
+          <a:p>
+            <a:pPr marL="798830" lvl="1" indent="-342900">
+              <a:buFont typeface="+mj-lt"/>
+              <a:buAutoNum type="arabicPeriod"/>
+            </a:pPr>
+            <a:r>
+              <a:rPr lang="zh-CN" altLang="en-US" dirty="0" smtClean="0">
+                <a:sym typeface="+mn-ea"/>
+              </a:rPr>
+              <a:t>实现方面需要配套 Caching 以解决性能瓶颈</a:t>
+            </a:r>
+            <a:endParaRPr lang="zh-CN" altLang="en-US" dirty="0" smtClean="0">
+              <a:sym typeface="+mn-ea"/>
+            </a:endParaRPr>
+          </a:p>
+          <a:p>
+            <a:pPr marL="798830" lvl="1" indent="-342900">
+              <a:buFont typeface="+mj-lt"/>
+              <a:buAutoNum type="arabicPeriod"/>
+            </a:pPr>
+            <a:endParaRPr lang="zh-CN" altLang="en-US" dirty="0" smtClean="0">
+              <a:sym typeface="+mn-ea"/>
+            </a:endParaRPr>
+          </a:p>
+        </p:txBody>
+      </p:sp>
     </p:spTree>
   </p:cSld>
   <p:clrMapOvr>
@@ -12461,497 +12607,6 @@
                   <a:latin typeface="幼圆" panose="02010509060101010101" pitchFamily="49" charset="-122"/>
                   <a:ea typeface="幼圆" panose="02010509060101010101" pitchFamily="49" charset="-122"/>
                 </a:rPr>
-                <a:t>优缺</a:t>
-              </a:r>
-              <a:endParaRPr lang="zh-CN" altLang="en-US" sz="3600" dirty="0">
-                <a:solidFill>
-                  <a:schemeClr val="tx1">
-                    <a:lumMod val="65000"/>
-                    <a:lumOff val="35000"/>
-                  </a:schemeClr>
-                </a:solidFill>
-                <a:latin typeface="幼圆" panose="02010509060101010101" pitchFamily="49" charset="-122"/>
-                <a:ea typeface="幼圆" panose="02010509060101010101" pitchFamily="49" charset="-122"/>
-              </a:endParaRPr>
-            </a:p>
-          </p:txBody>
-        </p:sp>
-      </p:grpSp>
-      <p:sp>
-        <p:nvSpPr>
-          <p:cNvPr id="2" name="文本框 1"/>
-          <p:cNvSpPr txBox="1"/>
-          <p:nvPr/>
-        </p:nvSpPr>
-        <p:spPr>
-          <a:xfrm>
-            <a:off x="3170555" y="1500505"/>
-            <a:ext cx="8075930" cy="2861310"/>
-          </a:xfrm>
-          <a:prstGeom prst="rect">
-            <a:avLst/>
-          </a:prstGeom>
-          <a:noFill/>
-        </p:spPr>
-        <p:txBody>
-          <a:bodyPr wrap="square" rtlCol="0" anchor="t">
-            <a:spAutoFit/>
-          </a:bodyPr>
-          <a:p>
-            <a:r>
-              <a:rPr lang="zh-CN" altLang="en-US" dirty="0" smtClean="0">
-                <a:sym typeface="+mn-ea"/>
-              </a:rPr>
-              <a:t>优</a:t>
-            </a:r>
-            <a:endParaRPr lang="en-US" altLang="zh-CN" dirty="0" smtClean="0"/>
-          </a:p>
-          <a:p>
-            <a:pPr marL="798830" lvl="1" indent="-342900">
-              <a:buFont typeface="+mj-lt"/>
-              <a:buAutoNum type="arabicPeriod"/>
-            </a:pPr>
-            <a:r>
-              <a:rPr lang="zh-CN" altLang="en-US" dirty="0">
-                <a:sym typeface="+mn-ea"/>
-              </a:rPr>
-              <a:t>网络开销低，可以在单一请求中获取REST中使用多条请求获取的资源</a:t>
-            </a:r>
-            <a:r>
-              <a:rPr lang="zh-CN" altLang="en-US" dirty="0" smtClean="0">
-                <a:sym typeface="+mn-ea"/>
-              </a:rPr>
-              <a:t> </a:t>
-            </a:r>
-            <a:endParaRPr lang="en-US" altLang="zh-CN" dirty="0" smtClean="0"/>
-          </a:p>
-          <a:p>
-            <a:pPr marL="798830" lvl="1" indent="-342900">
-              <a:buFont typeface="+mj-lt"/>
-              <a:buAutoNum type="arabicPeriod"/>
-            </a:pPr>
-            <a:r>
-              <a:rPr dirty="0">
-                <a:sym typeface="+mn-ea"/>
-              </a:rPr>
-              <a:t>强类型Schema（约束意味着可以根据规范形成文档、IDE、错误提示等生态工具）</a:t>
-            </a:r>
-            <a:endParaRPr dirty="0">
-              <a:sym typeface="+mn-ea"/>
-            </a:endParaRPr>
-          </a:p>
-          <a:p>
-            <a:pPr marL="798830" lvl="1" indent="-342900">
-              <a:buFont typeface="+mj-lt"/>
-              <a:buAutoNum type="arabicPeriod"/>
-            </a:pPr>
-            <a:r>
-              <a:rPr lang="zh-CN" altLang="en-US" dirty="0" smtClean="0">
-                <a:sym typeface="+mn-ea"/>
-              </a:rPr>
-              <a:t>特别适合图状数据结构的业务场景</a:t>
-            </a:r>
-            <a:r>
-              <a:rPr lang="en-US" altLang="zh-CN" dirty="0" smtClean="0">
-                <a:sym typeface="+mn-ea"/>
-              </a:rPr>
-              <a:t>	</a:t>
-            </a:r>
-            <a:endParaRPr lang="en-US" altLang="zh-CN" dirty="0" smtClean="0"/>
-          </a:p>
-          <a:p>
-            <a:endParaRPr lang="en-US" altLang="zh-CN" dirty="0" smtClean="0"/>
-          </a:p>
-          <a:p>
-            <a:r>
-              <a:rPr lang="zh-CN" altLang="en-US" dirty="0" smtClean="0">
-                <a:sym typeface="+mn-ea"/>
-              </a:rPr>
-              <a:t>缺</a:t>
-            </a:r>
-            <a:endParaRPr lang="zh-CN" altLang="en-US" dirty="0" smtClean="0"/>
-          </a:p>
-          <a:p>
-            <a:pPr marL="798830" lvl="1" indent="-342900">
-              <a:buFont typeface="+mj-lt"/>
-              <a:buAutoNum type="arabicPeriod"/>
-            </a:pPr>
-            <a:r>
-              <a:rPr lang="zh-CN" altLang="en-US" dirty="0" smtClean="0">
-                <a:sym typeface="+mn-ea"/>
-              </a:rPr>
-              <a:t>本身的语法相比较REST和RPC均复杂一些</a:t>
-            </a:r>
-            <a:r>
-              <a:rPr lang="en-US" altLang="zh-CN" dirty="0" smtClean="0">
-                <a:sym typeface="+mn-ea"/>
-              </a:rPr>
-              <a:t>,</a:t>
-            </a:r>
-            <a:r>
-              <a:rPr lang="zh-CN" altLang="en-US" dirty="0" smtClean="0">
-                <a:sym typeface="+mn-ea"/>
-              </a:rPr>
-              <a:t>学习成本高</a:t>
-            </a:r>
-            <a:endParaRPr lang="zh-CN" altLang="en-US" dirty="0" smtClean="0">
-              <a:sym typeface="+mn-ea"/>
-            </a:endParaRPr>
-          </a:p>
-          <a:p>
-            <a:pPr marL="798830" lvl="1" indent="-342900">
-              <a:buFont typeface="+mj-lt"/>
-              <a:buAutoNum type="arabicPeriod"/>
-            </a:pPr>
-            <a:r>
-              <a:rPr lang="zh-CN" altLang="en-US" dirty="0" smtClean="0">
-                <a:sym typeface="+mn-ea"/>
-              </a:rPr>
-              <a:t>实现方面需要配套 Caching 以解决性能瓶颈</a:t>
-            </a:r>
-            <a:endParaRPr lang="zh-CN" altLang="en-US" dirty="0" smtClean="0">
-              <a:sym typeface="+mn-ea"/>
-            </a:endParaRPr>
-          </a:p>
-          <a:p>
-            <a:pPr marL="798830" lvl="1" indent="-342900">
-              <a:buFont typeface="+mj-lt"/>
-              <a:buAutoNum type="arabicPeriod"/>
-            </a:pPr>
-            <a:endParaRPr lang="zh-CN" altLang="en-US" dirty="0" smtClean="0">
-              <a:sym typeface="+mn-ea"/>
-            </a:endParaRPr>
-          </a:p>
-        </p:txBody>
-      </p:sp>
-    </p:spTree>
-  </p:cSld>
-  <p:clrMapOvr>
-    <a:masterClrMapping/>
-  </p:clrMapOvr>
-  <p:transition spd="slow">
-    <p:push dir="u"/>
-  </p:transition>
-  <p:timing>
-    <p:tnLst>
-      <p:par>
-        <p:cTn id="1" dur="indefinite" restart="never" nodeType="tmRoot"/>
-      </p:par>
-    </p:tnLst>
-  </p:timing>
-</p:sld>
-</file>
-
-<file path=ppt/slides/slide25.xml><?xml version="1.0" encoding="utf-8"?>
-<p:sld xmlns:a="http://schemas.openxmlformats.org/drawingml/2006/main" xmlns:r="http://schemas.openxmlformats.org/officeDocument/2006/relationships" xmlns:p="http://schemas.openxmlformats.org/presentationml/2006/main">
-  <p:cSld>
-    <p:spTree>
-      <p:nvGrpSpPr>
-        <p:cNvPr id="1" name=""/>
-        <p:cNvGrpSpPr/>
-        <p:nvPr/>
-      </p:nvGrpSpPr>
-      <p:grpSpPr>
-        <a:xfrm>
-          <a:off x="0" y="0"/>
-          <a:ext cx="0" cy="0"/>
-          <a:chOff x="0" y="0"/>
-          <a:chExt cx="0" cy="0"/>
-        </a:xfrm>
-      </p:grpSpPr>
-      <p:grpSp>
-        <p:nvGrpSpPr>
-          <p:cNvPr id="106498" name="组合 8"/>
-          <p:cNvGrpSpPr/>
-          <p:nvPr/>
-        </p:nvGrpSpPr>
-        <p:grpSpPr bwMode="auto">
-          <a:xfrm>
-            <a:off x="0" y="0"/>
-            <a:ext cx="4965700" cy="6858000"/>
-            <a:chOff x="0" y="0"/>
-            <a:chExt cx="4965700" cy="6858000"/>
-          </a:xfrm>
-        </p:grpSpPr>
-        <p:pic>
-          <p:nvPicPr>
-            <p:cNvPr id="106509" name="图片 7"/>
-            <p:cNvPicPr>
-              <a:picLocks noChangeAspect="1"/>
-            </p:cNvPicPr>
-            <p:nvPr/>
-          </p:nvPicPr>
-          <p:blipFill>
-            <a:blip r:embed="rId1" cstate="screen"/>
-            <a:srcRect l="25368" b="7591"/>
-            <a:stretch>
-              <a:fillRect/>
-            </a:stretch>
-          </p:blipFill>
-          <p:spPr bwMode="auto">
-            <a:xfrm>
-              <a:off x="0" y="709612"/>
-              <a:ext cx="4965700" cy="6148388"/>
-            </a:xfrm>
-            <a:prstGeom prst="rect">
-              <a:avLst/>
-            </a:prstGeom>
-            <a:noFill/>
-            <a:ln>
-              <a:noFill/>
-            </a:ln>
-            <a:extLst>
-              <a:ext uri="{909E8E84-426E-40DD-AFC4-6F175D3DCCD1}">
-                <a14:hiddenFill xmlns:a14="http://schemas.microsoft.com/office/drawing/2010/main">
-                  <a:solidFill>
-                    <a:srgbClr val="FFFFFF"/>
-                  </a:solidFill>
-                </a14:hiddenFill>
-              </a:ext>
-              <a:ext uri="{91240B29-F687-4F45-9708-019B960494DF}">
-                <a14:hiddenLine xmlns:a14="http://schemas.microsoft.com/office/drawing/2010/main" w="9525">
-                  <a:solidFill>
-                    <a:srgbClr val="000000"/>
-                  </a:solidFill>
-                  <a:miter lim="800000"/>
-                  <a:headEnd/>
-                  <a:tailEnd/>
-                </a14:hiddenLine>
-              </a:ext>
-            </a:extLst>
-          </p:spPr>
-        </p:pic>
-        <p:grpSp>
-          <p:nvGrpSpPr>
-            <p:cNvPr id="106510" name="组合 1"/>
-            <p:cNvGrpSpPr/>
-            <p:nvPr/>
-          </p:nvGrpSpPr>
-          <p:grpSpPr bwMode="auto">
-            <a:xfrm>
-              <a:off x="2144315" y="0"/>
-              <a:ext cx="81439" cy="6858000"/>
-              <a:chOff x="2144315" y="0"/>
-              <a:chExt cx="81439" cy="6858000"/>
-            </a:xfrm>
-          </p:grpSpPr>
-          <p:sp>
-            <p:nvSpPr>
-              <p:cNvPr id="3" name="椭圆 2"/>
-              <p:cNvSpPr/>
-              <p:nvPr/>
-            </p:nvSpPr>
-            <p:spPr bwMode="auto">
-              <a:xfrm>
-                <a:off x="2144713" y="1419225"/>
-                <a:ext cx="80962" cy="80963"/>
-              </a:xfrm>
-              <a:prstGeom prst="ellipse">
-                <a:avLst/>
-              </a:prstGeom>
-              <a:solidFill>
-                <a:schemeClr val="tx1">
-                  <a:lumMod val="65000"/>
-                  <a:lumOff val="35000"/>
-                </a:schemeClr>
-              </a:solidFill>
-              <a:ln w="9525" cap="flat" cmpd="sng" algn="ctr">
-                <a:solidFill>
-                  <a:schemeClr val="tx1">
-                    <a:lumMod val="65000"/>
-                    <a:lumOff val="35000"/>
-                  </a:schemeClr>
-                </a:solidFill>
-                <a:prstDash val="solid"/>
-                <a:round/>
-                <a:headEnd type="none" w="med" len="med"/>
-                <a:tailEnd type="none" w="med" len="med"/>
-              </a:ln>
-            </p:spPr>
-            <p:txBody>
-              <a:bodyPr/>
-              <a:lstStyle/>
-              <a:p>
-                <a:pPr defTabSz="912495">
-                  <a:buFont typeface="Arial" panose="020B0604020202020204" pitchFamily="34" charset="0"/>
-                  <a:buNone/>
-                  <a:defRPr/>
-                </a:pPr>
-                <a:endParaRPr lang="zh-CN" altLang="en-US"/>
-              </a:p>
-            </p:txBody>
-          </p:sp>
-          <p:cxnSp>
-            <p:nvCxnSpPr>
-              <p:cNvPr id="4" name="直接连接符 3"/>
-              <p:cNvCxnSpPr/>
-              <p:nvPr/>
-            </p:nvCxnSpPr>
-            <p:spPr bwMode="auto">
-              <a:xfrm>
-                <a:off x="2184400" y="0"/>
-                <a:ext cx="0" cy="1419225"/>
-              </a:xfrm>
-              <a:prstGeom prst="line">
-                <a:avLst/>
-              </a:prstGeom>
-              <a:solidFill>
-                <a:schemeClr val="accent1"/>
-              </a:solidFill>
-              <a:ln w="9525" cap="flat" cmpd="sng" algn="ctr">
-                <a:solidFill>
-                  <a:schemeClr val="tx1">
-                    <a:lumMod val="65000"/>
-                    <a:lumOff val="35000"/>
-                  </a:schemeClr>
-                </a:solidFill>
-                <a:prstDash val="solid"/>
-                <a:round/>
-                <a:headEnd type="none" w="med" len="med"/>
-                <a:tailEnd type="none" w="med" len="med"/>
-              </a:ln>
-            </p:spPr>
-          </p:cxnSp>
-          <p:cxnSp>
-            <p:nvCxnSpPr>
-              <p:cNvPr id="5" name="直接连接符 4"/>
-              <p:cNvCxnSpPr/>
-              <p:nvPr/>
-            </p:nvCxnSpPr>
-            <p:spPr bwMode="auto">
-              <a:xfrm>
-                <a:off x="2184400" y="3000375"/>
-                <a:ext cx="0" cy="3857625"/>
-              </a:xfrm>
-              <a:prstGeom prst="line">
-                <a:avLst/>
-              </a:prstGeom>
-              <a:solidFill>
-                <a:schemeClr val="accent1"/>
-              </a:solidFill>
-              <a:ln w="9525" cap="flat" cmpd="sng" algn="ctr">
-                <a:solidFill>
-                  <a:schemeClr val="tx1">
-                    <a:lumMod val="65000"/>
-                    <a:lumOff val="35000"/>
-                  </a:schemeClr>
-                </a:solidFill>
-                <a:prstDash val="solid"/>
-                <a:round/>
-                <a:headEnd type="none" w="med" len="med"/>
-                <a:tailEnd type="none" w="med" len="med"/>
-              </a:ln>
-            </p:spPr>
-          </p:cxnSp>
-          <p:sp>
-            <p:nvSpPr>
-              <p:cNvPr id="6" name="椭圆 5"/>
-              <p:cNvSpPr/>
-              <p:nvPr/>
-            </p:nvSpPr>
-            <p:spPr bwMode="auto">
-              <a:xfrm>
-                <a:off x="2144713" y="2919413"/>
-                <a:ext cx="80962" cy="82550"/>
-              </a:xfrm>
-              <a:prstGeom prst="ellipse">
-                <a:avLst/>
-              </a:prstGeom>
-              <a:solidFill>
-                <a:schemeClr val="tx1">
-                  <a:lumMod val="65000"/>
-                  <a:lumOff val="35000"/>
-                </a:schemeClr>
-              </a:solidFill>
-              <a:ln w="9525" cap="flat" cmpd="sng" algn="ctr">
-                <a:solidFill>
-                  <a:schemeClr val="tx1">
-                    <a:lumMod val="65000"/>
-                    <a:lumOff val="35000"/>
-                  </a:schemeClr>
-                </a:solidFill>
-                <a:prstDash val="solid"/>
-                <a:round/>
-                <a:headEnd type="none" w="med" len="med"/>
-                <a:tailEnd type="none" w="med" len="med"/>
-              </a:ln>
-            </p:spPr>
-            <p:txBody>
-              <a:bodyPr/>
-              <a:lstStyle/>
-              <a:p>
-                <a:pPr defTabSz="912495">
-                  <a:buFont typeface="Arial" panose="020B0604020202020204" pitchFamily="34" charset="0"/>
-                  <a:buNone/>
-                  <a:defRPr/>
-                </a:pPr>
-                <a:endParaRPr lang="zh-CN" altLang="en-US"/>
-              </a:p>
-            </p:txBody>
-          </p:sp>
-        </p:grpSp>
-        <p:sp>
-          <p:nvSpPr>
-            <p:cNvPr id="7" name="文本框 6"/>
-            <p:cNvSpPr txBox="1">
-              <a:spLocks noChangeArrowheads="1"/>
-            </p:cNvSpPr>
-            <p:nvPr/>
-          </p:nvSpPr>
-          <p:spPr bwMode="auto">
-            <a:xfrm>
-              <a:off x="1865313" y="1557338"/>
-              <a:ext cx="658812" cy="1198880"/>
-            </a:xfrm>
-            <a:prstGeom prst="rect">
-              <a:avLst/>
-            </a:prstGeom>
-            <a:noFill/>
-            <a:ln>
-              <a:noFill/>
-            </a:ln>
-            <a:extLst>
-              <a:ext uri="{909E8E84-426E-40DD-AFC4-6F175D3DCCD1}">
-                <a14:hiddenFill xmlns:a14="http://schemas.microsoft.com/office/drawing/2010/main">
-                  <a:solidFill>
-                    <a:srgbClr val="FFFFFF"/>
-                  </a:solidFill>
-                </a14:hiddenFill>
-              </a:ext>
-              <a:ext uri="{91240B29-F687-4F45-9708-019B960494DF}">
-                <a14:hiddenLine xmlns:a14="http://schemas.microsoft.com/office/drawing/2010/main" w="9525">
-                  <a:solidFill>
-                    <a:srgbClr val="000000"/>
-                  </a:solidFill>
-                  <a:miter lim="800000"/>
-                  <a:headEnd/>
-                  <a:tailEnd/>
-                </a14:hiddenLine>
-              </a:ext>
-            </a:extLst>
-          </p:spPr>
-          <p:txBody>
-            <a:bodyPr>
-              <a:spAutoFit/>
-            </a:bodyPr>
-            <a:lstStyle/>
-            <a:p>
-              <a:pPr eaLnBrk="1" hangingPunct="1">
-                <a:buFont typeface="Arial" panose="020B0604020202020204" pitchFamily="34" charset="0"/>
-                <a:buNone/>
-                <a:defRPr/>
-              </a:pPr>
-              <a:r>
-                <a:rPr lang="zh-CN" altLang="en-US" sz="3600" dirty="0">
-                  <a:solidFill>
-                    <a:schemeClr val="tx1">
-                      <a:lumMod val="65000"/>
-                      <a:lumOff val="35000"/>
-                    </a:schemeClr>
-                  </a:solidFill>
-                  <a:latin typeface="幼圆" panose="02010509060101010101" pitchFamily="49" charset="-122"/>
-                  <a:ea typeface="幼圆" panose="02010509060101010101" pitchFamily="49" charset="-122"/>
-                </a:rPr>
                 <a:t>选择</a:t>
               </a:r>
               <a:endParaRPr lang="zh-CN" altLang="en-US" sz="3600" dirty="0">
@@ -13296,7 +12951,7 @@
 </p:sld>
 </file>
 
-<file path=ppt/slides/slide26.xml><?xml version="1.0" encoding="utf-8"?>
+<file path=ppt/slides/slide25.xml><?xml version="1.0" encoding="utf-8"?>
 <p:sld xmlns:a="http://schemas.openxmlformats.org/drawingml/2006/main" xmlns:r="http://schemas.openxmlformats.org/officeDocument/2006/relationships" xmlns:p="http://schemas.openxmlformats.org/presentationml/2006/main">
   <p:cSld>
     <p:spTree>
